--- a/Final_Project/PRESENTATION.pptx
+++ b/Final_Project/PRESENTATION.pptx
@@ -6,16 +6,18 @@
   </p:sldMasterIdLst>
   <p:sldIdLst>
     <p:sldId id="256" r:id="rId2"/>
-    <p:sldId id="261" r:id="rId3"/>
-    <p:sldId id="257" r:id="rId4"/>
-    <p:sldId id="258" r:id="rId5"/>
-    <p:sldId id="259" r:id="rId6"/>
-    <p:sldId id="264" r:id="rId7"/>
-    <p:sldId id="260" r:id="rId8"/>
-    <p:sldId id="262" r:id="rId9"/>
-    <p:sldId id="263" r:id="rId10"/>
-    <p:sldId id="265" r:id="rId11"/>
-    <p:sldId id="266" r:id="rId12"/>
+    <p:sldId id="268" r:id="rId3"/>
+    <p:sldId id="269" r:id="rId4"/>
+    <p:sldId id="261" r:id="rId5"/>
+    <p:sldId id="270" r:id="rId6"/>
+    <p:sldId id="271" r:id="rId7"/>
+    <p:sldId id="257" r:id="rId8"/>
+    <p:sldId id="264" r:id="rId9"/>
+    <p:sldId id="260" r:id="rId10"/>
+    <p:sldId id="263" r:id="rId11"/>
+    <p:sldId id="265" r:id="rId12"/>
+    <p:sldId id="266" r:id="rId13"/>
+    <p:sldId id="272" r:id="rId14"/>
   </p:sldIdLst>
   <p:sldSz cx="12192000" cy="6858000"/>
   <p:notesSz cx="6858000" cy="9144000"/>
@@ -114,6 +116,11 @@
       </a:defRPr>
     </a:lvl9pPr>
   </p:defaultTextStyle>
+  <p:extLst>
+    <p:ext uri="{EFAFB233-063F-42B5-8137-9DF3F51BA10A}">
+      <p15:sldGuideLst xmlns:p15="http://schemas.microsoft.com/office/powerpoint/2012/main"/>
+    </p:ext>
+  </p:extLst>
 </p:presentation>
 </file>
 
@@ -307,7 +314,7 @@
           <a:p>
             <a:fld id="{48A87A34-81AB-432B-8DAE-1953F412C126}" type="datetimeFigureOut">
               <a:rPr lang="en-US" smtClean="0"/>
-              <a:t>11/22/2024</a:t>
+              <a:t>11/25/2024</a:t>
             </a:fld>
             <a:endParaRPr lang="en-US" dirty="0"/>
           </a:p>
@@ -512,7 +519,7 @@
           <a:p>
             <a:fld id="{48A87A34-81AB-432B-8DAE-1953F412C126}" type="datetimeFigureOut">
               <a:rPr lang="en-US" smtClean="0"/>
-              <a:t>11/22/2024</a:t>
+              <a:t>11/25/2024</a:t>
             </a:fld>
             <a:endParaRPr lang="en-US" dirty="0"/>
           </a:p>
@@ -692,7 +699,7 @@
           <a:p>
             <a:fld id="{48A87A34-81AB-432B-8DAE-1953F412C126}" type="datetimeFigureOut">
               <a:rPr lang="en-US" smtClean="0"/>
-              <a:t>11/22/2024</a:t>
+              <a:t>11/25/2024</a:t>
             </a:fld>
             <a:endParaRPr lang="en-US" dirty="0"/>
           </a:p>
@@ -897,7 +904,7 @@
           <a:p>
             <a:fld id="{48A87A34-81AB-432B-8DAE-1953F412C126}" type="datetimeFigureOut">
               <a:rPr lang="en-US" smtClean="0"/>
-              <a:t>11/22/2024</a:t>
+              <a:t>11/25/2024</a:t>
             </a:fld>
             <a:endParaRPr lang="en-US" dirty="0"/>
           </a:p>
@@ -1192,7 +1199,7 @@
           <a:p>
             <a:fld id="{48A87A34-81AB-432B-8DAE-1953F412C126}" type="datetimeFigureOut">
               <a:rPr lang="en-US" smtClean="0"/>
-              <a:t>11/22/2024</a:t>
+              <a:t>11/25/2024</a:t>
             </a:fld>
             <a:endParaRPr lang="en-US" dirty="0"/>
           </a:p>
@@ -1464,7 +1471,7 @@
           <a:p>
             <a:fld id="{48A87A34-81AB-432B-8DAE-1953F412C126}" type="datetimeFigureOut">
               <a:rPr lang="en-US" smtClean="0"/>
-              <a:t>11/22/2024</a:t>
+              <a:t>11/25/2024</a:t>
             </a:fld>
             <a:endParaRPr lang="en-US" dirty="0"/>
           </a:p>
@@ -1871,7 +1878,7 @@
           <a:p>
             <a:fld id="{48A87A34-81AB-432B-8DAE-1953F412C126}" type="datetimeFigureOut">
               <a:rPr lang="en-US" smtClean="0"/>
-              <a:t>11/22/2024</a:t>
+              <a:t>11/25/2024</a:t>
             </a:fld>
             <a:endParaRPr lang="en-US" dirty="0"/>
           </a:p>
@@ -1989,7 +1996,7 @@
           <a:p>
             <a:fld id="{48A87A34-81AB-432B-8DAE-1953F412C126}" type="datetimeFigureOut">
               <a:rPr lang="en-US" smtClean="0"/>
-              <a:t>11/22/2024</a:t>
+              <a:t>11/25/2024</a:t>
             </a:fld>
             <a:endParaRPr lang="en-US" dirty="0"/>
           </a:p>
@@ -2084,7 +2091,7 @@
           <a:p>
             <a:fld id="{48A87A34-81AB-432B-8DAE-1953F412C126}" type="datetimeFigureOut">
               <a:rPr lang="en-US" smtClean="0"/>
-              <a:t>11/22/2024</a:t>
+              <a:t>11/25/2024</a:t>
             </a:fld>
             <a:endParaRPr lang="en-US" dirty="0"/>
           </a:p>
@@ -2374,7 +2381,7 @@
           <a:p>
             <a:fld id="{48A87A34-81AB-432B-8DAE-1953F412C126}" type="datetimeFigureOut">
               <a:rPr lang="en-US" smtClean="0"/>
-              <a:t>11/22/2024</a:t>
+              <a:t>11/25/2024</a:t>
             </a:fld>
             <a:endParaRPr lang="en-US" dirty="0"/>
           </a:p>
@@ -2654,7 +2661,7 @@
           <a:p>
             <a:fld id="{48A87A34-81AB-432B-8DAE-1953F412C126}" type="datetimeFigureOut">
               <a:rPr lang="en-US" smtClean="0"/>
-              <a:t>11/22/2024</a:t>
+              <a:t>11/25/2024</a:t>
             </a:fld>
             <a:endParaRPr lang="en-US" dirty="0"/>
           </a:p>
@@ -2905,7 +2912,7 @@
             <a:fld id="{48A87A34-81AB-432B-8DAE-1953F412C126}" type="datetimeFigureOut">
               <a:rPr lang="en-US" smtClean="0"/>
               <a:pPr/>
-              <a:t>11/22/2024</a:t>
+              <a:t>11/25/2024</a:t>
             </a:fld>
             <a:endParaRPr lang="en-US" dirty="0"/>
           </a:p>
@@ -3437,27 +3444,27 @@
           <a:lstStyle/>
           <a:p>
             <a:r>
-              <a:rPr lang="en-US" sz="3600" dirty="0">
+              <a:rPr lang="en-US" sz="2800" cap="none" dirty="0">
                 <a:solidFill>
                   <a:srgbClr val="FF0000"/>
                 </a:solidFill>
               </a:rPr>
-              <a:t>INFOSYS SPRINGBOARD INTERNSHIP</a:t>
+              <a:t>Data Vista: Sales Data Analysis And Visualization</a:t>
             </a:r>
             <a:br>
-              <a:rPr lang="en-US" sz="3600" dirty="0">
-                <a:solidFill>
-                  <a:srgbClr val="FF0000"/>
-                </a:solidFill>
-              </a:rPr>
-            </a:br>
-            <a:r>
               <a:rPr lang="en-US" sz="2800" cap="none" dirty="0">
                 <a:solidFill>
                   <a:schemeClr val="tx1"/>
                 </a:solidFill>
               </a:rPr>
-              <a:t>Data Vista: Sales Data Analysis And Visualization</a:t>
+            </a:br>
+            <a:r>
+              <a:rPr lang="en-US" sz="2800" cap="none" dirty="0">
+                <a:solidFill>
+                  <a:schemeClr val="tx1"/>
+                </a:solidFill>
+              </a:rPr>
+              <a:t>Topic : Big Mart Sales Data Analysis</a:t>
             </a:r>
             <a:endParaRPr lang="en-IN" sz="2800" dirty="0">
               <a:solidFill>
@@ -3529,8 +3536,8 @@
         </p:nvSpPr>
         <p:spPr>
           <a:xfrm>
-            <a:off x="912688" y="1239180"/>
-            <a:ext cx="10366624" cy="1463040"/>
+            <a:off x="543674" y="1270711"/>
+            <a:ext cx="11104651" cy="1463040"/>
           </a:xfrm>
           <a:prstGeom prst="rect">
             <a:avLst/>
@@ -3564,19 +3571,33 @@
           </a:lstStyle>
           <a:p>
             <a:r>
-              <a:rPr lang="en-US" sz="4400" b="1" dirty="0">
+              <a:rPr lang="en-US" sz="4400" dirty="0">
                 <a:solidFill>
                   <a:schemeClr val="tx1"/>
                 </a:solidFill>
+                <a:effectLst>
+                  <a:outerShdw blurRad="38100" dist="38100" dir="2700000" algn="tl">
+                    <a:srgbClr val="000000">
+                      <a:alpha val="43137"/>
+                    </a:srgbClr>
+                  </a:outerShdw>
+                </a:effectLst>
                 <a:latin typeface="Times New Roman" panose="02020603050405020304" pitchFamily="18" charset="0"/>
                 <a:cs typeface="Times New Roman" panose="02020603050405020304" pitchFamily="18" charset="0"/>
               </a:rPr>
-              <a:t>BIG MART SALES DATA ANALYSIS </a:t>
+              <a:t>INFOSYS SPRINGBOARD INTERNSHIP</a:t>
             </a:r>
             <a:endParaRPr lang="en-IN" sz="4400" b="1" dirty="0">
               <a:solidFill>
                 <a:schemeClr val="tx1"/>
               </a:solidFill>
+              <a:effectLst>
+                <a:outerShdw blurRad="38100" dist="38100" dir="2700000" algn="tl">
+                  <a:srgbClr val="000000">
+                    <a:alpha val="43137"/>
+                  </a:srgbClr>
+                </a:outerShdw>
+              </a:effectLst>
               <a:latin typeface="Times New Roman" panose="02020603050405020304" pitchFamily="18" charset="0"/>
               <a:cs typeface="Times New Roman" panose="02020603050405020304" pitchFamily="18" charset="0"/>
             </a:endParaRPr>
@@ -3597,2890 +3618,6 @@
 </file>
 
 <file path=ppt/slides/slide10.xml><?xml version="1.0" encoding="utf-8"?>
-<p:sld xmlns:a="http://schemas.openxmlformats.org/drawingml/2006/main" xmlns:r="http://schemas.openxmlformats.org/officeDocument/2006/relationships" xmlns:p="http://schemas.openxmlformats.org/presentationml/2006/main">
-  <p:cSld>
-    <p:spTree>
-      <p:nvGrpSpPr>
-        <p:cNvPr id="1" name=""/>
-        <p:cNvGrpSpPr/>
-        <p:nvPr/>
-      </p:nvGrpSpPr>
-      <p:grpSpPr>
-        <a:xfrm>
-          <a:off x="0" y="0"/>
-          <a:ext cx="0" cy="0"/>
-          <a:chOff x="0" y="0"/>
-          <a:chExt cx="0" cy="0"/>
-        </a:xfrm>
-      </p:grpSpPr>
-      <p:pic>
-        <p:nvPicPr>
-          <p:cNvPr id="4" name="Picture 3">
-            <a:extLst>
-              <a:ext uri="{FF2B5EF4-FFF2-40B4-BE49-F238E27FC236}">
-                <a16:creationId xmlns:a16="http://schemas.microsoft.com/office/drawing/2014/main" id="{8AC53CB3-AE48-F800-C0F8-94FF972D0255}"/>
-              </a:ext>
-            </a:extLst>
-          </p:cNvPr>
-          <p:cNvPicPr>
-            <a:picLocks noChangeAspect="1"/>
-          </p:cNvPicPr>
-          <p:nvPr/>
-        </p:nvPicPr>
-        <p:blipFill>
-          <a:blip r:embed="rId2">
-            <a:extLst>
-              <a:ext uri="{28A0092B-C50C-407E-A947-70E740481C1C}">
-                <a14:useLocalDpi xmlns:a14="http://schemas.microsoft.com/office/drawing/2010/main" val="0"/>
-              </a:ext>
-            </a:extLst>
-          </a:blip>
-          <a:srcRect/>
-          <a:stretch>
-            <a:fillRect/>
-          </a:stretch>
-        </p:blipFill>
-        <p:spPr bwMode="auto">
-          <a:xfrm>
-            <a:off x="1195961" y="1721212"/>
-            <a:ext cx="7002815" cy="4448719"/>
-          </a:xfrm>
-          <a:prstGeom prst="rect">
-            <a:avLst/>
-          </a:prstGeom>
-          <a:noFill/>
-          <a:ln>
-            <a:noFill/>
-          </a:ln>
-        </p:spPr>
-      </p:pic>
-      <p:pic>
-        <p:nvPicPr>
-          <p:cNvPr id="5" name="Picture 4">
-            <a:extLst>
-              <a:ext uri="{FF2B5EF4-FFF2-40B4-BE49-F238E27FC236}">
-                <a16:creationId xmlns:a16="http://schemas.microsoft.com/office/drawing/2014/main" id="{6F5A11E4-C5C0-F809-EE77-8E025D20E678}"/>
-              </a:ext>
-            </a:extLst>
-          </p:cNvPr>
-          <p:cNvPicPr>
-            <a:picLocks noChangeAspect="1"/>
-          </p:cNvPicPr>
-          <p:nvPr/>
-        </p:nvPicPr>
-        <p:blipFill>
-          <a:blip r:embed="rId3"/>
-          <a:stretch>
-            <a:fillRect/>
-          </a:stretch>
-        </p:blipFill>
-        <p:spPr>
-          <a:xfrm>
-            <a:off x="8262620" y="3200103"/>
-            <a:ext cx="3929380" cy="1033145"/>
-          </a:xfrm>
-          <a:prstGeom prst="rect">
-            <a:avLst/>
-          </a:prstGeom>
-        </p:spPr>
-      </p:pic>
-      <p:sp>
-        <p:nvSpPr>
-          <p:cNvPr id="6" name="TextBox 5">
-            <a:extLst>
-              <a:ext uri="{FF2B5EF4-FFF2-40B4-BE49-F238E27FC236}">
-                <a16:creationId xmlns:a16="http://schemas.microsoft.com/office/drawing/2014/main" id="{0DC2A5CD-D421-616B-1AE8-EDCE20C1DAC0}"/>
-              </a:ext>
-            </a:extLst>
-          </p:cNvPr>
-          <p:cNvSpPr txBox="1"/>
-          <p:nvPr/>
-        </p:nvSpPr>
-        <p:spPr>
-          <a:xfrm>
-            <a:off x="1440460" y="718660"/>
-            <a:ext cx="3256909" cy="400110"/>
-          </a:xfrm>
-          <a:prstGeom prst="rect">
-            <a:avLst/>
-          </a:prstGeom>
-          <a:noFill/>
-        </p:spPr>
-        <p:txBody>
-          <a:bodyPr wrap="square" rtlCol="0">
-            <a:spAutoFit/>
-          </a:bodyPr>
-          <a:lstStyle/>
-          <a:p>
-            <a:r>
-              <a:rPr lang="en-US" sz="2000" b="1" dirty="0">
-                <a:latin typeface="Times New Roman" panose="02020603050405020304" pitchFamily="18" charset="0"/>
-                <a:cs typeface="Times New Roman" panose="02020603050405020304" pitchFamily="18" charset="0"/>
-              </a:rPr>
-              <a:t>K Means Clustering :</a:t>
-            </a:r>
-            <a:endParaRPr lang="en-IN" sz="2000" b="1" dirty="0">
-              <a:latin typeface="Times New Roman" panose="02020603050405020304" pitchFamily="18" charset="0"/>
-              <a:cs typeface="Times New Roman" panose="02020603050405020304" pitchFamily="18" charset="0"/>
-            </a:endParaRPr>
-          </a:p>
-        </p:txBody>
-      </p:sp>
-    </p:spTree>
-    <p:extLst>
-      <p:ext uri="{BB962C8B-B14F-4D97-AF65-F5344CB8AC3E}">
-        <p14:creationId xmlns:p14="http://schemas.microsoft.com/office/powerpoint/2010/main" val="3128871489"/>
-      </p:ext>
-    </p:extLst>
-  </p:cSld>
-  <p:clrMapOvr>
-    <a:masterClrMapping/>
-  </p:clrMapOvr>
-</p:sld>
-</file>
-
-<file path=ppt/slides/slide11.xml><?xml version="1.0" encoding="utf-8"?>
-<p:sld xmlns:a="http://schemas.openxmlformats.org/drawingml/2006/main" xmlns:r="http://schemas.openxmlformats.org/officeDocument/2006/relationships" xmlns:p="http://schemas.openxmlformats.org/presentationml/2006/main">
-  <p:cSld>
-    <p:spTree>
-      <p:nvGrpSpPr>
-        <p:cNvPr id="1" name=""/>
-        <p:cNvGrpSpPr/>
-        <p:nvPr/>
-      </p:nvGrpSpPr>
-      <p:grpSpPr>
-        <a:xfrm>
-          <a:off x="0" y="0"/>
-          <a:ext cx="0" cy="0"/>
-          <a:chOff x="0" y="0"/>
-          <a:chExt cx="0" cy="0"/>
-        </a:xfrm>
-      </p:grpSpPr>
-      <p:sp>
-        <p:nvSpPr>
-          <p:cNvPr id="4" name="TextBox 3">
-            <a:extLst>
-              <a:ext uri="{FF2B5EF4-FFF2-40B4-BE49-F238E27FC236}">
-                <a16:creationId xmlns:a16="http://schemas.microsoft.com/office/drawing/2014/main" id="{4244C4F2-CF3F-F945-0DDD-4EEE3345EE35}"/>
-              </a:ext>
-            </a:extLst>
-          </p:cNvPr>
-          <p:cNvSpPr txBox="1"/>
-          <p:nvPr/>
-        </p:nvSpPr>
-        <p:spPr>
-          <a:xfrm>
-            <a:off x="1222625" y="585627"/>
-            <a:ext cx="3154166" cy="461665"/>
-          </a:xfrm>
-          <a:prstGeom prst="rect">
-            <a:avLst/>
-          </a:prstGeom>
-          <a:noFill/>
-        </p:spPr>
-        <p:txBody>
-          <a:bodyPr wrap="square" rtlCol="0">
-            <a:spAutoFit/>
-          </a:bodyPr>
-          <a:lstStyle/>
-          <a:p>
-            <a:r>
-              <a:rPr lang="en-US" sz="2400" b="1" dirty="0">
-                <a:latin typeface="Times New Roman" panose="02020603050405020304" pitchFamily="18" charset="0"/>
-                <a:cs typeface="Times New Roman" panose="02020603050405020304" pitchFamily="18" charset="0"/>
-              </a:rPr>
-              <a:t>Fitted Line Equation :</a:t>
-            </a:r>
-            <a:endParaRPr lang="en-IN" sz="2400" b="1" dirty="0">
-              <a:latin typeface="Times New Roman" panose="02020603050405020304" pitchFamily="18" charset="0"/>
-              <a:cs typeface="Times New Roman" panose="02020603050405020304" pitchFamily="18" charset="0"/>
-            </a:endParaRPr>
-          </a:p>
-        </p:txBody>
-      </p:sp>
-      <p:pic>
-        <p:nvPicPr>
-          <p:cNvPr id="5" name="Picture 4">
-            <a:extLst>
-              <a:ext uri="{FF2B5EF4-FFF2-40B4-BE49-F238E27FC236}">
-                <a16:creationId xmlns:a16="http://schemas.microsoft.com/office/drawing/2014/main" id="{2E099E8B-BBF9-FC17-9240-787D124FC260}"/>
-              </a:ext>
-            </a:extLst>
-          </p:cNvPr>
-          <p:cNvPicPr>
-            <a:picLocks noChangeAspect="1"/>
-          </p:cNvPicPr>
-          <p:nvPr/>
-        </p:nvPicPr>
-        <p:blipFill>
-          <a:blip r:embed="rId2"/>
-          <a:stretch>
-            <a:fillRect/>
-          </a:stretch>
-        </p:blipFill>
-        <p:spPr>
-          <a:xfrm>
-            <a:off x="1678848" y="1013290"/>
-            <a:ext cx="9478272" cy="1296888"/>
-          </a:xfrm>
-          <a:prstGeom prst="rect">
-            <a:avLst/>
-          </a:prstGeom>
-        </p:spPr>
-      </p:pic>
-      <p:sp>
-        <p:nvSpPr>
-          <p:cNvPr id="6" name="TextBox 5">
-            <a:extLst>
-              <a:ext uri="{FF2B5EF4-FFF2-40B4-BE49-F238E27FC236}">
-                <a16:creationId xmlns:a16="http://schemas.microsoft.com/office/drawing/2014/main" id="{781D832D-32CA-C8FA-B10F-22E31A8D1340}"/>
-              </a:ext>
-            </a:extLst>
-          </p:cNvPr>
-          <p:cNvSpPr txBox="1"/>
-          <p:nvPr/>
-        </p:nvSpPr>
-        <p:spPr>
-          <a:xfrm>
-            <a:off x="1222625" y="2465715"/>
-            <a:ext cx="3462391" cy="461665"/>
-          </a:xfrm>
-          <a:prstGeom prst="rect">
-            <a:avLst/>
-          </a:prstGeom>
-          <a:noFill/>
-        </p:spPr>
-        <p:txBody>
-          <a:bodyPr wrap="square" rtlCol="0">
-            <a:spAutoFit/>
-          </a:bodyPr>
-          <a:lstStyle/>
-          <a:p>
-            <a:r>
-              <a:rPr lang="en-US" sz="2400" b="1" dirty="0">
-                <a:latin typeface="Times New Roman" panose="02020603050405020304" pitchFamily="18" charset="0"/>
-                <a:cs typeface="Times New Roman" panose="02020603050405020304" pitchFamily="18" charset="0"/>
-              </a:rPr>
-              <a:t>Conclusion :</a:t>
-            </a:r>
-            <a:endParaRPr lang="en-IN" sz="2400" b="1" dirty="0">
-              <a:latin typeface="Times New Roman" panose="02020603050405020304" pitchFamily="18" charset="0"/>
-              <a:cs typeface="Times New Roman" panose="02020603050405020304" pitchFamily="18" charset="0"/>
-            </a:endParaRPr>
-          </a:p>
-        </p:txBody>
-      </p:sp>
-      <p:sp>
-        <p:nvSpPr>
-          <p:cNvPr id="7" name="TextBox 6">
-            <a:extLst>
-              <a:ext uri="{FF2B5EF4-FFF2-40B4-BE49-F238E27FC236}">
-                <a16:creationId xmlns:a16="http://schemas.microsoft.com/office/drawing/2014/main" id="{6DB05B56-EEE6-9515-ABED-A986CFF24BBC}"/>
-              </a:ext>
-            </a:extLst>
-          </p:cNvPr>
-          <p:cNvSpPr txBox="1"/>
-          <p:nvPr/>
-        </p:nvSpPr>
-        <p:spPr>
-          <a:xfrm>
-            <a:off x="1678848" y="2927380"/>
-            <a:ext cx="9293952" cy="3970318"/>
-          </a:xfrm>
-          <a:prstGeom prst="rect">
-            <a:avLst/>
-          </a:prstGeom>
-          <a:noFill/>
-        </p:spPr>
-        <p:txBody>
-          <a:bodyPr wrap="square" rtlCol="0">
-            <a:spAutoFit/>
-          </a:bodyPr>
-          <a:lstStyle/>
-          <a:p>
-            <a:pPr algn="just">
-              <a:buFont typeface="Arial" panose="020B0604020202020204" pitchFamily="34" charset="0"/>
-              <a:buChar char="•"/>
-            </a:pPr>
-            <a:r>
-              <a:rPr lang="en-US" b="1" i="0" dirty="0">
-                <a:solidFill>
-                  <a:srgbClr val="0D0D0D"/>
-                </a:solidFill>
-                <a:effectLst/>
-                <a:latin typeface="ui-sans-serif"/>
-              </a:rPr>
-              <a:t>  Cluster 0</a:t>
-            </a:r>
-            <a:r>
-              <a:rPr lang="en-US" b="0" i="0" dirty="0">
-                <a:solidFill>
-                  <a:srgbClr val="0D0D0D"/>
-                </a:solidFill>
-                <a:effectLst/>
-                <a:latin typeface="ui-sans-serif"/>
-              </a:rPr>
-              <a:t>: Represents products with an average weight of </a:t>
-            </a:r>
-            <a:r>
-              <a:rPr lang="en-US" b="1" i="0" dirty="0">
-                <a:solidFill>
-                  <a:srgbClr val="0D0D0D"/>
-                </a:solidFill>
-                <a:effectLst/>
-                <a:latin typeface="ui-sans-serif"/>
-              </a:rPr>
-              <a:t>13.88</a:t>
-            </a:r>
-            <a:r>
-              <a:rPr lang="en-US" b="0" i="0" dirty="0">
-                <a:solidFill>
-                  <a:srgbClr val="0D0D0D"/>
-                </a:solidFill>
-                <a:effectLst/>
-                <a:latin typeface="ui-sans-serif"/>
-              </a:rPr>
-              <a:t>, a visibility percentage of </a:t>
-            </a:r>
-            <a:r>
-              <a:rPr lang="en-US" b="1" i="0" dirty="0">
-                <a:solidFill>
-                  <a:srgbClr val="0D0D0D"/>
-                </a:solidFill>
-                <a:effectLst/>
-                <a:latin typeface="ui-sans-serif"/>
-              </a:rPr>
-              <a:t>4.58%</a:t>
-            </a:r>
-            <a:r>
-              <a:rPr lang="en-US" b="0" i="0" dirty="0">
-                <a:solidFill>
-                  <a:srgbClr val="0D0D0D"/>
-                </a:solidFill>
-                <a:effectLst/>
-                <a:latin typeface="ui-sans-serif"/>
-              </a:rPr>
-              <a:t>, and a higher MRP of </a:t>
-            </a:r>
-            <a:r>
-              <a:rPr lang="en-US" b="1" i="0" dirty="0">
-                <a:solidFill>
-                  <a:srgbClr val="0D0D0D"/>
-                </a:solidFill>
-                <a:effectLst/>
-                <a:latin typeface="ui-sans-serif"/>
-              </a:rPr>
-              <a:t>195.26</a:t>
-            </a:r>
-            <a:r>
-              <a:rPr lang="en-US" b="0" i="0" dirty="0">
-                <a:solidFill>
-                  <a:srgbClr val="0D0D0D"/>
-                </a:solidFill>
-                <a:effectLst/>
-                <a:latin typeface="ui-sans-serif"/>
-              </a:rPr>
-              <a:t>. Likely premium or high-end products.</a:t>
-            </a:r>
-          </a:p>
-          <a:p>
-            <a:pPr algn="just">
-              <a:buFont typeface="Arial" panose="020B0604020202020204" pitchFamily="34" charset="0"/>
-              <a:buChar char="•"/>
-            </a:pPr>
-            <a:endParaRPr lang="en-US" b="0" i="0" dirty="0">
-              <a:solidFill>
-                <a:srgbClr val="0D0D0D"/>
-              </a:solidFill>
-              <a:effectLst/>
-              <a:latin typeface="ui-sans-serif"/>
-            </a:endParaRPr>
-          </a:p>
-          <a:p>
-            <a:pPr algn="just">
-              <a:buFont typeface="Arial" panose="020B0604020202020204" pitchFamily="34" charset="0"/>
-              <a:buChar char="•"/>
-            </a:pPr>
-            <a:r>
-              <a:rPr lang="en-US" b="1" i="0" dirty="0">
-                <a:solidFill>
-                  <a:srgbClr val="0D0D0D"/>
-                </a:solidFill>
-                <a:effectLst/>
-                <a:latin typeface="ui-sans-serif"/>
-              </a:rPr>
-              <a:t>  Cluster 1</a:t>
-            </a:r>
-            <a:r>
-              <a:rPr lang="en-US" b="0" i="0" dirty="0">
-                <a:solidFill>
-                  <a:srgbClr val="0D0D0D"/>
-                </a:solidFill>
-                <a:effectLst/>
-                <a:latin typeface="ui-sans-serif"/>
-              </a:rPr>
-              <a:t>: Represents lighter products with a weight of </a:t>
-            </a:r>
-            <a:r>
-              <a:rPr lang="en-US" b="1" i="0" dirty="0">
-                <a:solidFill>
-                  <a:srgbClr val="0D0D0D"/>
-                </a:solidFill>
-                <a:effectLst/>
-                <a:latin typeface="ui-sans-serif"/>
-              </a:rPr>
-              <a:t>11.82</a:t>
-            </a:r>
-            <a:r>
-              <a:rPr lang="en-US" b="0" i="0" dirty="0">
-                <a:solidFill>
-                  <a:srgbClr val="0D0D0D"/>
-                </a:solidFill>
-                <a:effectLst/>
-                <a:latin typeface="ui-sans-serif"/>
-              </a:rPr>
-              <a:t>, a visibility percentage of </a:t>
-            </a:r>
-            <a:r>
-              <a:rPr lang="en-US" b="1" i="0" dirty="0">
-                <a:solidFill>
-                  <a:srgbClr val="0D0D0D"/>
-                </a:solidFill>
-                <a:effectLst/>
-                <a:latin typeface="ui-sans-serif"/>
-              </a:rPr>
-              <a:t>4.32%</a:t>
-            </a:r>
-            <a:r>
-              <a:rPr lang="en-US" b="0" i="0" dirty="0">
-                <a:solidFill>
-                  <a:srgbClr val="0D0D0D"/>
-                </a:solidFill>
-                <a:effectLst/>
-                <a:latin typeface="ui-sans-serif"/>
-              </a:rPr>
-              <a:t>, and the lowest MRP of </a:t>
-            </a:r>
-            <a:r>
-              <a:rPr lang="en-US" b="1" i="0" dirty="0">
-                <a:solidFill>
-                  <a:srgbClr val="0D0D0D"/>
-                </a:solidFill>
-                <a:effectLst/>
-                <a:latin typeface="ui-sans-serif"/>
-              </a:rPr>
-              <a:t>89.82</a:t>
-            </a:r>
-            <a:r>
-              <a:rPr lang="en-US" b="0" i="0" dirty="0">
-                <a:solidFill>
-                  <a:srgbClr val="0D0D0D"/>
-                </a:solidFill>
-                <a:effectLst/>
-                <a:latin typeface="ui-sans-serif"/>
-              </a:rPr>
-              <a:t>. Likely basic or economical items.</a:t>
-            </a:r>
-          </a:p>
-          <a:p>
-            <a:pPr algn="just">
-              <a:buFont typeface="Arial" panose="020B0604020202020204" pitchFamily="34" charset="0"/>
-              <a:buChar char="•"/>
-            </a:pPr>
-            <a:endParaRPr lang="en-US" b="0" i="0" dirty="0">
-              <a:solidFill>
-                <a:srgbClr val="0D0D0D"/>
-              </a:solidFill>
-              <a:effectLst/>
-              <a:latin typeface="ui-sans-serif"/>
-            </a:endParaRPr>
-          </a:p>
-          <a:p>
-            <a:pPr algn="just">
-              <a:buFont typeface="Arial" panose="020B0604020202020204" pitchFamily="34" charset="0"/>
-              <a:buChar char="•"/>
-            </a:pPr>
-            <a:r>
-              <a:rPr lang="en-US" b="1" i="0" dirty="0">
-                <a:solidFill>
-                  <a:srgbClr val="0D0D0D"/>
-                </a:solidFill>
-                <a:effectLst/>
-                <a:latin typeface="ui-sans-serif"/>
-              </a:rPr>
-              <a:t>  Cluster 2</a:t>
-            </a:r>
-            <a:r>
-              <a:rPr lang="en-US" b="0" i="0" dirty="0">
-                <a:solidFill>
-                  <a:srgbClr val="0D0D0D"/>
-                </a:solidFill>
-                <a:effectLst/>
-                <a:latin typeface="ui-sans-serif"/>
-              </a:rPr>
-              <a:t>: Represents moderately weighted products with a weight of </a:t>
-            </a:r>
-            <a:r>
-              <a:rPr lang="en-US" b="1" i="0" dirty="0">
-                <a:solidFill>
-                  <a:srgbClr val="0D0D0D"/>
-                </a:solidFill>
-                <a:effectLst/>
-                <a:latin typeface="ui-sans-serif"/>
-              </a:rPr>
-              <a:t>12.88</a:t>
-            </a:r>
-            <a:r>
-              <a:rPr lang="en-US" b="0" i="0" dirty="0">
-                <a:solidFill>
-                  <a:srgbClr val="0D0D0D"/>
-                </a:solidFill>
-                <a:effectLst/>
-                <a:latin typeface="ui-sans-serif"/>
-              </a:rPr>
-              <a:t>, a higher visibility percentage of </a:t>
-            </a:r>
-            <a:r>
-              <a:rPr lang="en-US" b="1" i="0" dirty="0">
-                <a:solidFill>
-                  <a:srgbClr val="0D0D0D"/>
-                </a:solidFill>
-                <a:effectLst/>
-                <a:latin typeface="ui-sans-serif"/>
-              </a:rPr>
-              <a:t>14.28%</a:t>
-            </a:r>
-            <a:r>
-              <a:rPr lang="en-US" b="0" i="0" dirty="0">
-                <a:solidFill>
-                  <a:srgbClr val="0D0D0D"/>
-                </a:solidFill>
-                <a:effectLst/>
-                <a:latin typeface="ui-sans-serif"/>
-              </a:rPr>
-              <a:t>, and a mid-range MRP of </a:t>
-            </a:r>
-            <a:r>
-              <a:rPr lang="en-US" b="1" i="0" dirty="0">
-                <a:solidFill>
-                  <a:srgbClr val="0D0D0D"/>
-                </a:solidFill>
-                <a:effectLst/>
-                <a:latin typeface="ui-sans-serif"/>
-              </a:rPr>
-              <a:t>136.12</a:t>
-            </a:r>
-            <a:r>
-              <a:rPr lang="en-US" b="0" i="0" dirty="0">
-                <a:solidFill>
-                  <a:srgbClr val="0D0D0D"/>
-                </a:solidFill>
-                <a:effectLst/>
-                <a:latin typeface="ui-sans-serif"/>
-              </a:rPr>
-              <a:t>. Likely popular or moderately priced products.</a:t>
-            </a:r>
-          </a:p>
-          <a:p>
-            <a:pPr algn="just"/>
-            <a:endParaRPr lang="en-US" b="0" i="0" dirty="0">
-              <a:solidFill>
-                <a:srgbClr val="0D0D0D"/>
-              </a:solidFill>
-              <a:effectLst/>
-              <a:latin typeface="ui-sans-serif"/>
-            </a:endParaRPr>
-          </a:p>
-          <a:p>
-            <a:pPr marL="285750" indent="-285750" algn="just">
-              <a:buFont typeface="Arial" panose="020B0604020202020204" pitchFamily="34" charset="0"/>
-              <a:buChar char="•"/>
-            </a:pPr>
-            <a:r>
-              <a:rPr lang="en-US" dirty="0">
-                <a:solidFill>
-                  <a:srgbClr val="0D0D0D"/>
-                </a:solidFill>
-                <a:latin typeface="ui-sans-serif"/>
-              </a:rPr>
-              <a:t>These </a:t>
-            </a:r>
-            <a:r>
-              <a:rPr lang="en-US" b="0" i="0" dirty="0">
-                <a:solidFill>
-                  <a:srgbClr val="0D0D0D"/>
-                </a:solidFill>
-                <a:effectLst/>
-                <a:latin typeface="ui-sans-serif"/>
-              </a:rPr>
-              <a:t>Clusters provide actionable insights for pricing, marketing, and store layout strategies.</a:t>
-            </a:r>
-          </a:p>
-          <a:p>
-            <a:pPr algn="just"/>
-            <a:endParaRPr lang="en-US" dirty="0">
-              <a:solidFill>
-                <a:srgbClr val="0D0D0D"/>
-              </a:solidFill>
-              <a:latin typeface="ui-sans-serif"/>
-            </a:endParaRPr>
-          </a:p>
-          <a:p>
-            <a:pPr marL="285750" indent="-285750" algn="just">
-              <a:buFont typeface="Arial" panose="020B0604020202020204" pitchFamily="34" charset="0"/>
-              <a:buChar char="•"/>
-            </a:pPr>
-            <a:r>
-              <a:rPr lang="en-US" b="0" i="0" dirty="0">
-                <a:solidFill>
-                  <a:srgbClr val="0D0D0D"/>
-                </a:solidFill>
-                <a:effectLst/>
-                <a:latin typeface="ui-sans-serif"/>
-              </a:rPr>
-              <a:t>The predictive model can help forecast sales and optimize inventory across stores.</a:t>
-            </a:r>
-          </a:p>
-          <a:p>
-            <a:pPr algn="just"/>
-            <a:endParaRPr lang="en-IN" dirty="0"/>
-          </a:p>
-        </p:txBody>
-      </p:sp>
-    </p:spTree>
-    <p:extLst>
-      <p:ext uri="{BB962C8B-B14F-4D97-AF65-F5344CB8AC3E}">
-        <p14:creationId xmlns:p14="http://schemas.microsoft.com/office/powerpoint/2010/main" val="1005768838"/>
-      </p:ext>
-    </p:extLst>
-  </p:cSld>
-  <p:clrMapOvr>
-    <a:masterClrMapping/>
-  </p:clrMapOvr>
-</p:sld>
-</file>
-
-<file path=ppt/slides/slide2.xml><?xml version="1.0" encoding="utf-8"?>
-<p:sld xmlns:a="http://schemas.openxmlformats.org/drawingml/2006/main" xmlns:r="http://schemas.openxmlformats.org/officeDocument/2006/relationships" xmlns:p="http://schemas.openxmlformats.org/presentationml/2006/main">
-  <p:cSld>
-    <p:spTree>
-      <p:nvGrpSpPr>
-        <p:cNvPr id="1" name=""/>
-        <p:cNvGrpSpPr/>
-        <p:nvPr/>
-      </p:nvGrpSpPr>
-      <p:grpSpPr>
-        <a:xfrm>
-          <a:off x="0" y="0"/>
-          <a:ext cx="0" cy="0"/>
-          <a:chOff x="0" y="0"/>
-          <a:chExt cx="0" cy="0"/>
-        </a:xfrm>
-      </p:grpSpPr>
-      <p:sp>
-        <p:nvSpPr>
-          <p:cNvPr id="4" name="TextBox 3">
-            <a:extLst>
-              <a:ext uri="{FF2B5EF4-FFF2-40B4-BE49-F238E27FC236}">
-                <a16:creationId xmlns:a16="http://schemas.microsoft.com/office/drawing/2014/main" id="{E6F1D1A7-86C4-ADA9-9CF5-693C313F85EB}"/>
-              </a:ext>
-            </a:extLst>
-          </p:cNvPr>
-          <p:cNvSpPr txBox="1"/>
-          <p:nvPr/>
-        </p:nvSpPr>
-        <p:spPr>
-          <a:xfrm>
-            <a:off x="1253447" y="369870"/>
-            <a:ext cx="10572108" cy="6463308"/>
-          </a:xfrm>
-          <a:prstGeom prst="rect">
-            <a:avLst/>
-          </a:prstGeom>
-          <a:noFill/>
-        </p:spPr>
-        <p:txBody>
-          <a:bodyPr wrap="square" rtlCol="0">
-            <a:spAutoFit/>
-          </a:bodyPr>
-          <a:lstStyle/>
-          <a:p>
-            <a:pPr algn="just"/>
-            <a:r>
-              <a:rPr lang="en-US" sz="2000" b="1" u="sng" dirty="0">
-                <a:solidFill>
-                  <a:srgbClr val="FF0000"/>
-                </a:solidFill>
-                <a:latin typeface="Times New Roman" panose="02020603050405020304" pitchFamily="18" charset="0"/>
-                <a:cs typeface="Times New Roman" panose="02020603050405020304" pitchFamily="18" charset="0"/>
-              </a:rPr>
-              <a:t>TECHNOLOGIES  LEARNED DURING THIS INTERNSHIP :</a:t>
-            </a:r>
-          </a:p>
-          <a:p>
-            <a:pPr algn="just"/>
-            <a:endParaRPr lang="en-US" dirty="0">
-              <a:latin typeface="Times New Roman" panose="02020603050405020304" pitchFamily="18" charset="0"/>
-              <a:cs typeface="Times New Roman" panose="02020603050405020304" pitchFamily="18" charset="0"/>
-            </a:endParaRPr>
-          </a:p>
-          <a:p>
-            <a:pPr marL="342900" indent="-342900" algn="just">
-              <a:buAutoNum type="arabicPeriod"/>
-            </a:pPr>
-            <a:r>
-              <a:rPr lang="en-US" dirty="0">
-                <a:latin typeface="Times New Roman" panose="02020603050405020304" pitchFamily="18" charset="0"/>
-                <a:cs typeface="Times New Roman" panose="02020603050405020304" pitchFamily="18" charset="0"/>
-              </a:rPr>
-              <a:t>Data Operations – NUMPY</a:t>
-            </a:r>
-          </a:p>
-          <a:p>
-            <a:pPr lvl="2" algn="just"/>
-            <a:r>
-              <a:rPr lang="en-US" dirty="0">
-                <a:latin typeface="Times New Roman" panose="02020603050405020304" pitchFamily="18" charset="0"/>
-                <a:cs typeface="Times New Roman" panose="02020603050405020304" pitchFamily="18" charset="0"/>
-              </a:rPr>
-              <a:t>Learned how to perform Linear Regression, Logistic Regression, Euclidean distance, PCA, K-Means, Navie Bayes, SVM.</a:t>
-            </a:r>
-          </a:p>
-          <a:p>
-            <a:pPr algn="just"/>
-            <a:endParaRPr lang="en-US" dirty="0">
-              <a:latin typeface="Times New Roman" panose="02020603050405020304" pitchFamily="18" charset="0"/>
-              <a:cs typeface="Times New Roman" panose="02020603050405020304" pitchFamily="18" charset="0"/>
-            </a:endParaRPr>
-          </a:p>
-          <a:p>
-            <a:pPr algn="just"/>
-            <a:r>
-              <a:rPr lang="en-US" dirty="0">
-                <a:latin typeface="Times New Roman" panose="02020603050405020304" pitchFamily="18" charset="0"/>
-                <a:cs typeface="Times New Roman" panose="02020603050405020304" pitchFamily="18" charset="0"/>
-              </a:rPr>
-              <a:t>2. Data Processing – PANDAS</a:t>
-            </a:r>
-          </a:p>
-          <a:p>
-            <a:pPr algn="just"/>
-            <a:r>
-              <a:rPr lang="en-US" dirty="0">
-                <a:latin typeface="Times New Roman" panose="02020603050405020304" pitchFamily="18" charset="0"/>
-                <a:cs typeface="Times New Roman" panose="02020603050405020304" pitchFamily="18" charset="0"/>
-              </a:rPr>
-              <a:t>                 Used for manipulating, transforming and </a:t>
-            </a:r>
-            <a:r>
-              <a:rPr lang="en-US" dirty="0" err="1">
-                <a:latin typeface="Times New Roman" panose="02020603050405020304" pitchFamily="18" charset="0"/>
-                <a:cs typeface="Times New Roman" panose="02020603050405020304" pitchFamily="18" charset="0"/>
-              </a:rPr>
-              <a:t>analysing</a:t>
-            </a:r>
-            <a:r>
-              <a:rPr lang="en-US" dirty="0">
-                <a:latin typeface="Times New Roman" panose="02020603050405020304" pitchFamily="18" charset="0"/>
-                <a:cs typeface="Times New Roman" panose="02020603050405020304" pitchFamily="18" charset="0"/>
-              </a:rPr>
-              <a:t> the data.</a:t>
-            </a:r>
-          </a:p>
-          <a:p>
-            <a:pPr algn="just"/>
-            <a:endParaRPr lang="en-US" dirty="0">
-              <a:latin typeface="Times New Roman" panose="02020603050405020304" pitchFamily="18" charset="0"/>
-              <a:cs typeface="Times New Roman" panose="02020603050405020304" pitchFamily="18" charset="0"/>
-            </a:endParaRPr>
-          </a:p>
-          <a:p>
-            <a:pPr algn="just"/>
-            <a:r>
-              <a:rPr lang="en-US" dirty="0">
-                <a:latin typeface="Times New Roman" panose="02020603050405020304" pitchFamily="18" charset="0"/>
-                <a:cs typeface="Times New Roman" panose="02020603050405020304" pitchFamily="18" charset="0"/>
-              </a:rPr>
-              <a:t>3. Data Visualization – MATPLOTLIB</a:t>
-            </a:r>
-          </a:p>
-          <a:p>
-            <a:pPr algn="just"/>
-            <a:r>
-              <a:rPr lang="en-US" dirty="0">
-                <a:latin typeface="Times New Roman" panose="02020603050405020304" pitchFamily="18" charset="0"/>
-                <a:cs typeface="Times New Roman" panose="02020603050405020304" pitchFamily="18" charset="0"/>
-              </a:rPr>
-              <a:t>		Used for visualizing the data for better understanding.</a:t>
-            </a:r>
-          </a:p>
-          <a:p>
-            <a:pPr algn="just"/>
-            <a:r>
-              <a:rPr lang="en-US" dirty="0">
-                <a:latin typeface="Times New Roman" panose="02020603050405020304" pitchFamily="18" charset="0"/>
-                <a:cs typeface="Times New Roman" panose="02020603050405020304" pitchFamily="18" charset="0"/>
-              </a:rPr>
-              <a:t>		( line plot, scatter plot, bar plot, histogram, pie chart, combination of line and bar plot, line styles,  		logarithmic scale, plotting with annotations ).</a:t>
-            </a:r>
-          </a:p>
-          <a:p>
-            <a:pPr algn="just"/>
-            <a:endParaRPr lang="en-IN" dirty="0">
-              <a:latin typeface="Times New Roman" panose="02020603050405020304" pitchFamily="18" charset="0"/>
-              <a:cs typeface="Times New Roman" panose="02020603050405020304" pitchFamily="18" charset="0"/>
-            </a:endParaRPr>
-          </a:p>
-          <a:p>
-            <a:pPr algn="just"/>
-            <a:r>
-              <a:rPr lang="en-IN" dirty="0">
-                <a:latin typeface="Times New Roman" panose="02020603050405020304" pitchFamily="18" charset="0"/>
-                <a:cs typeface="Times New Roman" panose="02020603050405020304" pitchFamily="18" charset="0"/>
-              </a:rPr>
-              <a:t>4. Data Visualization – SEABORN</a:t>
-            </a:r>
-          </a:p>
-          <a:p>
-            <a:pPr algn="just"/>
-            <a:r>
-              <a:rPr lang="en-IN" dirty="0">
-                <a:latin typeface="Times New Roman" panose="02020603050405020304" pitchFamily="18" charset="0"/>
-                <a:cs typeface="Times New Roman" panose="02020603050405020304" pitchFamily="18" charset="0"/>
-              </a:rPr>
-              <a:t>		Used for creating visually appealing, statistically focused plots with minimal code.</a:t>
-            </a:r>
-          </a:p>
-          <a:p>
-            <a:pPr algn="just"/>
-            <a:r>
-              <a:rPr lang="en-IN" dirty="0">
-                <a:latin typeface="Times New Roman" panose="02020603050405020304" pitchFamily="18" charset="0"/>
-                <a:cs typeface="Times New Roman" panose="02020603050405020304" pitchFamily="18" charset="0"/>
-              </a:rPr>
-              <a:t> </a:t>
-            </a:r>
-          </a:p>
-          <a:p>
-            <a:pPr algn="just"/>
-            <a:r>
-              <a:rPr lang="en-IN" dirty="0">
-                <a:latin typeface="Times New Roman" panose="02020603050405020304" pitchFamily="18" charset="0"/>
-                <a:cs typeface="Times New Roman" panose="02020603050405020304" pitchFamily="18" charset="0"/>
-              </a:rPr>
-              <a:t>5. Deep learning Image Processing – OPENCV</a:t>
-            </a:r>
-          </a:p>
-          <a:p>
-            <a:pPr algn="just"/>
-            <a:r>
-              <a:rPr lang="en-IN" dirty="0">
-                <a:latin typeface="Times New Roman" panose="02020603050405020304" pitchFamily="18" charset="0"/>
-                <a:cs typeface="Times New Roman" panose="02020603050405020304" pitchFamily="18" charset="0"/>
-              </a:rPr>
-              <a:t>		Digitizing and Executing images with the help of vision framework/libraries.</a:t>
-            </a:r>
-          </a:p>
-          <a:p>
-            <a:pPr algn="just"/>
-            <a:endParaRPr lang="en-IN" dirty="0">
-              <a:latin typeface="Times New Roman" panose="02020603050405020304" pitchFamily="18" charset="0"/>
-              <a:cs typeface="Times New Roman" panose="02020603050405020304" pitchFamily="18" charset="0"/>
-            </a:endParaRPr>
-          </a:p>
-          <a:p>
-            <a:pPr algn="just"/>
-            <a:r>
-              <a:rPr lang="en-IN" dirty="0">
-                <a:latin typeface="Times New Roman" panose="02020603050405020304" pitchFamily="18" charset="0"/>
-                <a:cs typeface="Times New Roman" panose="02020603050405020304" pitchFamily="18" charset="0"/>
-              </a:rPr>
-              <a:t>6. Deep Learning Video Processing – OPENCV </a:t>
-            </a:r>
-          </a:p>
-          <a:p>
-            <a:pPr algn="just"/>
-            <a:r>
-              <a:rPr lang="en-IN" dirty="0">
-                <a:latin typeface="Times New Roman" panose="02020603050405020304" pitchFamily="18" charset="0"/>
-                <a:cs typeface="Times New Roman" panose="02020603050405020304" pitchFamily="18" charset="0"/>
-              </a:rPr>
-              <a:t>		Digitizing and Executing videos with the help of vision framework/libraries.</a:t>
-            </a:r>
-          </a:p>
-          <a:p>
-            <a:pPr algn="just"/>
-            <a:endParaRPr lang="en-IN" dirty="0">
-              <a:latin typeface="Times New Roman" panose="02020603050405020304" pitchFamily="18" charset="0"/>
-              <a:cs typeface="Times New Roman" panose="02020603050405020304" pitchFamily="18" charset="0"/>
-            </a:endParaRPr>
-          </a:p>
-        </p:txBody>
-      </p:sp>
-    </p:spTree>
-    <p:extLst>
-      <p:ext uri="{BB962C8B-B14F-4D97-AF65-F5344CB8AC3E}">
-        <p14:creationId xmlns:p14="http://schemas.microsoft.com/office/powerpoint/2010/main" val="616108319"/>
-      </p:ext>
-    </p:extLst>
-  </p:cSld>
-  <p:clrMapOvr>
-    <a:masterClrMapping/>
-  </p:clrMapOvr>
-</p:sld>
-</file>
-
-<file path=ppt/slides/slide3.xml><?xml version="1.0" encoding="utf-8"?>
-<p:sld xmlns:a="http://schemas.openxmlformats.org/drawingml/2006/main" xmlns:r="http://schemas.openxmlformats.org/officeDocument/2006/relationships" xmlns:p="http://schemas.openxmlformats.org/presentationml/2006/main">
-  <p:cSld>
-    <p:spTree>
-      <p:nvGrpSpPr>
-        <p:cNvPr id="1" name=""/>
-        <p:cNvGrpSpPr/>
-        <p:nvPr/>
-      </p:nvGrpSpPr>
-      <p:grpSpPr>
-        <a:xfrm>
-          <a:off x="0" y="0"/>
-          <a:ext cx="0" cy="0"/>
-          <a:chOff x="0" y="0"/>
-          <a:chExt cx="0" cy="0"/>
-        </a:xfrm>
-      </p:grpSpPr>
-      <p:sp>
-        <p:nvSpPr>
-          <p:cNvPr id="4" name="TextBox 3">
-            <a:extLst>
-              <a:ext uri="{FF2B5EF4-FFF2-40B4-BE49-F238E27FC236}">
-                <a16:creationId xmlns:a16="http://schemas.microsoft.com/office/drawing/2014/main" id="{EF749725-09DD-FE6A-FB4E-84141CFD7B42}"/>
-              </a:ext>
-            </a:extLst>
-          </p:cNvPr>
-          <p:cNvSpPr txBox="1"/>
-          <p:nvPr/>
-        </p:nvSpPr>
-        <p:spPr>
-          <a:xfrm>
-            <a:off x="1130157" y="462335"/>
-            <a:ext cx="10705672" cy="6541855"/>
-          </a:xfrm>
-          <a:prstGeom prst="rect">
-            <a:avLst/>
-          </a:prstGeom>
-          <a:noFill/>
-        </p:spPr>
-        <p:txBody>
-          <a:bodyPr wrap="square" rtlCol="0">
-            <a:spAutoFit/>
-          </a:bodyPr>
-          <a:lstStyle/>
-          <a:p>
-            <a:pPr algn="just">
-              <a:lnSpc>
-                <a:spcPct val="107000"/>
-              </a:lnSpc>
-              <a:spcAft>
-                <a:spcPts val="800"/>
-              </a:spcAft>
-            </a:pPr>
-            <a:r>
-              <a:rPr lang="en-IN" sz="2800" b="1" kern="100" dirty="0">
-                <a:effectLst/>
-                <a:latin typeface="Times New Roman" panose="02020603050405020304" pitchFamily="18" charset="0"/>
-                <a:ea typeface="Calibri" panose="020F0502020204030204" pitchFamily="34" charset="0"/>
-                <a:cs typeface="Times New Roman" panose="02020603050405020304" pitchFamily="18" charset="0"/>
-              </a:rPr>
-              <a:t>Objective :</a:t>
-            </a:r>
-            <a:endParaRPr lang="en-IN" sz="2800" kern="100" dirty="0">
-              <a:effectLst/>
-              <a:latin typeface="Times New Roman" panose="02020603050405020304" pitchFamily="18" charset="0"/>
-              <a:ea typeface="Calibri" panose="020F0502020204030204" pitchFamily="34" charset="0"/>
-              <a:cs typeface="Times New Roman" panose="02020603050405020304" pitchFamily="18" charset="0"/>
-            </a:endParaRPr>
-          </a:p>
-          <a:p>
-            <a:pPr algn="just">
-              <a:lnSpc>
-                <a:spcPct val="107000"/>
-              </a:lnSpc>
-              <a:spcAft>
-                <a:spcPts val="800"/>
-              </a:spcAft>
-            </a:pPr>
-            <a:r>
-              <a:rPr lang="en-IN" sz="2000" kern="100" dirty="0">
-                <a:effectLst/>
-                <a:latin typeface="Times New Roman" panose="02020603050405020304" pitchFamily="18" charset="0"/>
-                <a:ea typeface="Calibri" panose="020F0502020204030204" pitchFamily="34" charset="0"/>
-                <a:cs typeface="Times New Roman" panose="02020603050405020304" pitchFamily="18" charset="0"/>
-              </a:rPr>
-              <a:t>The project aims to </a:t>
-            </a:r>
-            <a:r>
-              <a:rPr lang="en-IN" sz="2000" kern="100" dirty="0" err="1">
-                <a:effectLst/>
-                <a:latin typeface="Times New Roman" panose="02020603050405020304" pitchFamily="18" charset="0"/>
-                <a:ea typeface="Calibri" panose="020F0502020204030204" pitchFamily="34" charset="0"/>
-                <a:cs typeface="Times New Roman" panose="02020603050405020304" pitchFamily="18" charset="0"/>
-              </a:rPr>
-              <a:t>analyze</a:t>
-            </a:r>
-            <a:r>
-              <a:rPr lang="en-IN" sz="2000" kern="100" dirty="0">
-                <a:effectLst/>
-                <a:latin typeface="Times New Roman" panose="02020603050405020304" pitchFamily="18" charset="0"/>
-                <a:ea typeface="Calibri" panose="020F0502020204030204" pitchFamily="34" charset="0"/>
-                <a:cs typeface="Times New Roman" panose="02020603050405020304" pitchFamily="18" charset="0"/>
-              </a:rPr>
-              <a:t> sales data from Big Mart to uncover key insights, extract meaningful information, and interpret findings to guide stakeholders in making data-driven decisions.</a:t>
-            </a:r>
-          </a:p>
-          <a:p>
-            <a:pPr algn="just"/>
-            <a:endParaRPr lang="en-IN" sz="2000" dirty="0">
-              <a:latin typeface="Times New Roman" panose="02020603050405020304" pitchFamily="18" charset="0"/>
-              <a:cs typeface="Times New Roman" panose="02020603050405020304" pitchFamily="18" charset="0"/>
-            </a:endParaRPr>
-          </a:p>
-          <a:p>
-            <a:pPr algn="just">
-              <a:lnSpc>
-                <a:spcPct val="107000"/>
-              </a:lnSpc>
-              <a:spcAft>
-                <a:spcPts val="800"/>
-              </a:spcAft>
-            </a:pPr>
-            <a:r>
-              <a:rPr lang="en-IN" sz="2400" b="1" kern="100" dirty="0">
-                <a:effectLst/>
-                <a:latin typeface="Times New Roman" panose="02020603050405020304" pitchFamily="18" charset="0"/>
-                <a:ea typeface="Calibri" panose="020F0502020204030204" pitchFamily="34" charset="0"/>
-                <a:cs typeface="Times New Roman" panose="02020603050405020304" pitchFamily="18" charset="0"/>
-              </a:rPr>
-              <a:t>Problem Statement :</a:t>
-            </a:r>
-            <a:endParaRPr lang="en-IN" sz="2400" kern="100" dirty="0">
-              <a:effectLst/>
-              <a:latin typeface="Times New Roman" panose="02020603050405020304" pitchFamily="18" charset="0"/>
-              <a:ea typeface="Calibri" panose="020F0502020204030204" pitchFamily="34" charset="0"/>
-              <a:cs typeface="Times New Roman" panose="02020603050405020304" pitchFamily="18" charset="0"/>
-            </a:endParaRPr>
-          </a:p>
-          <a:p>
-            <a:pPr algn="just">
-              <a:lnSpc>
-                <a:spcPct val="107000"/>
-              </a:lnSpc>
-              <a:spcAft>
-                <a:spcPts val="800"/>
-              </a:spcAft>
-            </a:pPr>
-            <a:r>
-              <a:rPr lang="en-IN" sz="2000" kern="100" dirty="0">
-                <a:effectLst/>
-                <a:latin typeface="Times New Roman" panose="02020603050405020304" pitchFamily="18" charset="0"/>
-                <a:ea typeface="Calibri" panose="020F0502020204030204" pitchFamily="34" charset="0"/>
-                <a:cs typeface="Times New Roman" panose="02020603050405020304" pitchFamily="18" charset="0"/>
-              </a:rPr>
-              <a:t>Big Mart is a chain of retail outlets aiming to maximize its sales and profitability. The management has collected detailed data from 2013 on 1,559 products sold across 10 different stores in various cities. The dataset includes attributes related to the products, the outlets, and their sales performance.</a:t>
-            </a:r>
-          </a:p>
-          <a:p>
-            <a:pPr algn="just">
-              <a:lnSpc>
-                <a:spcPct val="107000"/>
-              </a:lnSpc>
-              <a:spcAft>
-                <a:spcPts val="800"/>
-              </a:spcAft>
-            </a:pPr>
-            <a:endParaRPr lang="en-IN" sz="2000" kern="100" dirty="0">
-              <a:effectLst/>
-              <a:latin typeface="Times New Roman" panose="02020603050405020304" pitchFamily="18" charset="0"/>
-              <a:ea typeface="Calibri" panose="020F0502020204030204" pitchFamily="34" charset="0"/>
-              <a:cs typeface="Times New Roman" panose="02020603050405020304" pitchFamily="18" charset="0"/>
-            </a:endParaRPr>
-          </a:p>
-          <a:p>
-            <a:pPr algn="just">
-              <a:lnSpc>
-                <a:spcPct val="107000"/>
-              </a:lnSpc>
-              <a:spcAft>
-                <a:spcPts val="800"/>
-              </a:spcAft>
-            </a:pPr>
-            <a:r>
-              <a:rPr lang="en-IN" sz="2000" kern="100" dirty="0">
-                <a:effectLst/>
-                <a:latin typeface="Times New Roman" panose="02020603050405020304" pitchFamily="18" charset="0"/>
-                <a:ea typeface="Calibri" panose="020F0502020204030204" pitchFamily="34" charset="0"/>
-                <a:cs typeface="Times New Roman" panose="02020603050405020304" pitchFamily="18" charset="0"/>
-              </a:rPr>
-              <a:t>The key objectives of this project are:</a:t>
-            </a:r>
-          </a:p>
-          <a:p>
-            <a:pPr marL="342900" lvl="0" indent="-342900" algn="just">
-              <a:lnSpc>
-                <a:spcPct val="107000"/>
-              </a:lnSpc>
-              <a:spcAft>
-                <a:spcPts val="800"/>
-              </a:spcAft>
-              <a:buFont typeface="+mj-lt"/>
-              <a:buAutoNum type="arabicPeriod"/>
-              <a:tabLst>
-                <a:tab pos="457200" algn="l"/>
-              </a:tabLst>
-            </a:pPr>
-            <a:r>
-              <a:rPr lang="en-IN" sz="2000" kern="100" dirty="0">
-                <a:effectLst/>
-                <a:latin typeface="Times New Roman" panose="02020603050405020304" pitchFamily="18" charset="0"/>
-                <a:ea typeface="Calibri" panose="020F0502020204030204" pitchFamily="34" charset="0"/>
-                <a:cs typeface="Times New Roman" panose="02020603050405020304" pitchFamily="18" charset="0"/>
-              </a:rPr>
-              <a:t>To </a:t>
-            </a:r>
-            <a:r>
-              <a:rPr lang="en-IN" sz="2000" b="1" kern="100" dirty="0" err="1">
-                <a:effectLst/>
-                <a:latin typeface="Times New Roman" panose="02020603050405020304" pitchFamily="18" charset="0"/>
-                <a:ea typeface="Calibri" panose="020F0502020204030204" pitchFamily="34" charset="0"/>
-                <a:cs typeface="Times New Roman" panose="02020603050405020304" pitchFamily="18" charset="0"/>
-              </a:rPr>
-              <a:t>analyze</a:t>
-            </a:r>
-            <a:r>
-              <a:rPr lang="en-IN" sz="2000" b="1" kern="100" dirty="0">
-                <a:effectLst/>
-                <a:latin typeface="Times New Roman" panose="02020603050405020304" pitchFamily="18" charset="0"/>
-                <a:ea typeface="Calibri" panose="020F0502020204030204" pitchFamily="34" charset="0"/>
-                <a:cs typeface="Times New Roman" panose="02020603050405020304" pitchFamily="18" charset="0"/>
-              </a:rPr>
-              <a:t> sales trends and patterns</a:t>
-            </a:r>
-            <a:r>
-              <a:rPr lang="en-IN" sz="2000" kern="100" dirty="0">
-                <a:effectLst/>
-                <a:latin typeface="Times New Roman" panose="02020603050405020304" pitchFamily="18" charset="0"/>
-                <a:ea typeface="Calibri" panose="020F0502020204030204" pitchFamily="34" charset="0"/>
-                <a:cs typeface="Times New Roman" panose="02020603050405020304" pitchFamily="18" charset="0"/>
-              </a:rPr>
-              <a:t> across different products and stores.</a:t>
-            </a:r>
-          </a:p>
-          <a:p>
-            <a:pPr marL="342900" lvl="0" indent="-342900" algn="just">
-              <a:lnSpc>
-                <a:spcPct val="107000"/>
-              </a:lnSpc>
-              <a:spcAft>
-                <a:spcPts val="800"/>
-              </a:spcAft>
-              <a:buFont typeface="+mj-lt"/>
-              <a:buAutoNum type="arabicPeriod"/>
-              <a:tabLst>
-                <a:tab pos="457200" algn="l"/>
-              </a:tabLst>
-            </a:pPr>
-            <a:r>
-              <a:rPr lang="en-IN" sz="2000" kern="100" dirty="0">
-                <a:effectLst/>
-                <a:latin typeface="Times New Roman" panose="02020603050405020304" pitchFamily="18" charset="0"/>
-                <a:ea typeface="Calibri" panose="020F0502020204030204" pitchFamily="34" charset="0"/>
-                <a:cs typeface="Times New Roman" panose="02020603050405020304" pitchFamily="18" charset="0"/>
-              </a:rPr>
-              <a:t>To </a:t>
-            </a:r>
-            <a:r>
-              <a:rPr lang="en-IN" sz="2000" b="1" kern="100" dirty="0">
-                <a:effectLst/>
-                <a:latin typeface="Times New Roman" panose="02020603050405020304" pitchFamily="18" charset="0"/>
-                <a:ea typeface="Calibri" panose="020F0502020204030204" pitchFamily="34" charset="0"/>
-                <a:cs typeface="Times New Roman" panose="02020603050405020304" pitchFamily="18" charset="0"/>
-              </a:rPr>
-              <a:t>build a predictive model</a:t>
-            </a:r>
-            <a:r>
-              <a:rPr lang="en-IN" sz="2000" kern="100" dirty="0">
-                <a:effectLst/>
-                <a:latin typeface="Times New Roman" panose="02020603050405020304" pitchFamily="18" charset="0"/>
-                <a:ea typeface="Calibri" panose="020F0502020204030204" pitchFamily="34" charset="0"/>
-                <a:cs typeface="Times New Roman" panose="02020603050405020304" pitchFamily="18" charset="0"/>
-              </a:rPr>
-              <a:t> that estimates the outlet sales based on its characteristics and store attributes.</a:t>
-            </a:r>
-          </a:p>
-          <a:p>
-            <a:pPr marL="342900" lvl="0" indent="-342900" algn="just">
-              <a:lnSpc>
-                <a:spcPct val="107000"/>
-              </a:lnSpc>
-              <a:spcAft>
-                <a:spcPts val="800"/>
-              </a:spcAft>
-              <a:buFont typeface="+mj-lt"/>
-              <a:buAutoNum type="arabicPeriod"/>
-              <a:tabLst>
-                <a:tab pos="457200" algn="l"/>
-              </a:tabLst>
-            </a:pPr>
-            <a:r>
-              <a:rPr lang="en-IN" sz="2000" kern="100" dirty="0">
-                <a:effectLst/>
-                <a:latin typeface="Times New Roman" panose="02020603050405020304" pitchFamily="18" charset="0"/>
-                <a:ea typeface="Calibri" panose="020F0502020204030204" pitchFamily="34" charset="0"/>
-                <a:cs typeface="Times New Roman" panose="02020603050405020304" pitchFamily="18" charset="0"/>
-              </a:rPr>
-              <a:t>To </a:t>
-            </a:r>
-            <a:r>
-              <a:rPr lang="en-IN" sz="2000" b="1" kern="100" dirty="0">
-                <a:effectLst/>
-                <a:latin typeface="Times New Roman" panose="02020603050405020304" pitchFamily="18" charset="0"/>
-                <a:ea typeface="Calibri" panose="020F0502020204030204" pitchFamily="34" charset="0"/>
-                <a:cs typeface="Times New Roman" panose="02020603050405020304" pitchFamily="18" charset="0"/>
-              </a:rPr>
-              <a:t>Cluster the Outlet</a:t>
-            </a:r>
-            <a:r>
-              <a:rPr lang="en-IN" sz="2000" kern="100" dirty="0">
-                <a:effectLst/>
-                <a:latin typeface="Times New Roman" panose="02020603050405020304" pitchFamily="18" charset="0"/>
-                <a:ea typeface="Calibri" panose="020F0502020204030204" pitchFamily="34" charset="0"/>
-                <a:cs typeface="Times New Roman" panose="02020603050405020304" pitchFamily="18" charset="0"/>
-              </a:rPr>
-              <a:t> based on 'Weight', '</a:t>
-            </a:r>
-            <a:r>
-              <a:rPr lang="en-IN" sz="2000" kern="100" dirty="0" err="1">
-                <a:effectLst/>
-                <a:latin typeface="Times New Roman" panose="02020603050405020304" pitchFamily="18" charset="0"/>
-                <a:ea typeface="Calibri" panose="020F0502020204030204" pitchFamily="34" charset="0"/>
-                <a:cs typeface="Times New Roman" panose="02020603050405020304" pitchFamily="18" charset="0"/>
-              </a:rPr>
-              <a:t>ProductVisibility</a:t>
-            </a:r>
-            <a:r>
-              <a:rPr lang="en-IN" sz="2000" kern="100" dirty="0">
-                <a:effectLst/>
-                <a:latin typeface="Times New Roman" panose="02020603050405020304" pitchFamily="18" charset="0"/>
-                <a:ea typeface="Calibri" panose="020F0502020204030204" pitchFamily="34" charset="0"/>
-                <a:cs typeface="Times New Roman" panose="02020603050405020304" pitchFamily="18" charset="0"/>
-              </a:rPr>
-              <a:t>', 'MRP'.</a:t>
-            </a:r>
-          </a:p>
-          <a:p>
-            <a:pPr marL="342900" lvl="0" indent="-342900" algn="just">
-              <a:lnSpc>
-                <a:spcPct val="107000"/>
-              </a:lnSpc>
-              <a:spcAft>
-                <a:spcPts val="800"/>
-              </a:spcAft>
-              <a:buFont typeface="+mj-lt"/>
-              <a:buAutoNum type="arabicPeriod"/>
-              <a:tabLst>
-                <a:tab pos="457200" algn="l"/>
-              </a:tabLst>
-            </a:pPr>
-            <a:r>
-              <a:rPr lang="en-IN" sz="2000" kern="100" dirty="0">
-                <a:effectLst/>
-                <a:latin typeface="Times New Roman" panose="02020603050405020304" pitchFamily="18" charset="0"/>
-                <a:ea typeface="Calibri" panose="020F0502020204030204" pitchFamily="34" charset="0"/>
-                <a:cs typeface="Times New Roman" panose="02020603050405020304" pitchFamily="18" charset="0"/>
-              </a:rPr>
-              <a:t>To </a:t>
-            </a:r>
-            <a:r>
-              <a:rPr lang="en-IN" sz="2000" b="1" kern="100" dirty="0">
-                <a:effectLst/>
-                <a:latin typeface="Times New Roman" panose="02020603050405020304" pitchFamily="18" charset="0"/>
-                <a:ea typeface="Calibri" panose="020F0502020204030204" pitchFamily="34" charset="0"/>
-                <a:cs typeface="Times New Roman" panose="02020603050405020304" pitchFamily="18" charset="0"/>
-              </a:rPr>
-              <a:t>identify key factors</a:t>
-            </a:r>
-            <a:r>
-              <a:rPr lang="en-IN" sz="2000" kern="100" dirty="0">
-                <a:effectLst/>
-                <a:latin typeface="Times New Roman" panose="02020603050405020304" pitchFamily="18" charset="0"/>
-                <a:ea typeface="Calibri" panose="020F0502020204030204" pitchFamily="34" charset="0"/>
-                <a:cs typeface="Times New Roman" panose="02020603050405020304" pitchFamily="18" charset="0"/>
-              </a:rPr>
-              <a:t> influencing sales performance to assist in strategic decision-making.</a:t>
-            </a:r>
-          </a:p>
-          <a:p>
-            <a:pPr algn="just"/>
-            <a:endParaRPr lang="en-IN" sz="2000" dirty="0">
-              <a:latin typeface="Times New Roman" panose="02020603050405020304" pitchFamily="18" charset="0"/>
-              <a:cs typeface="Times New Roman" panose="02020603050405020304" pitchFamily="18" charset="0"/>
-            </a:endParaRPr>
-          </a:p>
-        </p:txBody>
-      </p:sp>
-    </p:spTree>
-    <p:extLst>
-      <p:ext uri="{BB962C8B-B14F-4D97-AF65-F5344CB8AC3E}">
-        <p14:creationId xmlns:p14="http://schemas.microsoft.com/office/powerpoint/2010/main" val="3922695421"/>
-      </p:ext>
-    </p:extLst>
-  </p:cSld>
-  <p:clrMapOvr>
-    <a:masterClrMapping/>
-  </p:clrMapOvr>
-</p:sld>
-</file>
-
-<file path=ppt/slides/slide4.xml><?xml version="1.0" encoding="utf-8"?>
-<p:sld xmlns:a="http://schemas.openxmlformats.org/drawingml/2006/main" xmlns:r="http://schemas.openxmlformats.org/officeDocument/2006/relationships" xmlns:p="http://schemas.openxmlformats.org/presentationml/2006/main">
-  <p:cSld>
-    <p:spTree>
-      <p:nvGrpSpPr>
-        <p:cNvPr id="1" name="">
-          <a:extLst>
-            <a:ext uri="{FF2B5EF4-FFF2-40B4-BE49-F238E27FC236}">
-              <a16:creationId xmlns:a16="http://schemas.microsoft.com/office/drawing/2014/main" id="{A9734B23-8D33-4F4A-EFED-456751C3CED4}"/>
-            </a:ext>
-          </a:extLst>
-        </p:cNvPr>
-        <p:cNvGrpSpPr/>
-        <p:nvPr/>
-      </p:nvGrpSpPr>
-      <p:grpSpPr>
-        <a:xfrm>
-          <a:off x="0" y="0"/>
-          <a:ext cx="0" cy="0"/>
-          <a:chOff x="0" y="0"/>
-          <a:chExt cx="0" cy="0"/>
-        </a:xfrm>
-      </p:grpSpPr>
-      <p:sp>
-        <p:nvSpPr>
-          <p:cNvPr id="4" name="TextBox 3">
-            <a:extLst>
-              <a:ext uri="{FF2B5EF4-FFF2-40B4-BE49-F238E27FC236}">
-                <a16:creationId xmlns:a16="http://schemas.microsoft.com/office/drawing/2014/main" id="{2D69E7E4-900E-ED21-9F6D-4D240BFFC02C}"/>
-              </a:ext>
-            </a:extLst>
-          </p:cNvPr>
-          <p:cNvSpPr txBox="1"/>
-          <p:nvPr/>
-        </p:nvSpPr>
-        <p:spPr>
-          <a:xfrm>
-            <a:off x="1191802" y="1163664"/>
-            <a:ext cx="10705672" cy="4123373"/>
-          </a:xfrm>
-          <a:prstGeom prst="rect">
-            <a:avLst/>
-          </a:prstGeom>
-          <a:noFill/>
-        </p:spPr>
-        <p:txBody>
-          <a:bodyPr wrap="square" rtlCol="0">
-            <a:spAutoFit/>
-          </a:bodyPr>
-          <a:lstStyle/>
-          <a:p>
-            <a:pPr algn="just"/>
-            <a:r>
-              <a:rPr lang="en-IN" sz="2400" b="1" dirty="0">
-                <a:effectLst/>
-                <a:latin typeface="Times New Roman" panose="02020603050405020304" pitchFamily="18" charset="0"/>
-                <a:ea typeface="Calibri" panose="020F0502020204030204" pitchFamily="34" charset="0"/>
-                <a:cs typeface="Times New Roman" panose="02020603050405020304" pitchFamily="18" charset="0"/>
-              </a:rPr>
-              <a:t>Challenges:</a:t>
-            </a:r>
-            <a:endParaRPr lang="en-IN" sz="2400" b="1" dirty="0">
-              <a:latin typeface="Times New Roman" panose="02020603050405020304" pitchFamily="18" charset="0"/>
-              <a:ea typeface="Calibri" panose="020F0502020204030204" pitchFamily="34" charset="0"/>
-              <a:cs typeface="Times New Roman" panose="02020603050405020304" pitchFamily="18" charset="0"/>
-            </a:endParaRPr>
-          </a:p>
-          <a:p>
-            <a:pPr algn="just"/>
-            <a:r>
-              <a:rPr lang="en-IN" sz="2000" dirty="0">
-                <a:effectLst/>
-                <a:latin typeface="Times New Roman" panose="02020603050405020304" pitchFamily="18" charset="0"/>
-                <a:ea typeface="Calibri" panose="020F0502020204030204" pitchFamily="34" charset="0"/>
-                <a:cs typeface="Times New Roman" panose="02020603050405020304" pitchFamily="18" charset="0"/>
-              </a:rPr>
-              <a:t>The dataset contains missing values, possibly due to technical glitches in some stores. Effective handling of these missing data points is crucial to ensure the reliability of insights and predictions.</a:t>
-            </a:r>
-          </a:p>
-          <a:p>
-            <a:pPr algn="just"/>
-            <a:endParaRPr lang="en-IN" sz="2000" dirty="0">
-              <a:effectLst/>
-              <a:latin typeface="Times New Roman" panose="02020603050405020304" pitchFamily="18" charset="0"/>
-              <a:ea typeface="Calibri" panose="020F0502020204030204" pitchFamily="34" charset="0"/>
-              <a:cs typeface="Times New Roman" panose="02020603050405020304" pitchFamily="18" charset="0"/>
-            </a:endParaRPr>
-          </a:p>
-          <a:p>
-            <a:pPr algn="just"/>
-            <a:endParaRPr lang="en-IN" sz="2000" dirty="0">
-              <a:latin typeface="Times New Roman" panose="02020603050405020304" pitchFamily="18" charset="0"/>
-              <a:ea typeface="Calibri" panose="020F0502020204030204" pitchFamily="34" charset="0"/>
-              <a:cs typeface="Times New Roman" panose="02020603050405020304" pitchFamily="18" charset="0"/>
-            </a:endParaRPr>
-          </a:p>
-          <a:p>
-            <a:pPr algn="just">
-              <a:lnSpc>
-                <a:spcPct val="107000"/>
-              </a:lnSpc>
-              <a:spcAft>
-                <a:spcPts val="800"/>
-              </a:spcAft>
-            </a:pPr>
-            <a:r>
-              <a:rPr lang="en-IN" sz="2400" b="1" kern="100" dirty="0">
-                <a:effectLst/>
-                <a:latin typeface="Times New Roman" panose="02020603050405020304" pitchFamily="18" charset="0"/>
-                <a:ea typeface="Calibri" panose="020F0502020204030204" pitchFamily="34" charset="0"/>
-                <a:cs typeface="Times New Roman" panose="02020603050405020304" pitchFamily="18" charset="0"/>
-              </a:rPr>
-              <a:t>Dataset Overview:</a:t>
-            </a:r>
-            <a:endParaRPr lang="en-IN" sz="2400" kern="100" dirty="0">
-              <a:effectLst/>
-              <a:latin typeface="Times New Roman" panose="02020603050405020304" pitchFamily="18" charset="0"/>
-              <a:ea typeface="Calibri" panose="020F0502020204030204" pitchFamily="34" charset="0"/>
-              <a:cs typeface="Times New Roman" panose="02020603050405020304" pitchFamily="18" charset="0"/>
-            </a:endParaRPr>
-          </a:p>
-          <a:p>
-            <a:pPr algn="just">
-              <a:lnSpc>
-                <a:spcPct val="107000"/>
-              </a:lnSpc>
-              <a:spcAft>
-                <a:spcPts val="800"/>
-              </a:spcAft>
-            </a:pPr>
-            <a:r>
-              <a:rPr lang="en-IN" sz="2000" kern="100" dirty="0">
-                <a:effectLst/>
-                <a:latin typeface="Times New Roman" panose="02020603050405020304" pitchFamily="18" charset="0"/>
-                <a:ea typeface="Calibri" panose="020F0502020204030204" pitchFamily="34" charset="0"/>
-                <a:cs typeface="Times New Roman" panose="02020603050405020304" pitchFamily="18" charset="0"/>
-              </a:rPr>
-              <a:t>The dataset is divided into two files: </a:t>
-            </a:r>
-            <a:r>
-              <a:rPr lang="en-IN" sz="2000" b="1" kern="100" dirty="0">
-                <a:effectLst/>
-                <a:latin typeface="Times New Roman" panose="02020603050405020304" pitchFamily="18" charset="0"/>
-                <a:ea typeface="Calibri" panose="020F0502020204030204" pitchFamily="34" charset="0"/>
-                <a:cs typeface="Times New Roman" panose="02020603050405020304" pitchFamily="18" charset="0"/>
-              </a:rPr>
-              <a:t>Train</a:t>
-            </a:r>
-            <a:r>
-              <a:rPr lang="en-IN" sz="2000" kern="100" dirty="0">
-                <a:effectLst/>
-                <a:latin typeface="Times New Roman" panose="02020603050405020304" pitchFamily="18" charset="0"/>
-                <a:ea typeface="Calibri" panose="020F0502020204030204" pitchFamily="34" charset="0"/>
-                <a:cs typeface="Times New Roman" panose="02020603050405020304" pitchFamily="18" charset="0"/>
-              </a:rPr>
-              <a:t> and </a:t>
-            </a:r>
-            <a:r>
-              <a:rPr lang="en-IN" sz="2000" b="1" kern="100" dirty="0">
-                <a:effectLst/>
-                <a:latin typeface="Times New Roman" panose="02020603050405020304" pitchFamily="18" charset="0"/>
-                <a:ea typeface="Calibri" panose="020F0502020204030204" pitchFamily="34" charset="0"/>
-                <a:cs typeface="Times New Roman" panose="02020603050405020304" pitchFamily="18" charset="0"/>
-              </a:rPr>
-              <a:t>Test</a:t>
-            </a:r>
-            <a:r>
-              <a:rPr lang="en-IN" sz="2000" kern="100" dirty="0">
-                <a:effectLst/>
-                <a:latin typeface="Times New Roman" panose="02020603050405020304" pitchFamily="18" charset="0"/>
-                <a:ea typeface="Calibri" panose="020F0502020204030204" pitchFamily="34" charset="0"/>
-                <a:cs typeface="Times New Roman" panose="02020603050405020304" pitchFamily="18" charset="0"/>
-              </a:rPr>
-              <a:t> datasets.</a:t>
-            </a:r>
-          </a:p>
-          <a:p>
-            <a:pPr marL="342900" lvl="0" indent="-342900" algn="just">
-              <a:lnSpc>
-                <a:spcPct val="107000"/>
-              </a:lnSpc>
-              <a:spcAft>
-                <a:spcPts val="800"/>
-              </a:spcAft>
-              <a:buFont typeface="+mj-lt"/>
-              <a:buAutoNum type="arabicPeriod"/>
-              <a:tabLst>
-                <a:tab pos="457200" algn="l"/>
-              </a:tabLst>
-            </a:pPr>
-            <a:r>
-              <a:rPr lang="en-IN" sz="2000" b="1" kern="100" dirty="0">
-                <a:effectLst/>
-                <a:latin typeface="Times New Roman" panose="02020603050405020304" pitchFamily="18" charset="0"/>
-                <a:ea typeface="Calibri" panose="020F0502020204030204" pitchFamily="34" charset="0"/>
-                <a:cs typeface="Times New Roman" panose="02020603050405020304" pitchFamily="18" charset="0"/>
-              </a:rPr>
-              <a:t>Train Dataset:</a:t>
-            </a:r>
-            <a:r>
-              <a:rPr lang="en-IN" sz="2000" kern="100" dirty="0">
-                <a:effectLst/>
-                <a:latin typeface="Times New Roman" panose="02020603050405020304" pitchFamily="18" charset="0"/>
-                <a:ea typeface="Calibri" panose="020F0502020204030204" pitchFamily="34" charset="0"/>
-                <a:cs typeface="Times New Roman" panose="02020603050405020304" pitchFamily="18" charset="0"/>
-              </a:rPr>
-              <a:t> Contains sales data for 8,523 records, including both input features and the target variable (</a:t>
-            </a:r>
-            <a:r>
-              <a:rPr lang="en-IN" sz="2000" i="1" kern="100" dirty="0" err="1">
-                <a:effectLst/>
-                <a:latin typeface="Times New Roman" panose="02020603050405020304" pitchFamily="18" charset="0"/>
-                <a:ea typeface="Calibri" panose="020F0502020204030204" pitchFamily="34" charset="0"/>
-                <a:cs typeface="Times New Roman" panose="02020603050405020304" pitchFamily="18" charset="0"/>
-              </a:rPr>
-              <a:t>Item_Outlet_Sales</a:t>
-            </a:r>
-            <a:r>
-              <a:rPr lang="en-IN" sz="2000" kern="100" dirty="0">
-                <a:effectLst/>
-                <a:latin typeface="Times New Roman" panose="02020603050405020304" pitchFamily="18" charset="0"/>
-                <a:ea typeface="Calibri" panose="020F0502020204030204" pitchFamily="34" charset="0"/>
-                <a:cs typeface="Times New Roman" panose="02020603050405020304" pitchFamily="18" charset="0"/>
-              </a:rPr>
-              <a:t>).</a:t>
-            </a:r>
-          </a:p>
-          <a:p>
-            <a:pPr marL="342900" lvl="0" indent="-342900" algn="just">
-              <a:lnSpc>
-                <a:spcPct val="107000"/>
-              </a:lnSpc>
-              <a:spcAft>
-                <a:spcPts val="800"/>
-              </a:spcAft>
-              <a:buFont typeface="+mj-lt"/>
-              <a:buAutoNum type="arabicPeriod"/>
-              <a:tabLst>
-                <a:tab pos="457200" algn="l"/>
-              </a:tabLst>
-            </a:pPr>
-            <a:r>
-              <a:rPr lang="en-IN" sz="2000" b="1" kern="100" dirty="0">
-                <a:effectLst/>
-                <a:latin typeface="Times New Roman" panose="02020603050405020304" pitchFamily="18" charset="0"/>
-                <a:ea typeface="Calibri" panose="020F0502020204030204" pitchFamily="34" charset="0"/>
-                <a:cs typeface="Times New Roman" panose="02020603050405020304" pitchFamily="18" charset="0"/>
-              </a:rPr>
-              <a:t>Test Dataset:</a:t>
-            </a:r>
-            <a:r>
-              <a:rPr lang="en-IN" sz="2000" kern="100" dirty="0">
-                <a:effectLst/>
-                <a:latin typeface="Times New Roman" panose="02020603050405020304" pitchFamily="18" charset="0"/>
-                <a:ea typeface="Calibri" panose="020F0502020204030204" pitchFamily="34" charset="0"/>
-                <a:cs typeface="Times New Roman" panose="02020603050405020304" pitchFamily="18" charset="0"/>
-              </a:rPr>
-              <a:t> Contains 5,681 records for which sales (</a:t>
-            </a:r>
-            <a:r>
-              <a:rPr lang="en-IN" sz="2000" i="1" kern="100" dirty="0" err="1">
-                <a:effectLst/>
-                <a:latin typeface="Times New Roman" panose="02020603050405020304" pitchFamily="18" charset="0"/>
-                <a:ea typeface="Calibri" panose="020F0502020204030204" pitchFamily="34" charset="0"/>
-                <a:cs typeface="Times New Roman" panose="02020603050405020304" pitchFamily="18" charset="0"/>
-              </a:rPr>
-              <a:t>Item_Outlet_Sales</a:t>
-            </a:r>
-            <a:r>
-              <a:rPr lang="en-IN" sz="2000" kern="100" dirty="0">
-                <a:effectLst/>
-                <a:latin typeface="Times New Roman" panose="02020603050405020304" pitchFamily="18" charset="0"/>
-                <a:ea typeface="Calibri" panose="020F0502020204030204" pitchFamily="34" charset="0"/>
-                <a:cs typeface="Times New Roman" panose="02020603050405020304" pitchFamily="18" charset="0"/>
-              </a:rPr>
-              <a:t>) need to be predicted.</a:t>
-            </a:r>
-          </a:p>
-          <a:p>
-            <a:pPr algn="just"/>
-            <a:endParaRPr lang="en-IN" sz="2000" dirty="0">
-              <a:latin typeface="Times New Roman" panose="02020603050405020304" pitchFamily="18" charset="0"/>
-              <a:ea typeface="Calibri" panose="020F0502020204030204" pitchFamily="34" charset="0"/>
-              <a:cs typeface="Times New Roman" panose="02020603050405020304" pitchFamily="18" charset="0"/>
-            </a:endParaRPr>
-          </a:p>
-        </p:txBody>
-      </p:sp>
-    </p:spTree>
-    <p:extLst>
-      <p:ext uri="{BB962C8B-B14F-4D97-AF65-F5344CB8AC3E}">
-        <p14:creationId xmlns:p14="http://schemas.microsoft.com/office/powerpoint/2010/main" val="856828799"/>
-      </p:ext>
-    </p:extLst>
-  </p:cSld>
-  <p:clrMapOvr>
-    <a:masterClrMapping/>
-  </p:clrMapOvr>
-</p:sld>
-</file>
-
-<file path=ppt/slides/slide5.xml><?xml version="1.0" encoding="utf-8"?>
-<p:sld xmlns:a="http://schemas.openxmlformats.org/drawingml/2006/main" xmlns:r="http://schemas.openxmlformats.org/officeDocument/2006/relationships" xmlns:p="http://schemas.openxmlformats.org/presentationml/2006/main">
-  <p:cSld>
-    <p:spTree>
-      <p:nvGrpSpPr>
-        <p:cNvPr id="1" name=""/>
-        <p:cNvGrpSpPr/>
-        <p:nvPr/>
-      </p:nvGrpSpPr>
-      <p:grpSpPr>
-        <a:xfrm>
-          <a:off x="0" y="0"/>
-          <a:ext cx="0" cy="0"/>
-          <a:chOff x="0" y="0"/>
-          <a:chExt cx="0" cy="0"/>
-        </a:xfrm>
-      </p:grpSpPr>
-      <p:sp>
-        <p:nvSpPr>
-          <p:cNvPr id="4" name="TextBox 3">
-            <a:extLst>
-              <a:ext uri="{FF2B5EF4-FFF2-40B4-BE49-F238E27FC236}">
-                <a16:creationId xmlns:a16="http://schemas.microsoft.com/office/drawing/2014/main" id="{4795E72C-F358-712C-E336-71F55BAB92F2}"/>
-              </a:ext>
-            </a:extLst>
-          </p:cNvPr>
-          <p:cNvSpPr txBox="1"/>
-          <p:nvPr/>
-        </p:nvSpPr>
-        <p:spPr>
-          <a:xfrm>
-            <a:off x="1941815" y="380144"/>
-            <a:ext cx="9729628" cy="6053517"/>
-          </a:xfrm>
-          <a:prstGeom prst="rect">
-            <a:avLst/>
-          </a:prstGeom>
-          <a:noFill/>
-        </p:spPr>
-        <p:txBody>
-          <a:bodyPr wrap="square" rtlCol="0">
-            <a:spAutoFit/>
-          </a:bodyPr>
-          <a:lstStyle/>
-          <a:p>
-            <a:pPr algn="just">
-              <a:lnSpc>
-                <a:spcPct val="107000"/>
-              </a:lnSpc>
-              <a:spcAft>
-                <a:spcPts val="800"/>
-              </a:spcAft>
-            </a:pPr>
-            <a:r>
-              <a:rPr lang="en-IN" sz="2400" b="1" kern="100" dirty="0">
-                <a:effectLst/>
-                <a:latin typeface="Times New Roman" panose="02020603050405020304" pitchFamily="18" charset="0"/>
-                <a:ea typeface="Calibri" panose="020F0502020204030204" pitchFamily="34" charset="0"/>
-                <a:cs typeface="Latha" panose="020B0604020202020204" pitchFamily="34" charset="0"/>
-              </a:rPr>
-              <a:t>Data Dictionary:</a:t>
-            </a:r>
-          </a:p>
-          <a:p>
-            <a:pPr algn="just">
-              <a:lnSpc>
-                <a:spcPct val="107000"/>
-              </a:lnSpc>
-              <a:spcAft>
-                <a:spcPts val="800"/>
-              </a:spcAft>
-            </a:pPr>
-            <a:endParaRPr lang="en-IN" sz="1800" kern="100" dirty="0">
-              <a:effectLst/>
-              <a:latin typeface="Calibri" panose="020F0502020204030204" pitchFamily="34" charset="0"/>
-              <a:ea typeface="Calibri" panose="020F0502020204030204" pitchFamily="34" charset="0"/>
-              <a:cs typeface="Latha" panose="020B0604020202020204" pitchFamily="34" charset="0"/>
-            </a:endParaRPr>
-          </a:p>
-          <a:p>
-            <a:pPr marL="342900" lvl="0" indent="-342900" algn="just">
-              <a:lnSpc>
-                <a:spcPct val="107000"/>
-              </a:lnSpc>
-              <a:spcAft>
-                <a:spcPts val="800"/>
-              </a:spcAft>
-              <a:tabLst>
-                <a:tab pos="457200" algn="l"/>
-              </a:tabLst>
-            </a:pPr>
-            <a:r>
-              <a:rPr lang="en-IN" sz="1800" b="1" kern="100" dirty="0" err="1">
-                <a:effectLst/>
-                <a:latin typeface="Times New Roman" panose="02020603050405020304" pitchFamily="18" charset="0"/>
-                <a:ea typeface="Calibri" panose="020F0502020204030204" pitchFamily="34" charset="0"/>
-                <a:cs typeface="Latha" panose="020B0604020202020204" pitchFamily="34" charset="0"/>
-              </a:rPr>
-              <a:t>Item_Identifier</a:t>
-            </a:r>
-            <a:r>
-              <a:rPr lang="en-IN" sz="1800" kern="100" dirty="0">
-                <a:effectLst/>
-                <a:latin typeface="Times New Roman" panose="02020603050405020304" pitchFamily="18" charset="0"/>
-                <a:ea typeface="Calibri" panose="020F0502020204030204" pitchFamily="34" charset="0"/>
-                <a:cs typeface="Latha" panose="020B0604020202020204" pitchFamily="34" charset="0"/>
-              </a:rPr>
-              <a:t>:  Unique product ID</a:t>
-            </a:r>
-            <a:endParaRPr lang="en-IN" sz="1800" kern="100" dirty="0">
-              <a:effectLst/>
-              <a:latin typeface="Calibri" panose="020F0502020204030204" pitchFamily="34" charset="0"/>
-              <a:ea typeface="Calibri" panose="020F0502020204030204" pitchFamily="34" charset="0"/>
-              <a:cs typeface="Latha" panose="020B0604020202020204" pitchFamily="34" charset="0"/>
-            </a:endParaRPr>
-          </a:p>
-          <a:p>
-            <a:pPr marL="342900" lvl="0" indent="-342900" algn="just">
-              <a:lnSpc>
-                <a:spcPct val="107000"/>
-              </a:lnSpc>
-              <a:spcAft>
-                <a:spcPts val="800"/>
-              </a:spcAft>
-              <a:tabLst>
-                <a:tab pos="457200" algn="l"/>
-              </a:tabLst>
-            </a:pPr>
-            <a:r>
-              <a:rPr lang="en-IN" sz="1800" b="1" kern="100" dirty="0" err="1">
-                <a:effectLst/>
-                <a:latin typeface="Times New Roman" panose="02020603050405020304" pitchFamily="18" charset="0"/>
-                <a:ea typeface="Calibri" panose="020F0502020204030204" pitchFamily="34" charset="0"/>
-                <a:cs typeface="Latha" panose="020B0604020202020204" pitchFamily="34" charset="0"/>
-              </a:rPr>
-              <a:t>Item_Weight</a:t>
-            </a:r>
-            <a:r>
-              <a:rPr lang="en-IN" sz="1800" kern="100" dirty="0">
-                <a:effectLst/>
-                <a:latin typeface="Times New Roman" panose="02020603050405020304" pitchFamily="18" charset="0"/>
-                <a:ea typeface="Calibri" panose="020F0502020204030204" pitchFamily="34" charset="0"/>
-                <a:cs typeface="Latha" panose="020B0604020202020204" pitchFamily="34" charset="0"/>
-              </a:rPr>
-              <a:t>:  Weight of the product</a:t>
-            </a:r>
-            <a:endParaRPr lang="en-IN" sz="1800" kern="100" dirty="0">
-              <a:effectLst/>
-              <a:latin typeface="Calibri" panose="020F0502020204030204" pitchFamily="34" charset="0"/>
-              <a:ea typeface="Calibri" panose="020F0502020204030204" pitchFamily="34" charset="0"/>
-              <a:cs typeface="Latha" panose="020B0604020202020204" pitchFamily="34" charset="0"/>
-            </a:endParaRPr>
-          </a:p>
-          <a:p>
-            <a:pPr marL="342900" lvl="0" indent="-342900" algn="just">
-              <a:lnSpc>
-                <a:spcPct val="107000"/>
-              </a:lnSpc>
-              <a:spcAft>
-                <a:spcPts val="800"/>
-              </a:spcAft>
-              <a:tabLst>
-                <a:tab pos="457200" algn="l"/>
-              </a:tabLst>
-            </a:pPr>
-            <a:r>
-              <a:rPr lang="en-IN" sz="1800" b="1" kern="100" dirty="0" err="1">
-                <a:effectLst/>
-                <a:latin typeface="Times New Roman" panose="02020603050405020304" pitchFamily="18" charset="0"/>
-                <a:ea typeface="Calibri" panose="020F0502020204030204" pitchFamily="34" charset="0"/>
-                <a:cs typeface="Latha" panose="020B0604020202020204" pitchFamily="34" charset="0"/>
-              </a:rPr>
-              <a:t>Item_Fat_Content</a:t>
-            </a:r>
-            <a:r>
-              <a:rPr lang="en-IN" sz="1800" kern="100" dirty="0">
-                <a:effectLst/>
-                <a:latin typeface="Times New Roman" panose="02020603050405020304" pitchFamily="18" charset="0"/>
-                <a:ea typeface="Calibri" panose="020F0502020204030204" pitchFamily="34" charset="0"/>
-                <a:cs typeface="Latha" panose="020B0604020202020204" pitchFamily="34" charset="0"/>
-              </a:rPr>
-              <a:t>:  Indicates whether the product is low fat or not</a:t>
-            </a:r>
-            <a:endParaRPr lang="en-IN" sz="1800" kern="100" dirty="0">
-              <a:effectLst/>
-              <a:latin typeface="Calibri" panose="020F0502020204030204" pitchFamily="34" charset="0"/>
-              <a:ea typeface="Calibri" panose="020F0502020204030204" pitchFamily="34" charset="0"/>
-              <a:cs typeface="Latha" panose="020B0604020202020204" pitchFamily="34" charset="0"/>
-            </a:endParaRPr>
-          </a:p>
-          <a:p>
-            <a:pPr marL="342900" lvl="0" indent="-342900" algn="just">
-              <a:lnSpc>
-                <a:spcPct val="107000"/>
-              </a:lnSpc>
-              <a:spcAft>
-                <a:spcPts val="800"/>
-              </a:spcAft>
-              <a:tabLst>
-                <a:tab pos="457200" algn="l"/>
-              </a:tabLst>
-            </a:pPr>
-            <a:r>
-              <a:rPr lang="en-IN" sz="1800" b="1" kern="100" dirty="0" err="1">
-                <a:effectLst/>
-                <a:latin typeface="Times New Roman" panose="02020603050405020304" pitchFamily="18" charset="0"/>
-                <a:ea typeface="Calibri" panose="020F0502020204030204" pitchFamily="34" charset="0"/>
-                <a:cs typeface="Latha" panose="020B0604020202020204" pitchFamily="34" charset="0"/>
-              </a:rPr>
-              <a:t>Item_Visibility</a:t>
-            </a:r>
-            <a:r>
-              <a:rPr lang="en-IN" sz="1800" kern="100" dirty="0">
-                <a:effectLst/>
-                <a:latin typeface="Times New Roman" panose="02020603050405020304" pitchFamily="18" charset="0"/>
-                <a:ea typeface="Calibri" panose="020F0502020204030204" pitchFamily="34" charset="0"/>
-                <a:cs typeface="Latha" panose="020B0604020202020204" pitchFamily="34" charset="0"/>
-              </a:rPr>
-              <a:t>:  % of the total display area of all products in a store allocated to this product</a:t>
-            </a:r>
-            <a:endParaRPr lang="en-IN" sz="1800" kern="100" dirty="0">
-              <a:effectLst/>
-              <a:latin typeface="Calibri" panose="020F0502020204030204" pitchFamily="34" charset="0"/>
-              <a:ea typeface="Calibri" panose="020F0502020204030204" pitchFamily="34" charset="0"/>
-              <a:cs typeface="Latha" panose="020B0604020202020204" pitchFamily="34" charset="0"/>
-            </a:endParaRPr>
-          </a:p>
-          <a:p>
-            <a:pPr marL="342900" lvl="0" indent="-342900" algn="just">
-              <a:lnSpc>
-                <a:spcPct val="107000"/>
-              </a:lnSpc>
-              <a:spcAft>
-                <a:spcPts val="800"/>
-              </a:spcAft>
-              <a:tabLst>
-                <a:tab pos="457200" algn="l"/>
-              </a:tabLst>
-            </a:pPr>
-            <a:r>
-              <a:rPr lang="en-IN" sz="1800" b="1" kern="100" dirty="0" err="1">
-                <a:effectLst/>
-                <a:latin typeface="Times New Roman" panose="02020603050405020304" pitchFamily="18" charset="0"/>
-                <a:ea typeface="Calibri" panose="020F0502020204030204" pitchFamily="34" charset="0"/>
-                <a:cs typeface="Latha" panose="020B0604020202020204" pitchFamily="34" charset="0"/>
-              </a:rPr>
-              <a:t>Item_Type</a:t>
-            </a:r>
-            <a:r>
-              <a:rPr lang="en-IN" sz="1800" kern="100" dirty="0">
-                <a:effectLst/>
-                <a:latin typeface="Times New Roman" panose="02020603050405020304" pitchFamily="18" charset="0"/>
-                <a:ea typeface="Calibri" panose="020F0502020204030204" pitchFamily="34" charset="0"/>
-                <a:cs typeface="Latha" panose="020B0604020202020204" pitchFamily="34" charset="0"/>
-              </a:rPr>
-              <a:t>:  Category of the product</a:t>
-            </a:r>
-            <a:endParaRPr lang="en-IN" sz="1800" kern="100" dirty="0">
-              <a:effectLst/>
-              <a:latin typeface="Calibri" panose="020F0502020204030204" pitchFamily="34" charset="0"/>
-              <a:ea typeface="Calibri" panose="020F0502020204030204" pitchFamily="34" charset="0"/>
-              <a:cs typeface="Latha" panose="020B0604020202020204" pitchFamily="34" charset="0"/>
-            </a:endParaRPr>
-          </a:p>
-          <a:p>
-            <a:pPr marL="342900" lvl="0" indent="-342900" algn="just">
-              <a:lnSpc>
-                <a:spcPct val="107000"/>
-              </a:lnSpc>
-              <a:spcAft>
-                <a:spcPts val="800"/>
-              </a:spcAft>
-              <a:tabLst>
-                <a:tab pos="457200" algn="l"/>
-              </a:tabLst>
-            </a:pPr>
-            <a:r>
-              <a:rPr lang="en-IN" sz="1800" b="1" kern="100" dirty="0" err="1">
-                <a:effectLst/>
-                <a:latin typeface="Times New Roman" panose="02020603050405020304" pitchFamily="18" charset="0"/>
-                <a:ea typeface="Calibri" panose="020F0502020204030204" pitchFamily="34" charset="0"/>
-                <a:cs typeface="Latha" panose="020B0604020202020204" pitchFamily="34" charset="0"/>
-              </a:rPr>
-              <a:t>Item_MRP</a:t>
-            </a:r>
-            <a:r>
-              <a:rPr lang="en-IN" sz="1800" kern="100" dirty="0">
-                <a:effectLst/>
-                <a:latin typeface="Times New Roman" panose="02020603050405020304" pitchFamily="18" charset="0"/>
-                <a:ea typeface="Calibri" panose="020F0502020204030204" pitchFamily="34" charset="0"/>
-                <a:cs typeface="Latha" panose="020B0604020202020204" pitchFamily="34" charset="0"/>
-              </a:rPr>
-              <a:t>:  Maximum Retail Price (list price) of the product</a:t>
-            </a:r>
-            <a:endParaRPr lang="en-IN" sz="1800" kern="100" dirty="0">
-              <a:effectLst/>
-              <a:latin typeface="Calibri" panose="020F0502020204030204" pitchFamily="34" charset="0"/>
-              <a:ea typeface="Calibri" panose="020F0502020204030204" pitchFamily="34" charset="0"/>
-              <a:cs typeface="Latha" panose="020B0604020202020204" pitchFamily="34" charset="0"/>
-            </a:endParaRPr>
-          </a:p>
-          <a:p>
-            <a:pPr marL="342900" lvl="0" indent="-342900" algn="just">
-              <a:lnSpc>
-                <a:spcPct val="107000"/>
-              </a:lnSpc>
-              <a:spcAft>
-                <a:spcPts val="800"/>
-              </a:spcAft>
-              <a:tabLst>
-                <a:tab pos="457200" algn="l"/>
-              </a:tabLst>
-            </a:pPr>
-            <a:r>
-              <a:rPr lang="en-IN" sz="1800" b="1" kern="100" dirty="0" err="1">
-                <a:effectLst/>
-                <a:latin typeface="Times New Roman" panose="02020603050405020304" pitchFamily="18" charset="0"/>
-                <a:ea typeface="Calibri" panose="020F0502020204030204" pitchFamily="34" charset="0"/>
-                <a:cs typeface="Latha" panose="020B0604020202020204" pitchFamily="34" charset="0"/>
-              </a:rPr>
-              <a:t>Outlet_Identifier</a:t>
-            </a:r>
-            <a:r>
-              <a:rPr lang="en-IN" sz="1800" kern="100" dirty="0">
-                <a:effectLst/>
-                <a:latin typeface="Times New Roman" panose="02020603050405020304" pitchFamily="18" charset="0"/>
-                <a:ea typeface="Calibri" panose="020F0502020204030204" pitchFamily="34" charset="0"/>
-                <a:cs typeface="Latha" panose="020B0604020202020204" pitchFamily="34" charset="0"/>
-              </a:rPr>
-              <a:t>:  Unique store ID</a:t>
-            </a:r>
-            <a:endParaRPr lang="en-IN" sz="1800" kern="100" dirty="0">
-              <a:effectLst/>
-              <a:latin typeface="Calibri" panose="020F0502020204030204" pitchFamily="34" charset="0"/>
-              <a:ea typeface="Calibri" panose="020F0502020204030204" pitchFamily="34" charset="0"/>
-              <a:cs typeface="Latha" panose="020B0604020202020204" pitchFamily="34" charset="0"/>
-            </a:endParaRPr>
-          </a:p>
-          <a:p>
-            <a:pPr marL="342900" lvl="0" indent="-342900" algn="just">
-              <a:lnSpc>
-                <a:spcPct val="107000"/>
-              </a:lnSpc>
-              <a:spcAft>
-                <a:spcPts val="800"/>
-              </a:spcAft>
-              <a:tabLst>
-                <a:tab pos="457200" algn="l"/>
-              </a:tabLst>
-            </a:pPr>
-            <a:r>
-              <a:rPr lang="en-IN" sz="1800" b="1" kern="100" dirty="0" err="1">
-                <a:effectLst/>
-                <a:latin typeface="Times New Roman" panose="02020603050405020304" pitchFamily="18" charset="0"/>
-                <a:ea typeface="Calibri" panose="020F0502020204030204" pitchFamily="34" charset="0"/>
-                <a:cs typeface="Latha" panose="020B0604020202020204" pitchFamily="34" charset="0"/>
-              </a:rPr>
-              <a:t>Outlet_Establishment_Year</a:t>
-            </a:r>
-            <a:r>
-              <a:rPr lang="en-IN" sz="1800" kern="100" dirty="0">
-                <a:effectLst/>
-                <a:latin typeface="Times New Roman" panose="02020603050405020304" pitchFamily="18" charset="0"/>
-                <a:ea typeface="Calibri" panose="020F0502020204030204" pitchFamily="34" charset="0"/>
-                <a:cs typeface="Latha" panose="020B0604020202020204" pitchFamily="34" charset="0"/>
-              </a:rPr>
-              <a:t>:  The year in which the store was established</a:t>
-            </a:r>
-            <a:endParaRPr lang="en-IN" sz="1800" kern="100" dirty="0">
-              <a:effectLst/>
-              <a:latin typeface="Calibri" panose="020F0502020204030204" pitchFamily="34" charset="0"/>
-              <a:ea typeface="Calibri" panose="020F0502020204030204" pitchFamily="34" charset="0"/>
-              <a:cs typeface="Latha" panose="020B0604020202020204" pitchFamily="34" charset="0"/>
-            </a:endParaRPr>
-          </a:p>
-          <a:p>
-            <a:pPr marL="342900" lvl="0" indent="-342900" algn="just">
-              <a:lnSpc>
-                <a:spcPct val="107000"/>
-              </a:lnSpc>
-              <a:spcAft>
-                <a:spcPts val="800"/>
-              </a:spcAft>
-              <a:tabLst>
-                <a:tab pos="457200" algn="l"/>
-              </a:tabLst>
-            </a:pPr>
-            <a:r>
-              <a:rPr lang="en-IN" sz="1800" b="1" kern="100" dirty="0" err="1">
-                <a:effectLst/>
-                <a:latin typeface="Times New Roman" panose="02020603050405020304" pitchFamily="18" charset="0"/>
-                <a:ea typeface="Calibri" panose="020F0502020204030204" pitchFamily="34" charset="0"/>
-                <a:cs typeface="Latha" panose="020B0604020202020204" pitchFamily="34" charset="0"/>
-              </a:rPr>
-              <a:t>Outlet_Size</a:t>
-            </a:r>
-            <a:r>
-              <a:rPr lang="en-IN" sz="1800" kern="100" dirty="0">
-                <a:effectLst/>
-                <a:latin typeface="Times New Roman" panose="02020603050405020304" pitchFamily="18" charset="0"/>
-                <a:ea typeface="Calibri" panose="020F0502020204030204" pitchFamily="34" charset="0"/>
-                <a:cs typeface="Latha" panose="020B0604020202020204" pitchFamily="34" charset="0"/>
-              </a:rPr>
-              <a:t>:  Size of the store (e.g., Small, Medium, Large)</a:t>
-            </a:r>
-            <a:endParaRPr lang="en-IN" sz="1800" kern="100" dirty="0">
-              <a:effectLst/>
-              <a:latin typeface="Calibri" panose="020F0502020204030204" pitchFamily="34" charset="0"/>
-              <a:ea typeface="Calibri" panose="020F0502020204030204" pitchFamily="34" charset="0"/>
-              <a:cs typeface="Latha" panose="020B0604020202020204" pitchFamily="34" charset="0"/>
-            </a:endParaRPr>
-          </a:p>
-          <a:p>
-            <a:pPr marL="342900" lvl="0" indent="-342900" algn="just">
-              <a:lnSpc>
-                <a:spcPct val="107000"/>
-              </a:lnSpc>
-              <a:spcAft>
-                <a:spcPts val="800"/>
-              </a:spcAft>
-              <a:tabLst>
-                <a:tab pos="457200" algn="l"/>
-              </a:tabLst>
-            </a:pPr>
-            <a:r>
-              <a:rPr lang="en-IN" sz="1800" b="1" kern="100" dirty="0" err="1">
-                <a:effectLst/>
-                <a:latin typeface="Times New Roman" panose="02020603050405020304" pitchFamily="18" charset="0"/>
-                <a:ea typeface="Calibri" panose="020F0502020204030204" pitchFamily="34" charset="0"/>
-                <a:cs typeface="Latha" panose="020B0604020202020204" pitchFamily="34" charset="0"/>
-              </a:rPr>
-              <a:t>Outlet_Location_Type</a:t>
-            </a:r>
-            <a:r>
-              <a:rPr lang="en-IN" sz="1800" kern="100" dirty="0">
-                <a:effectLst/>
-                <a:latin typeface="Times New Roman" panose="02020603050405020304" pitchFamily="18" charset="0"/>
-                <a:ea typeface="Calibri" panose="020F0502020204030204" pitchFamily="34" charset="0"/>
-                <a:cs typeface="Latha" panose="020B0604020202020204" pitchFamily="34" charset="0"/>
-              </a:rPr>
-              <a:t>:  Type of city where the store is located (e.g., Tier 1, Tier 2, Tier 3)</a:t>
-            </a:r>
-            <a:endParaRPr lang="en-IN" sz="1800" kern="100" dirty="0">
-              <a:effectLst/>
-              <a:latin typeface="Calibri" panose="020F0502020204030204" pitchFamily="34" charset="0"/>
-              <a:ea typeface="Calibri" panose="020F0502020204030204" pitchFamily="34" charset="0"/>
-              <a:cs typeface="Latha" panose="020B0604020202020204" pitchFamily="34" charset="0"/>
-            </a:endParaRPr>
-          </a:p>
-          <a:p>
-            <a:pPr marL="342900" lvl="0" indent="-342900" algn="just">
-              <a:lnSpc>
-                <a:spcPct val="107000"/>
-              </a:lnSpc>
-              <a:spcAft>
-                <a:spcPts val="800"/>
-              </a:spcAft>
-              <a:tabLst>
-                <a:tab pos="457200" algn="l"/>
-              </a:tabLst>
-            </a:pPr>
-            <a:r>
-              <a:rPr lang="en-IN" sz="1800" b="1" kern="100" dirty="0" err="1">
-                <a:effectLst/>
-                <a:latin typeface="Times New Roman" panose="02020603050405020304" pitchFamily="18" charset="0"/>
-                <a:ea typeface="Calibri" panose="020F0502020204030204" pitchFamily="34" charset="0"/>
-                <a:cs typeface="Latha" panose="020B0604020202020204" pitchFamily="34" charset="0"/>
-              </a:rPr>
-              <a:t>Outlet_Type</a:t>
-            </a:r>
-            <a:r>
-              <a:rPr lang="en-IN" sz="1800" kern="100" dirty="0">
-                <a:effectLst/>
-                <a:latin typeface="Times New Roman" panose="02020603050405020304" pitchFamily="18" charset="0"/>
-                <a:ea typeface="Calibri" panose="020F0502020204030204" pitchFamily="34" charset="0"/>
-                <a:cs typeface="Latha" panose="020B0604020202020204" pitchFamily="34" charset="0"/>
-              </a:rPr>
-              <a:t>:  Indicates the type of store (e.g., Grocery Store, Supermarket Type 1/2/3)</a:t>
-            </a:r>
-            <a:endParaRPr lang="en-IN" sz="1800" kern="100" dirty="0">
-              <a:effectLst/>
-              <a:latin typeface="Calibri" panose="020F0502020204030204" pitchFamily="34" charset="0"/>
-              <a:ea typeface="Calibri" panose="020F0502020204030204" pitchFamily="34" charset="0"/>
-              <a:cs typeface="Latha" panose="020B0604020202020204" pitchFamily="34" charset="0"/>
-            </a:endParaRPr>
-          </a:p>
-          <a:p>
-            <a:pPr marL="342900" lvl="0" indent="-342900" algn="just">
-              <a:lnSpc>
-                <a:spcPct val="107000"/>
-              </a:lnSpc>
-              <a:spcAft>
-                <a:spcPts val="800"/>
-              </a:spcAft>
-              <a:tabLst>
-                <a:tab pos="457200" algn="l"/>
-              </a:tabLst>
-            </a:pPr>
-            <a:r>
-              <a:rPr lang="en-IN" sz="1800" b="1" kern="100" dirty="0" err="1">
-                <a:effectLst/>
-                <a:latin typeface="Times New Roman" panose="02020603050405020304" pitchFamily="18" charset="0"/>
-                <a:ea typeface="Calibri" panose="020F0502020204030204" pitchFamily="34" charset="0"/>
-                <a:cs typeface="Latha" panose="020B0604020202020204" pitchFamily="34" charset="0"/>
-              </a:rPr>
-              <a:t>Item_Outlet_Sales</a:t>
-            </a:r>
-            <a:r>
-              <a:rPr lang="en-IN" sz="1800" kern="100" dirty="0">
-                <a:effectLst/>
-                <a:latin typeface="Times New Roman" panose="02020603050405020304" pitchFamily="18" charset="0"/>
-                <a:ea typeface="Calibri" panose="020F0502020204030204" pitchFamily="34" charset="0"/>
-                <a:cs typeface="Latha" panose="020B0604020202020204" pitchFamily="34" charset="0"/>
-              </a:rPr>
-              <a:t>:  Total sales of the product in a particular store (Target variable in the train dataset)</a:t>
-            </a:r>
-            <a:endParaRPr lang="en-IN" sz="1800" kern="100" dirty="0">
-              <a:effectLst/>
-              <a:latin typeface="Calibri" panose="020F0502020204030204" pitchFamily="34" charset="0"/>
-              <a:ea typeface="Calibri" panose="020F0502020204030204" pitchFamily="34" charset="0"/>
-              <a:cs typeface="Latha" panose="020B0604020202020204" pitchFamily="34" charset="0"/>
-            </a:endParaRPr>
-          </a:p>
-          <a:p>
-            <a:endParaRPr lang="en-IN" dirty="0"/>
-          </a:p>
-        </p:txBody>
-      </p:sp>
-    </p:spTree>
-    <p:extLst>
-      <p:ext uri="{BB962C8B-B14F-4D97-AF65-F5344CB8AC3E}">
-        <p14:creationId xmlns:p14="http://schemas.microsoft.com/office/powerpoint/2010/main" val="2082991300"/>
-      </p:ext>
-    </p:extLst>
-  </p:cSld>
-  <p:clrMapOvr>
-    <a:masterClrMapping/>
-  </p:clrMapOvr>
-</p:sld>
-</file>
-
-<file path=ppt/slides/slide6.xml><?xml version="1.0" encoding="utf-8"?>
-<p:sld xmlns:a="http://schemas.openxmlformats.org/drawingml/2006/main" xmlns:r="http://schemas.openxmlformats.org/officeDocument/2006/relationships" xmlns:p="http://schemas.openxmlformats.org/presentationml/2006/main">
-  <p:cSld>
-    <p:spTree>
-      <p:nvGrpSpPr>
-        <p:cNvPr id="1" name=""/>
-        <p:cNvGrpSpPr/>
-        <p:nvPr/>
-      </p:nvGrpSpPr>
-      <p:grpSpPr>
-        <a:xfrm>
-          <a:off x="0" y="0"/>
-          <a:ext cx="0" cy="0"/>
-          <a:chOff x="0" y="0"/>
-          <a:chExt cx="0" cy="0"/>
-        </a:xfrm>
-      </p:grpSpPr>
-      <p:sp>
-        <p:nvSpPr>
-          <p:cNvPr id="4" name="TextBox 3">
-            <a:extLst>
-              <a:ext uri="{FF2B5EF4-FFF2-40B4-BE49-F238E27FC236}">
-                <a16:creationId xmlns:a16="http://schemas.microsoft.com/office/drawing/2014/main" id="{57E7DA97-B15B-B403-708E-FBE2CE503CFA}"/>
-              </a:ext>
-            </a:extLst>
-          </p:cNvPr>
-          <p:cNvSpPr txBox="1"/>
-          <p:nvPr/>
-        </p:nvSpPr>
-        <p:spPr>
-          <a:xfrm>
-            <a:off x="1089061" y="678094"/>
-            <a:ext cx="2712377" cy="461665"/>
-          </a:xfrm>
-          <a:prstGeom prst="rect">
-            <a:avLst/>
-          </a:prstGeom>
-          <a:noFill/>
-        </p:spPr>
-        <p:txBody>
-          <a:bodyPr wrap="square" rtlCol="0">
-            <a:spAutoFit/>
-          </a:bodyPr>
-          <a:lstStyle/>
-          <a:p>
-            <a:r>
-              <a:rPr lang="en-US" sz="2400" b="1" dirty="0">
-                <a:latin typeface="Times New Roman" panose="02020603050405020304" pitchFamily="18" charset="0"/>
-                <a:cs typeface="Times New Roman" panose="02020603050405020304" pitchFamily="18" charset="0"/>
-              </a:rPr>
-              <a:t>DATASET :</a:t>
-            </a:r>
-            <a:endParaRPr lang="en-IN" sz="2400" b="1" dirty="0">
-              <a:latin typeface="Times New Roman" panose="02020603050405020304" pitchFamily="18" charset="0"/>
-              <a:cs typeface="Times New Roman" panose="02020603050405020304" pitchFamily="18" charset="0"/>
-            </a:endParaRPr>
-          </a:p>
-        </p:txBody>
-      </p:sp>
-      <p:pic>
-        <p:nvPicPr>
-          <p:cNvPr id="6" name="Picture 5">
-            <a:extLst>
-              <a:ext uri="{FF2B5EF4-FFF2-40B4-BE49-F238E27FC236}">
-                <a16:creationId xmlns:a16="http://schemas.microsoft.com/office/drawing/2014/main" id="{BBCC8A5F-FF84-5BB3-EB09-B6780773B43B}"/>
-              </a:ext>
-            </a:extLst>
-          </p:cNvPr>
-          <p:cNvPicPr>
-            <a:picLocks noChangeAspect="1"/>
-          </p:cNvPicPr>
-          <p:nvPr/>
-        </p:nvPicPr>
-        <p:blipFill>
-          <a:blip r:embed="rId2"/>
-          <a:stretch>
-            <a:fillRect/>
-          </a:stretch>
-        </p:blipFill>
-        <p:spPr>
-          <a:xfrm>
-            <a:off x="1197906" y="1464656"/>
-            <a:ext cx="10569537" cy="4442984"/>
-          </a:xfrm>
-          <a:prstGeom prst="rect">
-            <a:avLst/>
-          </a:prstGeom>
-        </p:spPr>
-      </p:pic>
-    </p:spTree>
-    <p:extLst>
-      <p:ext uri="{BB962C8B-B14F-4D97-AF65-F5344CB8AC3E}">
-        <p14:creationId xmlns:p14="http://schemas.microsoft.com/office/powerpoint/2010/main" val="2976731973"/>
-      </p:ext>
-    </p:extLst>
-  </p:cSld>
-  <p:clrMapOvr>
-    <a:masterClrMapping/>
-  </p:clrMapOvr>
-</p:sld>
-</file>
-
-<file path=ppt/slides/slide7.xml><?xml version="1.0" encoding="utf-8"?>
-<p:sld xmlns:a="http://schemas.openxmlformats.org/drawingml/2006/main" xmlns:r="http://schemas.openxmlformats.org/officeDocument/2006/relationships" xmlns:p="http://schemas.openxmlformats.org/presentationml/2006/main">
-  <p:cSld>
-    <p:spTree>
-      <p:nvGrpSpPr>
-        <p:cNvPr id="1" name=""/>
-        <p:cNvGrpSpPr/>
-        <p:nvPr/>
-      </p:nvGrpSpPr>
-      <p:grpSpPr>
-        <a:xfrm>
-          <a:off x="0" y="0"/>
-          <a:ext cx="0" cy="0"/>
-          <a:chOff x="0" y="0"/>
-          <a:chExt cx="0" cy="0"/>
-        </a:xfrm>
-      </p:grpSpPr>
-      <p:sp>
-        <p:nvSpPr>
-          <p:cNvPr id="5" name="TextBox 4">
-            <a:extLst>
-              <a:ext uri="{FF2B5EF4-FFF2-40B4-BE49-F238E27FC236}">
-                <a16:creationId xmlns:a16="http://schemas.microsoft.com/office/drawing/2014/main" id="{44F72190-DB6B-CD20-94B2-31B630E9EB2F}"/>
-              </a:ext>
-            </a:extLst>
-          </p:cNvPr>
-          <p:cNvSpPr txBox="1"/>
-          <p:nvPr/>
-        </p:nvSpPr>
-        <p:spPr>
-          <a:xfrm>
-            <a:off x="1212350" y="503434"/>
-            <a:ext cx="3904179" cy="461665"/>
-          </a:xfrm>
-          <a:prstGeom prst="rect">
-            <a:avLst/>
-          </a:prstGeom>
-          <a:noFill/>
-        </p:spPr>
-        <p:txBody>
-          <a:bodyPr wrap="square" rtlCol="0">
-            <a:spAutoFit/>
-          </a:bodyPr>
-          <a:lstStyle/>
-          <a:p>
-            <a:r>
-              <a:rPr lang="en-US" sz="2400" b="1" dirty="0">
-                <a:latin typeface="Times New Roman" panose="02020603050405020304" pitchFamily="18" charset="0"/>
-                <a:cs typeface="Times New Roman" panose="02020603050405020304" pitchFamily="18" charset="0"/>
-              </a:rPr>
-              <a:t>Exploratory Data Analysis :</a:t>
-            </a:r>
-            <a:endParaRPr lang="en-IN" sz="2400" b="1" dirty="0">
-              <a:latin typeface="Times New Roman" panose="02020603050405020304" pitchFamily="18" charset="0"/>
-              <a:cs typeface="Times New Roman" panose="02020603050405020304" pitchFamily="18" charset="0"/>
-            </a:endParaRPr>
-          </a:p>
-        </p:txBody>
-      </p:sp>
-      <p:pic>
-        <p:nvPicPr>
-          <p:cNvPr id="6" name="Picture 5">
-            <a:extLst>
-              <a:ext uri="{FF2B5EF4-FFF2-40B4-BE49-F238E27FC236}">
-                <a16:creationId xmlns:a16="http://schemas.microsoft.com/office/drawing/2014/main" id="{9627C6F0-7B87-3AF6-C72A-522F13172DEF}"/>
-              </a:ext>
-            </a:extLst>
-          </p:cNvPr>
-          <p:cNvPicPr>
-            <a:picLocks noChangeAspect="1"/>
-          </p:cNvPicPr>
-          <p:nvPr/>
-        </p:nvPicPr>
-        <p:blipFill>
-          <a:blip r:embed="rId2">
-            <a:extLst>
-              <a:ext uri="{28A0092B-C50C-407E-A947-70E740481C1C}">
-                <a14:useLocalDpi xmlns:a14="http://schemas.microsoft.com/office/drawing/2010/main" val="0"/>
-              </a:ext>
-            </a:extLst>
-          </a:blip>
-          <a:srcRect/>
-          <a:stretch>
-            <a:fillRect/>
-          </a:stretch>
-        </p:blipFill>
-        <p:spPr bwMode="auto">
-          <a:xfrm>
-            <a:off x="762438" y="1568767"/>
-            <a:ext cx="6002655" cy="3720465"/>
-          </a:xfrm>
-          <a:prstGeom prst="rect">
-            <a:avLst/>
-          </a:prstGeom>
-          <a:noFill/>
-          <a:ln>
-            <a:noFill/>
-          </a:ln>
-        </p:spPr>
-      </p:pic>
-      <p:sp>
-        <p:nvSpPr>
-          <p:cNvPr id="7" name="TextBox 6">
-            <a:extLst>
-              <a:ext uri="{FF2B5EF4-FFF2-40B4-BE49-F238E27FC236}">
-                <a16:creationId xmlns:a16="http://schemas.microsoft.com/office/drawing/2014/main" id="{9A50E13D-E719-9796-F9B1-24252C03803D}"/>
-              </a:ext>
-            </a:extLst>
-          </p:cNvPr>
-          <p:cNvSpPr txBox="1"/>
-          <p:nvPr/>
-        </p:nvSpPr>
-        <p:spPr>
-          <a:xfrm>
-            <a:off x="986319" y="5424755"/>
-            <a:ext cx="5568593" cy="923330"/>
-          </a:xfrm>
-          <a:prstGeom prst="rect">
-            <a:avLst/>
-          </a:prstGeom>
-          <a:noFill/>
-        </p:spPr>
-        <p:txBody>
-          <a:bodyPr wrap="square" rtlCol="0">
-            <a:spAutoFit/>
-          </a:bodyPr>
-          <a:lstStyle/>
-          <a:p>
-            <a:r>
-              <a:rPr lang="en-IN" sz="1800" dirty="0">
-                <a:effectLst/>
-                <a:latin typeface="Times New Roman" panose="02020603050405020304" pitchFamily="18" charset="0"/>
-                <a:ea typeface="Calibri" panose="020F0502020204030204" pitchFamily="34" charset="0"/>
-              </a:rPr>
-              <a:t>This heatmap shows the count of each product type according to the establishment year. </a:t>
-            </a:r>
-            <a:r>
-              <a:rPr lang="en-IN" sz="1800" b="1" i="1" dirty="0">
-                <a:effectLst/>
-                <a:latin typeface="Times New Roman" panose="02020603050405020304" pitchFamily="18" charset="0"/>
-                <a:ea typeface="Calibri" panose="020F0502020204030204" pitchFamily="34" charset="0"/>
-              </a:rPr>
-              <a:t>Where Fruits and Vegetables have highest count</a:t>
-            </a:r>
-            <a:endParaRPr lang="en-IN" dirty="0"/>
-          </a:p>
-        </p:txBody>
-      </p:sp>
-      <p:pic>
-        <p:nvPicPr>
-          <p:cNvPr id="8" name="Picture 7">
-            <a:extLst>
-              <a:ext uri="{FF2B5EF4-FFF2-40B4-BE49-F238E27FC236}">
-                <a16:creationId xmlns:a16="http://schemas.microsoft.com/office/drawing/2014/main" id="{854B0F23-BDB5-D600-7E8D-482765A113CC}"/>
-              </a:ext>
-            </a:extLst>
-          </p:cNvPr>
-          <p:cNvPicPr>
-            <a:picLocks noChangeAspect="1"/>
-          </p:cNvPicPr>
-          <p:nvPr/>
-        </p:nvPicPr>
-        <p:blipFill>
-          <a:blip r:embed="rId3">
-            <a:extLst>
-              <a:ext uri="{28A0092B-C50C-407E-A947-70E740481C1C}">
-                <a14:useLocalDpi xmlns:a14="http://schemas.microsoft.com/office/drawing/2010/main" val="0"/>
-              </a:ext>
-            </a:extLst>
-          </a:blip>
-          <a:srcRect/>
-          <a:stretch>
-            <a:fillRect/>
-          </a:stretch>
-        </p:blipFill>
-        <p:spPr bwMode="auto">
-          <a:xfrm>
-            <a:off x="6609315" y="1568767"/>
-            <a:ext cx="5582685" cy="3545840"/>
-          </a:xfrm>
-          <a:prstGeom prst="rect">
-            <a:avLst/>
-          </a:prstGeom>
-          <a:noFill/>
-          <a:ln>
-            <a:noFill/>
-          </a:ln>
-        </p:spPr>
-      </p:pic>
-      <p:sp>
-        <p:nvSpPr>
-          <p:cNvPr id="9" name="TextBox 8">
-            <a:extLst>
-              <a:ext uri="{FF2B5EF4-FFF2-40B4-BE49-F238E27FC236}">
-                <a16:creationId xmlns:a16="http://schemas.microsoft.com/office/drawing/2014/main" id="{D240F7C6-6176-6281-85FC-FAD67E956AD4}"/>
-              </a:ext>
-            </a:extLst>
-          </p:cNvPr>
-          <p:cNvSpPr txBox="1"/>
-          <p:nvPr/>
-        </p:nvSpPr>
-        <p:spPr>
-          <a:xfrm>
-            <a:off x="6623407" y="5424755"/>
-            <a:ext cx="5568593" cy="1361014"/>
-          </a:xfrm>
-          <a:prstGeom prst="rect">
-            <a:avLst/>
-          </a:prstGeom>
-          <a:noFill/>
-        </p:spPr>
-        <p:txBody>
-          <a:bodyPr wrap="square" rtlCol="0">
-            <a:spAutoFit/>
-          </a:bodyPr>
-          <a:lstStyle/>
-          <a:p>
-            <a:pPr algn="just">
-              <a:lnSpc>
-                <a:spcPct val="107000"/>
-              </a:lnSpc>
-              <a:spcAft>
-                <a:spcPts val="800"/>
-              </a:spcAft>
-            </a:pPr>
-            <a:r>
-              <a:rPr lang="en-IN" sz="1800" kern="100" dirty="0">
-                <a:effectLst/>
-                <a:latin typeface="Times New Roman" panose="02020603050405020304" pitchFamily="18" charset="0"/>
-                <a:ea typeface="Calibri" panose="020F0502020204030204" pitchFamily="34" charset="0"/>
-                <a:cs typeface="Latha" panose="020B0604020202020204" pitchFamily="34" charset="0"/>
-              </a:rPr>
-              <a:t>This figure shows the Total </a:t>
-            </a:r>
-            <a:r>
-              <a:rPr lang="en-IN" sz="1800" kern="100" dirty="0" err="1">
-                <a:effectLst/>
-                <a:latin typeface="Times New Roman" panose="02020603050405020304" pitchFamily="18" charset="0"/>
-                <a:ea typeface="Calibri" panose="020F0502020204030204" pitchFamily="34" charset="0"/>
-                <a:cs typeface="Latha" panose="020B0604020202020204" pitchFamily="34" charset="0"/>
-              </a:rPr>
-              <a:t>OutletSales</a:t>
-            </a:r>
-            <a:r>
-              <a:rPr lang="en-IN" sz="1800" kern="100" dirty="0">
-                <a:effectLst/>
-                <a:latin typeface="Times New Roman" panose="02020603050405020304" pitchFamily="18" charset="0"/>
-                <a:ea typeface="Calibri" panose="020F0502020204030204" pitchFamily="34" charset="0"/>
-                <a:cs typeface="Latha" panose="020B0604020202020204" pitchFamily="34" charset="0"/>
-              </a:rPr>
-              <a:t> By each of the </a:t>
-            </a:r>
-            <a:r>
-              <a:rPr lang="en-IN" sz="1800" kern="100" dirty="0" err="1">
-                <a:effectLst/>
-                <a:latin typeface="Times New Roman" panose="02020603050405020304" pitchFamily="18" charset="0"/>
-                <a:ea typeface="Calibri" panose="020F0502020204030204" pitchFamily="34" charset="0"/>
-                <a:cs typeface="Latha" panose="020B0604020202020204" pitchFamily="34" charset="0"/>
-              </a:rPr>
-              <a:t>outletType</a:t>
-            </a:r>
-            <a:r>
-              <a:rPr lang="en-IN" sz="1800" kern="100" dirty="0">
-                <a:effectLst/>
-                <a:latin typeface="Times New Roman" panose="02020603050405020304" pitchFamily="18" charset="0"/>
-                <a:ea typeface="Calibri" panose="020F0502020204030204" pitchFamily="34" charset="0"/>
-                <a:cs typeface="Latha" panose="020B0604020202020204" pitchFamily="34" charset="0"/>
-              </a:rPr>
-              <a:t>, Where </a:t>
-            </a:r>
-            <a:r>
-              <a:rPr lang="en-IN" sz="1800" b="1" i="1" kern="100" dirty="0">
-                <a:effectLst/>
-                <a:latin typeface="Times New Roman" panose="02020603050405020304" pitchFamily="18" charset="0"/>
-                <a:ea typeface="Calibri" panose="020F0502020204030204" pitchFamily="34" charset="0"/>
-                <a:cs typeface="Latha" panose="020B0604020202020204" pitchFamily="34" charset="0"/>
-              </a:rPr>
-              <a:t>Supermarket Type1 has the Highest outlet sales</a:t>
-            </a:r>
-            <a:r>
-              <a:rPr lang="en-IN" sz="1800" kern="100" dirty="0">
-                <a:effectLst/>
-                <a:latin typeface="Times New Roman" panose="02020603050405020304" pitchFamily="18" charset="0"/>
-                <a:ea typeface="Calibri" panose="020F0502020204030204" pitchFamily="34" charset="0"/>
-                <a:cs typeface="Latha" panose="020B0604020202020204" pitchFamily="34" charset="0"/>
-              </a:rPr>
-              <a:t>.</a:t>
-            </a:r>
-            <a:endParaRPr lang="en-IN" sz="1800" kern="100" dirty="0">
-              <a:effectLst/>
-              <a:latin typeface="Calibri" panose="020F0502020204030204" pitchFamily="34" charset="0"/>
-              <a:ea typeface="Calibri" panose="020F0502020204030204" pitchFamily="34" charset="0"/>
-              <a:cs typeface="Latha" panose="020B0604020202020204" pitchFamily="34" charset="0"/>
-            </a:endParaRPr>
-          </a:p>
-          <a:p>
-            <a:endParaRPr lang="en-IN" dirty="0"/>
-          </a:p>
-        </p:txBody>
-      </p:sp>
-    </p:spTree>
-    <p:extLst>
-      <p:ext uri="{BB962C8B-B14F-4D97-AF65-F5344CB8AC3E}">
-        <p14:creationId xmlns:p14="http://schemas.microsoft.com/office/powerpoint/2010/main" val="1828862248"/>
-      </p:ext>
-    </p:extLst>
-  </p:cSld>
-  <p:clrMapOvr>
-    <a:masterClrMapping/>
-  </p:clrMapOvr>
-</p:sld>
-</file>
-
-<file path=ppt/slides/slide8.xml><?xml version="1.0" encoding="utf-8"?>
-<p:sld xmlns:a="http://schemas.openxmlformats.org/drawingml/2006/main" xmlns:r="http://schemas.openxmlformats.org/officeDocument/2006/relationships" xmlns:p="http://schemas.openxmlformats.org/presentationml/2006/main">
-  <p:cSld>
-    <p:spTree>
-      <p:nvGrpSpPr>
-        <p:cNvPr id="1" name=""/>
-        <p:cNvGrpSpPr/>
-        <p:nvPr/>
-      </p:nvGrpSpPr>
-      <p:grpSpPr>
-        <a:xfrm>
-          <a:off x="0" y="0"/>
-          <a:ext cx="0" cy="0"/>
-          <a:chOff x="0" y="0"/>
-          <a:chExt cx="0" cy="0"/>
-        </a:xfrm>
-      </p:grpSpPr>
-      <p:pic>
-        <p:nvPicPr>
-          <p:cNvPr id="4" name="Picture 3">
-            <a:extLst>
-              <a:ext uri="{FF2B5EF4-FFF2-40B4-BE49-F238E27FC236}">
-                <a16:creationId xmlns:a16="http://schemas.microsoft.com/office/drawing/2014/main" id="{D0AFE354-4743-4A4B-40DF-DCB23BC9086B}"/>
-              </a:ext>
-            </a:extLst>
-          </p:cNvPr>
-          <p:cNvPicPr>
-            <a:picLocks noChangeAspect="1"/>
-          </p:cNvPicPr>
-          <p:nvPr/>
-        </p:nvPicPr>
-        <p:blipFill>
-          <a:blip r:embed="rId2">
-            <a:extLst>
-              <a:ext uri="{28A0092B-C50C-407E-A947-70E740481C1C}">
-                <a14:useLocalDpi xmlns:a14="http://schemas.microsoft.com/office/drawing/2010/main" val="0"/>
-              </a:ext>
-            </a:extLst>
-          </a:blip>
-          <a:srcRect/>
-          <a:stretch>
-            <a:fillRect/>
-          </a:stretch>
-        </p:blipFill>
-        <p:spPr bwMode="auto">
-          <a:xfrm>
-            <a:off x="111760" y="1266043"/>
-            <a:ext cx="5984240" cy="3442335"/>
-          </a:xfrm>
-          <a:prstGeom prst="rect">
-            <a:avLst/>
-          </a:prstGeom>
-          <a:noFill/>
-          <a:ln>
-            <a:noFill/>
-          </a:ln>
-        </p:spPr>
-      </p:pic>
-      <p:sp>
-        <p:nvSpPr>
-          <p:cNvPr id="5" name="TextBox 4">
-            <a:extLst>
-              <a:ext uri="{FF2B5EF4-FFF2-40B4-BE49-F238E27FC236}">
-                <a16:creationId xmlns:a16="http://schemas.microsoft.com/office/drawing/2014/main" id="{71B4F88C-4F50-DDEB-407B-9769D5DBCC45}"/>
-              </a:ext>
-            </a:extLst>
-          </p:cNvPr>
-          <p:cNvSpPr txBox="1"/>
-          <p:nvPr/>
-        </p:nvSpPr>
-        <p:spPr>
-          <a:xfrm>
-            <a:off x="496580" y="5130292"/>
-            <a:ext cx="5599420" cy="923330"/>
-          </a:xfrm>
-          <a:prstGeom prst="rect">
-            <a:avLst/>
-          </a:prstGeom>
-          <a:noFill/>
-        </p:spPr>
-        <p:txBody>
-          <a:bodyPr wrap="square" rtlCol="0">
-            <a:spAutoFit/>
-          </a:bodyPr>
-          <a:lstStyle/>
-          <a:p>
-            <a:r>
-              <a:rPr lang="en-IN" sz="1800" kern="100" dirty="0">
-                <a:effectLst/>
-                <a:latin typeface="Times New Roman" panose="02020603050405020304" pitchFamily="18" charset="0"/>
-                <a:ea typeface="Calibri" panose="020F0502020204030204" pitchFamily="34" charset="0"/>
-                <a:cs typeface="Latha" panose="020B0604020202020204" pitchFamily="34" charset="0"/>
-              </a:rPr>
-              <a:t>This Box plot shows the Distribution of MRP by each </a:t>
-            </a:r>
-            <a:r>
-              <a:rPr lang="en-IN" sz="1800" b="1" i="1" kern="100" dirty="0" err="1">
-                <a:effectLst/>
-                <a:latin typeface="Times New Roman" panose="02020603050405020304" pitchFamily="18" charset="0"/>
-                <a:ea typeface="Calibri" panose="020F0502020204030204" pitchFamily="34" charset="0"/>
-                <a:cs typeface="Latha" panose="020B0604020202020204" pitchFamily="34" charset="0"/>
-              </a:rPr>
-              <a:t>productType</a:t>
-            </a:r>
-            <a:r>
-              <a:rPr lang="en-IN" sz="1800" b="1" i="1" kern="100" dirty="0">
-                <a:effectLst/>
-                <a:latin typeface="Times New Roman" panose="02020603050405020304" pitchFamily="18" charset="0"/>
-                <a:ea typeface="Calibri" panose="020F0502020204030204" pitchFamily="34" charset="0"/>
-                <a:cs typeface="Latha" panose="020B0604020202020204" pitchFamily="34" charset="0"/>
-              </a:rPr>
-              <a:t>.</a:t>
-            </a:r>
-            <a:endParaRPr lang="en-IN" sz="1800" b="1" i="1" kern="100" dirty="0">
-              <a:effectLst/>
-              <a:latin typeface="Calibri" panose="020F0502020204030204" pitchFamily="34" charset="0"/>
-              <a:ea typeface="Calibri" panose="020F0502020204030204" pitchFamily="34" charset="0"/>
-              <a:cs typeface="Latha" panose="020B0604020202020204" pitchFamily="34" charset="0"/>
-            </a:endParaRPr>
-          </a:p>
-          <a:p>
-            <a:endParaRPr lang="en-IN" dirty="0"/>
-          </a:p>
-        </p:txBody>
-      </p:sp>
-      <p:pic>
-        <p:nvPicPr>
-          <p:cNvPr id="6" name="Picture 5">
-            <a:extLst>
-              <a:ext uri="{FF2B5EF4-FFF2-40B4-BE49-F238E27FC236}">
-                <a16:creationId xmlns:a16="http://schemas.microsoft.com/office/drawing/2014/main" id="{1DD57061-CCE5-4916-BB56-CD51F1CC6218}"/>
-              </a:ext>
-            </a:extLst>
-          </p:cNvPr>
-          <p:cNvPicPr>
-            <a:picLocks noChangeAspect="1"/>
-          </p:cNvPicPr>
-          <p:nvPr/>
-        </p:nvPicPr>
-        <p:blipFill>
-          <a:blip r:embed="rId3">
-            <a:extLst>
-              <a:ext uri="{28A0092B-C50C-407E-A947-70E740481C1C}">
-                <a14:useLocalDpi xmlns:a14="http://schemas.microsoft.com/office/drawing/2010/main" val="0"/>
-              </a:ext>
-            </a:extLst>
-          </a:blip>
-          <a:srcRect/>
-          <a:stretch>
-            <a:fillRect/>
-          </a:stretch>
-        </p:blipFill>
-        <p:spPr bwMode="auto">
-          <a:xfrm>
-            <a:off x="6460490" y="1188970"/>
-            <a:ext cx="5731510" cy="3267710"/>
-          </a:xfrm>
-          <a:prstGeom prst="rect">
-            <a:avLst/>
-          </a:prstGeom>
-          <a:noFill/>
-          <a:ln>
-            <a:noFill/>
-          </a:ln>
-        </p:spPr>
-      </p:pic>
-      <p:sp>
-        <p:nvSpPr>
-          <p:cNvPr id="7" name="TextBox 6">
-            <a:extLst>
-              <a:ext uri="{FF2B5EF4-FFF2-40B4-BE49-F238E27FC236}">
-                <a16:creationId xmlns:a16="http://schemas.microsoft.com/office/drawing/2014/main" id="{28FEF505-974C-CB88-B237-5CDE4560B152}"/>
-              </a:ext>
-            </a:extLst>
-          </p:cNvPr>
-          <p:cNvSpPr txBox="1"/>
-          <p:nvPr/>
-        </p:nvSpPr>
-        <p:spPr>
-          <a:xfrm>
-            <a:off x="7243280" y="4849402"/>
-            <a:ext cx="4739816" cy="1477328"/>
-          </a:xfrm>
-          <a:prstGeom prst="rect">
-            <a:avLst/>
-          </a:prstGeom>
-          <a:noFill/>
-        </p:spPr>
-        <p:txBody>
-          <a:bodyPr wrap="square" rtlCol="0">
-            <a:spAutoFit/>
-          </a:bodyPr>
-          <a:lstStyle/>
-          <a:p>
-            <a:pPr algn="just"/>
-            <a:r>
-              <a:rPr lang="en-IN" sz="1800" kern="100" dirty="0">
-                <a:effectLst/>
-                <a:latin typeface="Times New Roman" panose="02020603050405020304" pitchFamily="18" charset="0"/>
-                <a:ea typeface="Calibri" panose="020F0502020204030204" pitchFamily="34" charset="0"/>
-                <a:cs typeface="Latha" panose="020B0604020202020204" pitchFamily="34" charset="0"/>
-              </a:rPr>
-              <a:t>This </a:t>
-            </a:r>
-            <a:r>
-              <a:rPr lang="en-IN" sz="1800" kern="100" dirty="0" err="1">
-                <a:effectLst/>
-                <a:latin typeface="Times New Roman" panose="02020603050405020304" pitchFamily="18" charset="0"/>
-                <a:ea typeface="Calibri" panose="020F0502020204030204" pitchFamily="34" charset="0"/>
-                <a:cs typeface="Latha" panose="020B0604020202020204" pitchFamily="34" charset="0"/>
-              </a:rPr>
-              <a:t>ScatterPlot</a:t>
-            </a:r>
-            <a:r>
-              <a:rPr lang="en-IN" sz="1800" kern="100" dirty="0">
-                <a:effectLst/>
-                <a:latin typeface="Times New Roman" panose="02020603050405020304" pitchFamily="18" charset="0"/>
-                <a:ea typeface="Calibri" panose="020F0502020204030204" pitchFamily="34" charset="0"/>
-                <a:cs typeface="Latha" panose="020B0604020202020204" pitchFamily="34" charset="0"/>
-              </a:rPr>
-              <a:t> shows the Relationship between </a:t>
-            </a:r>
-            <a:r>
-              <a:rPr lang="en-IN" sz="1800" b="1" i="1" kern="100" dirty="0" err="1">
-                <a:effectLst/>
-                <a:latin typeface="Times New Roman" panose="02020603050405020304" pitchFamily="18" charset="0"/>
-                <a:ea typeface="Calibri" panose="020F0502020204030204" pitchFamily="34" charset="0"/>
-                <a:cs typeface="Latha" panose="020B0604020202020204" pitchFamily="34" charset="0"/>
-              </a:rPr>
-              <a:t>productVisibility</a:t>
-            </a:r>
-            <a:r>
-              <a:rPr lang="en-IN" sz="1800" kern="100" dirty="0">
-                <a:effectLst/>
-                <a:latin typeface="Times New Roman" panose="02020603050405020304" pitchFamily="18" charset="0"/>
-                <a:ea typeface="Calibri" panose="020F0502020204030204" pitchFamily="34" charset="0"/>
-                <a:cs typeface="Latha" panose="020B0604020202020204" pitchFamily="34" charset="0"/>
-              </a:rPr>
-              <a:t> and </a:t>
-            </a:r>
-            <a:r>
-              <a:rPr lang="en-IN" sz="1800" b="1" i="1" kern="100" dirty="0" err="1">
-                <a:effectLst/>
-                <a:latin typeface="Times New Roman" panose="02020603050405020304" pitchFamily="18" charset="0"/>
-                <a:ea typeface="Calibri" panose="020F0502020204030204" pitchFamily="34" charset="0"/>
-                <a:cs typeface="Latha" panose="020B0604020202020204" pitchFamily="34" charset="0"/>
-              </a:rPr>
-              <a:t>OutletSales</a:t>
-            </a:r>
-            <a:r>
-              <a:rPr lang="en-IN" sz="1800" kern="100" dirty="0">
-                <a:effectLst/>
-                <a:latin typeface="Times New Roman" panose="02020603050405020304" pitchFamily="18" charset="0"/>
-                <a:ea typeface="Calibri" panose="020F0502020204030204" pitchFamily="34" charset="0"/>
-                <a:cs typeface="Latha" panose="020B0604020202020204" pitchFamily="34" charset="0"/>
-              </a:rPr>
-              <a:t>. According to the dataset the lower product visibility has highest Sales.</a:t>
-            </a:r>
-            <a:endParaRPr lang="en-IN" sz="1800" kern="100" dirty="0">
-              <a:effectLst/>
-              <a:latin typeface="Calibri" panose="020F0502020204030204" pitchFamily="34" charset="0"/>
-              <a:ea typeface="Calibri" panose="020F0502020204030204" pitchFamily="34" charset="0"/>
-              <a:cs typeface="Latha" panose="020B0604020202020204" pitchFamily="34" charset="0"/>
-            </a:endParaRPr>
-          </a:p>
-          <a:p>
-            <a:pPr algn="just"/>
-            <a:endParaRPr lang="en-IN" dirty="0"/>
-          </a:p>
-        </p:txBody>
-      </p:sp>
-    </p:spTree>
-    <p:extLst>
-      <p:ext uri="{BB962C8B-B14F-4D97-AF65-F5344CB8AC3E}">
-        <p14:creationId xmlns:p14="http://schemas.microsoft.com/office/powerpoint/2010/main" val="3506812158"/>
-      </p:ext>
-    </p:extLst>
-  </p:cSld>
-  <p:clrMapOvr>
-    <a:masterClrMapping/>
-  </p:clrMapOvr>
-</p:sld>
-</file>
-
-<file path=ppt/slides/slide9.xml><?xml version="1.0" encoding="utf-8"?>
 <p:sld xmlns:a="http://schemas.openxmlformats.org/drawingml/2006/main" xmlns:r="http://schemas.openxmlformats.org/officeDocument/2006/relationships" xmlns:p="http://schemas.openxmlformats.org/presentationml/2006/main">
   <p:cSld>
     <p:spTree>
@@ -6760,6 +3897,3155 @@
     <p:extLst>
       <p:ext uri="{BB962C8B-B14F-4D97-AF65-F5344CB8AC3E}">
         <p14:creationId xmlns:p14="http://schemas.microsoft.com/office/powerpoint/2010/main" val="604465538"/>
+      </p:ext>
+    </p:extLst>
+  </p:cSld>
+  <p:clrMapOvr>
+    <a:masterClrMapping/>
+  </p:clrMapOvr>
+</p:sld>
+</file>
+
+<file path=ppt/slides/slide11.xml><?xml version="1.0" encoding="utf-8"?>
+<p:sld xmlns:a="http://schemas.openxmlformats.org/drawingml/2006/main" xmlns:r="http://schemas.openxmlformats.org/officeDocument/2006/relationships" xmlns:p="http://schemas.openxmlformats.org/presentationml/2006/main">
+  <p:cSld>
+    <p:spTree>
+      <p:nvGrpSpPr>
+        <p:cNvPr id="1" name=""/>
+        <p:cNvGrpSpPr/>
+        <p:nvPr/>
+      </p:nvGrpSpPr>
+      <p:grpSpPr>
+        <a:xfrm>
+          <a:off x="0" y="0"/>
+          <a:ext cx="0" cy="0"/>
+          <a:chOff x="0" y="0"/>
+          <a:chExt cx="0" cy="0"/>
+        </a:xfrm>
+      </p:grpSpPr>
+      <p:pic>
+        <p:nvPicPr>
+          <p:cNvPr id="4" name="Picture 3">
+            <a:extLst>
+              <a:ext uri="{FF2B5EF4-FFF2-40B4-BE49-F238E27FC236}">
+                <a16:creationId xmlns:a16="http://schemas.microsoft.com/office/drawing/2014/main" id="{8AC53CB3-AE48-F800-C0F8-94FF972D0255}"/>
+              </a:ext>
+            </a:extLst>
+          </p:cNvPr>
+          <p:cNvPicPr>
+            <a:picLocks noChangeAspect="1"/>
+          </p:cNvPicPr>
+          <p:nvPr/>
+        </p:nvPicPr>
+        <p:blipFill>
+          <a:blip r:embed="rId2">
+            <a:extLst>
+              <a:ext uri="{28A0092B-C50C-407E-A947-70E740481C1C}">
+                <a14:useLocalDpi xmlns:a14="http://schemas.microsoft.com/office/drawing/2010/main" val="0"/>
+              </a:ext>
+            </a:extLst>
+          </a:blip>
+          <a:srcRect/>
+          <a:stretch>
+            <a:fillRect/>
+          </a:stretch>
+        </p:blipFill>
+        <p:spPr bwMode="auto">
+          <a:xfrm>
+            <a:off x="1195961" y="1721212"/>
+            <a:ext cx="7002815" cy="4448719"/>
+          </a:xfrm>
+          <a:prstGeom prst="rect">
+            <a:avLst/>
+          </a:prstGeom>
+          <a:noFill/>
+          <a:ln>
+            <a:noFill/>
+          </a:ln>
+        </p:spPr>
+      </p:pic>
+      <p:pic>
+        <p:nvPicPr>
+          <p:cNvPr id="5" name="Picture 4">
+            <a:extLst>
+              <a:ext uri="{FF2B5EF4-FFF2-40B4-BE49-F238E27FC236}">
+                <a16:creationId xmlns:a16="http://schemas.microsoft.com/office/drawing/2014/main" id="{6F5A11E4-C5C0-F809-EE77-8E025D20E678}"/>
+              </a:ext>
+            </a:extLst>
+          </p:cNvPr>
+          <p:cNvPicPr>
+            <a:picLocks noChangeAspect="1"/>
+          </p:cNvPicPr>
+          <p:nvPr/>
+        </p:nvPicPr>
+        <p:blipFill>
+          <a:blip r:embed="rId3"/>
+          <a:stretch>
+            <a:fillRect/>
+          </a:stretch>
+        </p:blipFill>
+        <p:spPr>
+          <a:xfrm>
+            <a:off x="8262620" y="3200103"/>
+            <a:ext cx="3929380" cy="1033145"/>
+          </a:xfrm>
+          <a:prstGeom prst="rect">
+            <a:avLst/>
+          </a:prstGeom>
+        </p:spPr>
+      </p:pic>
+      <p:sp>
+        <p:nvSpPr>
+          <p:cNvPr id="6" name="TextBox 5">
+            <a:extLst>
+              <a:ext uri="{FF2B5EF4-FFF2-40B4-BE49-F238E27FC236}">
+                <a16:creationId xmlns:a16="http://schemas.microsoft.com/office/drawing/2014/main" id="{0DC2A5CD-D421-616B-1AE8-EDCE20C1DAC0}"/>
+              </a:ext>
+            </a:extLst>
+          </p:cNvPr>
+          <p:cNvSpPr txBox="1"/>
+          <p:nvPr/>
+        </p:nvSpPr>
+        <p:spPr>
+          <a:xfrm>
+            <a:off x="1440460" y="718660"/>
+            <a:ext cx="3256909" cy="400110"/>
+          </a:xfrm>
+          <a:prstGeom prst="rect">
+            <a:avLst/>
+          </a:prstGeom>
+          <a:noFill/>
+        </p:spPr>
+        <p:txBody>
+          <a:bodyPr wrap="square" rtlCol="0">
+            <a:spAutoFit/>
+          </a:bodyPr>
+          <a:lstStyle/>
+          <a:p>
+            <a:r>
+              <a:rPr lang="en-US" sz="2000" b="1" dirty="0">
+                <a:latin typeface="Times New Roman" panose="02020603050405020304" pitchFamily="18" charset="0"/>
+                <a:cs typeface="Times New Roman" panose="02020603050405020304" pitchFamily="18" charset="0"/>
+              </a:rPr>
+              <a:t>K Means Clustering :</a:t>
+            </a:r>
+            <a:endParaRPr lang="en-IN" sz="2000" b="1" dirty="0">
+              <a:latin typeface="Times New Roman" panose="02020603050405020304" pitchFamily="18" charset="0"/>
+              <a:cs typeface="Times New Roman" panose="02020603050405020304" pitchFamily="18" charset="0"/>
+            </a:endParaRPr>
+          </a:p>
+        </p:txBody>
+      </p:sp>
+    </p:spTree>
+    <p:extLst>
+      <p:ext uri="{BB962C8B-B14F-4D97-AF65-F5344CB8AC3E}">
+        <p14:creationId xmlns:p14="http://schemas.microsoft.com/office/powerpoint/2010/main" val="3128871489"/>
+      </p:ext>
+    </p:extLst>
+  </p:cSld>
+  <p:clrMapOvr>
+    <a:masterClrMapping/>
+  </p:clrMapOvr>
+</p:sld>
+</file>
+
+<file path=ppt/slides/slide12.xml><?xml version="1.0" encoding="utf-8"?>
+<p:sld xmlns:a="http://schemas.openxmlformats.org/drawingml/2006/main" xmlns:r="http://schemas.openxmlformats.org/officeDocument/2006/relationships" xmlns:p="http://schemas.openxmlformats.org/presentationml/2006/main">
+  <p:cSld>
+    <p:spTree>
+      <p:nvGrpSpPr>
+        <p:cNvPr id="1" name=""/>
+        <p:cNvGrpSpPr/>
+        <p:nvPr/>
+      </p:nvGrpSpPr>
+      <p:grpSpPr>
+        <a:xfrm>
+          <a:off x="0" y="0"/>
+          <a:ext cx="0" cy="0"/>
+          <a:chOff x="0" y="0"/>
+          <a:chExt cx="0" cy="0"/>
+        </a:xfrm>
+      </p:grpSpPr>
+      <p:sp>
+        <p:nvSpPr>
+          <p:cNvPr id="4" name="TextBox 3">
+            <a:extLst>
+              <a:ext uri="{FF2B5EF4-FFF2-40B4-BE49-F238E27FC236}">
+                <a16:creationId xmlns:a16="http://schemas.microsoft.com/office/drawing/2014/main" id="{4244C4F2-CF3F-F945-0DDD-4EEE3345EE35}"/>
+              </a:ext>
+            </a:extLst>
+          </p:cNvPr>
+          <p:cNvSpPr txBox="1"/>
+          <p:nvPr/>
+        </p:nvSpPr>
+        <p:spPr>
+          <a:xfrm>
+            <a:off x="1222625" y="585627"/>
+            <a:ext cx="3154166" cy="461665"/>
+          </a:xfrm>
+          <a:prstGeom prst="rect">
+            <a:avLst/>
+          </a:prstGeom>
+          <a:noFill/>
+        </p:spPr>
+        <p:txBody>
+          <a:bodyPr wrap="square" rtlCol="0">
+            <a:spAutoFit/>
+          </a:bodyPr>
+          <a:lstStyle/>
+          <a:p>
+            <a:r>
+              <a:rPr lang="en-US" sz="2400" b="1" dirty="0">
+                <a:latin typeface="Times New Roman" panose="02020603050405020304" pitchFamily="18" charset="0"/>
+                <a:cs typeface="Times New Roman" panose="02020603050405020304" pitchFamily="18" charset="0"/>
+              </a:rPr>
+              <a:t>Fitted Line Equation :</a:t>
+            </a:r>
+            <a:endParaRPr lang="en-IN" sz="2400" b="1" dirty="0">
+              <a:latin typeface="Times New Roman" panose="02020603050405020304" pitchFamily="18" charset="0"/>
+              <a:cs typeface="Times New Roman" panose="02020603050405020304" pitchFamily="18" charset="0"/>
+            </a:endParaRPr>
+          </a:p>
+        </p:txBody>
+      </p:sp>
+      <p:pic>
+        <p:nvPicPr>
+          <p:cNvPr id="5" name="Picture 4">
+            <a:extLst>
+              <a:ext uri="{FF2B5EF4-FFF2-40B4-BE49-F238E27FC236}">
+                <a16:creationId xmlns:a16="http://schemas.microsoft.com/office/drawing/2014/main" id="{2E099E8B-BBF9-FC17-9240-787D124FC260}"/>
+              </a:ext>
+            </a:extLst>
+          </p:cNvPr>
+          <p:cNvPicPr>
+            <a:picLocks noChangeAspect="1"/>
+          </p:cNvPicPr>
+          <p:nvPr/>
+        </p:nvPicPr>
+        <p:blipFill>
+          <a:blip r:embed="rId2"/>
+          <a:stretch>
+            <a:fillRect/>
+          </a:stretch>
+        </p:blipFill>
+        <p:spPr>
+          <a:xfrm>
+            <a:off x="1678848" y="1013290"/>
+            <a:ext cx="9478272" cy="1296888"/>
+          </a:xfrm>
+          <a:prstGeom prst="rect">
+            <a:avLst/>
+          </a:prstGeom>
+        </p:spPr>
+      </p:pic>
+      <p:sp>
+        <p:nvSpPr>
+          <p:cNvPr id="6" name="TextBox 5">
+            <a:extLst>
+              <a:ext uri="{FF2B5EF4-FFF2-40B4-BE49-F238E27FC236}">
+                <a16:creationId xmlns:a16="http://schemas.microsoft.com/office/drawing/2014/main" id="{781D832D-32CA-C8FA-B10F-22E31A8D1340}"/>
+              </a:ext>
+            </a:extLst>
+          </p:cNvPr>
+          <p:cNvSpPr txBox="1"/>
+          <p:nvPr/>
+        </p:nvSpPr>
+        <p:spPr>
+          <a:xfrm>
+            <a:off x="1222625" y="2465715"/>
+            <a:ext cx="3462391" cy="461665"/>
+          </a:xfrm>
+          <a:prstGeom prst="rect">
+            <a:avLst/>
+          </a:prstGeom>
+          <a:noFill/>
+        </p:spPr>
+        <p:txBody>
+          <a:bodyPr wrap="square" rtlCol="0">
+            <a:spAutoFit/>
+          </a:bodyPr>
+          <a:lstStyle/>
+          <a:p>
+            <a:r>
+              <a:rPr lang="en-US" sz="2400" b="1" dirty="0">
+                <a:latin typeface="Times New Roman" panose="02020603050405020304" pitchFamily="18" charset="0"/>
+                <a:cs typeface="Times New Roman" panose="02020603050405020304" pitchFamily="18" charset="0"/>
+              </a:rPr>
+              <a:t>Conclusion :</a:t>
+            </a:r>
+            <a:endParaRPr lang="en-IN" sz="2400" b="1" dirty="0">
+              <a:latin typeface="Times New Roman" panose="02020603050405020304" pitchFamily="18" charset="0"/>
+              <a:cs typeface="Times New Roman" panose="02020603050405020304" pitchFamily="18" charset="0"/>
+            </a:endParaRPr>
+          </a:p>
+        </p:txBody>
+      </p:sp>
+      <p:sp>
+        <p:nvSpPr>
+          <p:cNvPr id="7" name="TextBox 6">
+            <a:extLst>
+              <a:ext uri="{FF2B5EF4-FFF2-40B4-BE49-F238E27FC236}">
+                <a16:creationId xmlns:a16="http://schemas.microsoft.com/office/drawing/2014/main" id="{6DB05B56-EEE6-9515-ABED-A986CFF24BBC}"/>
+              </a:ext>
+            </a:extLst>
+          </p:cNvPr>
+          <p:cNvSpPr txBox="1"/>
+          <p:nvPr/>
+        </p:nvSpPr>
+        <p:spPr>
+          <a:xfrm>
+            <a:off x="1678848" y="2927380"/>
+            <a:ext cx="9293952" cy="3970318"/>
+          </a:xfrm>
+          <a:prstGeom prst="rect">
+            <a:avLst/>
+          </a:prstGeom>
+          <a:noFill/>
+        </p:spPr>
+        <p:txBody>
+          <a:bodyPr wrap="square" rtlCol="0">
+            <a:spAutoFit/>
+          </a:bodyPr>
+          <a:lstStyle/>
+          <a:p>
+            <a:pPr algn="just">
+              <a:buFont typeface="Arial" panose="020B0604020202020204" pitchFamily="34" charset="0"/>
+              <a:buChar char="•"/>
+            </a:pPr>
+            <a:r>
+              <a:rPr lang="en-US" b="1" i="0" dirty="0">
+                <a:solidFill>
+                  <a:srgbClr val="0D0D0D"/>
+                </a:solidFill>
+                <a:effectLst/>
+                <a:latin typeface="ui-sans-serif"/>
+              </a:rPr>
+              <a:t>  Cluster 0</a:t>
+            </a:r>
+            <a:r>
+              <a:rPr lang="en-US" b="0" i="0" dirty="0">
+                <a:solidFill>
+                  <a:srgbClr val="0D0D0D"/>
+                </a:solidFill>
+                <a:effectLst/>
+                <a:latin typeface="ui-sans-serif"/>
+              </a:rPr>
+              <a:t>: Represents products with an average weight of </a:t>
+            </a:r>
+            <a:r>
+              <a:rPr lang="en-US" b="1" i="0" dirty="0">
+                <a:solidFill>
+                  <a:srgbClr val="0D0D0D"/>
+                </a:solidFill>
+                <a:effectLst/>
+                <a:latin typeface="ui-sans-serif"/>
+              </a:rPr>
+              <a:t>13.88</a:t>
+            </a:r>
+            <a:r>
+              <a:rPr lang="en-US" b="0" i="0" dirty="0">
+                <a:solidFill>
+                  <a:srgbClr val="0D0D0D"/>
+                </a:solidFill>
+                <a:effectLst/>
+                <a:latin typeface="ui-sans-serif"/>
+              </a:rPr>
+              <a:t>, a visibility percentage of </a:t>
+            </a:r>
+            <a:r>
+              <a:rPr lang="en-US" b="1" i="0" dirty="0">
+                <a:solidFill>
+                  <a:srgbClr val="0D0D0D"/>
+                </a:solidFill>
+                <a:effectLst/>
+                <a:latin typeface="ui-sans-serif"/>
+              </a:rPr>
+              <a:t>4.58%</a:t>
+            </a:r>
+            <a:r>
+              <a:rPr lang="en-US" b="0" i="0" dirty="0">
+                <a:solidFill>
+                  <a:srgbClr val="0D0D0D"/>
+                </a:solidFill>
+                <a:effectLst/>
+                <a:latin typeface="ui-sans-serif"/>
+              </a:rPr>
+              <a:t>, and a higher MRP of </a:t>
+            </a:r>
+            <a:r>
+              <a:rPr lang="en-US" b="1" i="0" dirty="0">
+                <a:solidFill>
+                  <a:srgbClr val="0D0D0D"/>
+                </a:solidFill>
+                <a:effectLst/>
+                <a:latin typeface="ui-sans-serif"/>
+              </a:rPr>
+              <a:t>195.26</a:t>
+            </a:r>
+            <a:r>
+              <a:rPr lang="en-US" b="0" i="0" dirty="0">
+                <a:solidFill>
+                  <a:srgbClr val="0D0D0D"/>
+                </a:solidFill>
+                <a:effectLst/>
+                <a:latin typeface="ui-sans-serif"/>
+              </a:rPr>
+              <a:t>. Likely premium or high-end products.</a:t>
+            </a:r>
+          </a:p>
+          <a:p>
+            <a:pPr algn="just">
+              <a:buFont typeface="Arial" panose="020B0604020202020204" pitchFamily="34" charset="0"/>
+              <a:buChar char="•"/>
+            </a:pPr>
+            <a:endParaRPr lang="en-US" b="0" i="0" dirty="0">
+              <a:solidFill>
+                <a:srgbClr val="0D0D0D"/>
+              </a:solidFill>
+              <a:effectLst/>
+              <a:latin typeface="ui-sans-serif"/>
+            </a:endParaRPr>
+          </a:p>
+          <a:p>
+            <a:pPr algn="just">
+              <a:buFont typeface="Arial" panose="020B0604020202020204" pitchFamily="34" charset="0"/>
+              <a:buChar char="•"/>
+            </a:pPr>
+            <a:r>
+              <a:rPr lang="en-US" b="1" i="0" dirty="0">
+                <a:solidFill>
+                  <a:srgbClr val="0D0D0D"/>
+                </a:solidFill>
+                <a:effectLst/>
+                <a:latin typeface="ui-sans-serif"/>
+              </a:rPr>
+              <a:t>  Cluster 1</a:t>
+            </a:r>
+            <a:r>
+              <a:rPr lang="en-US" b="0" i="0" dirty="0">
+                <a:solidFill>
+                  <a:srgbClr val="0D0D0D"/>
+                </a:solidFill>
+                <a:effectLst/>
+                <a:latin typeface="ui-sans-serif"/>
+              </a:rPr>
+              <a:t>: Represents lighter products with a weight of </a:t>
+            </a:r>
+            <a:r>
+              <a:rPr lang="en-US" b="1" i="0" dirty="0">
+                <a:solidFill>
+                  <a:srgbClr val="0D0D0D"/>
+                </a:solidFill>
+                <a:effectLst/>
+                <a:latin typeface="ui-sans-serif"/>
+              </a:rPr>
+              <a:t>11.82</a:t>
+            </a:r>
+            <a:r>
+              <a:rPr lang="en-US" b="0" i="0" dirty="0">
+                <a:solidFill>
+                  <a:srgbClr val="0D0D0D"/>
+                </a:solidFill>
+                <a:effectLst/>
+                <a:latin typeface="ui-sans-serif"/>
+              </a:rPr>
+              <a:t>, a visibility percentage of </a:t>
+            </a:r>
+            <a:r>
+              <a:rPr lang="en-US" b="1" i="0" dirty="0">
+                <a:solidFill>
+                  <a:srgbClr val="0D0D0D"/>
+                </a:solidFill>
+                <a:effectLst/>
+                <a:latin typeface="ui-sans-serif"/>
+              </a:rPr>
+              <a:t>4.32%</a:t>
+            </a:r>
+            <a:r>
+              <a:rPr lang="en-US" b="0" i="0" dirty="0">
+                <a:solidFill>
+                  <a:srgbClr val="0D0D0D"/>
+                </a:solidFill>
+                <a:effectLst/>
+                <a:latin typeface="ui-sans-serif"/>
+              </a:rPr>
+              <a:t>, and the lowest MRP of </a:t>
+            </a:r>
+            <a:r>
+              <a:rPr lang="en-US" b="1" i="0" dirty="0">
+                <a:solidFill>
+                  <a:srgbClr val="0D0D0D"/>
+                </a:solidFill>
+                <a:effectLst/>
+                <a:latin typeface="ui-sans-serif"/>
+              </a:rPr>
+              <a:t>89.82</a:t>
+            </a:r>
+            <a:r>
+              <a:rPr lang="en-US" b="0" i="0" dirty="0">
+                <a:solidFill>
+                  <a:srgbClr val="0D0D0D"/>
+                </a:solidFill>
+                <a:effectLst/>
+                <a:latin typeface="ui-sans-serif"/>
+              </a:rPr>
+              <a:t>. Likely basic or economical items.</a:t>
+            </a:r>
+          </a:p>
+          <a:p>
+            <a:pPr algn="just">
+              <a:buFont typeface="Arial" panose="020B0604020202020204" pitchFamily="34" charset="0"/>
+              <a:buChar char="•"/>
+            </a:pPr>
+            <a:endParaRPr lang="en-US" b="0" i="0" dirty="0">
+              <a:solidFill>
+                <a:srgbClr val="0D0D0D"/>
+              </a:solidFill>
+              <a:effectLst/>
+              <a:latin typeface="ui-sans-serif"/>
+            </a:endParaRPr>
+          </a:p>
+          <a:p>
+            <a:pPr algn="just">
+              <a:buFont typeface="Arial" panose="020B0604020202020204" pitchFamily="34" charset="0"/>
+              <a:buChar char="•"/>
+            </a:pPr>
+            <a:r>
+              <a:rPr lang="en-US" b="1" i="0" dirty="0">
+                <a:solidFill>
+                  <a:srgbClr val="0D0D0D"/>
+                </a:solidFill>
+                <a:effectLst/>
+                <a:latin typeface="ui-sans-serif"/>
+              </a:rPr>
+              <a:t>  Cluster 2</a:t>
+            </a:r>
+            <a:r>
+              <a:rPr lang="en-US" b="0" i="0" dirty="0">
+                <a:solidFill>
+                  <a:srgbClr val="0D0D0D"/>
+                </a:solidFill>
+                <a:effectLst/>
+                <a:latin typeface="ui-sans-serif"/>
+              </a:rPr>
+              <a:t>: Represents moderately weighted products with a weight of </a:t>
+            </a:r>
+            <a:r>
+              <a:rPr lang="en-US" b="1" i="0" dirty="0">
+                <a:solidFill>
+                  <a:srgbClr val="0D0D0D"/>
+                </a:solidFill>
+                <a:effectLst/>
+                <a:latin typeface="ui-sans-serif"/>
+              </a:rPr>
+              <a:t>12.88</a:t>
+            </a:r>
+            <a:r>
+              <a:rPr lang="en-US" b="0" i="0" dirty="0">
+                <a:solidFill>
+                  <a:srgbClr val="0D0D0D"/>
+                </a:solidFill>
+                <a:effectLst/>
+                <a:latin typeface="ui-sans-serif"/>
+              </a:rPr>
+              <a:t>, a higher visibility percentage of </a:t>
+            </a:r>
+            <a:r>
+              <a:rPr lang="en-US" b="1" i="0" dirty="0">
+                <a:solidFill>
+                  <a:srgbClr val="0D0D0D"/>
+                </a:solidFill>
+                <a:effectLst/>
+                <a:latin typeface="ui-sans-serif"/>
+              </a:rPr>
+              <a:t>14.28%</a:t>
+            </a:r>
+            <a:r>
+              <a:rPr lang="en-US" b="0" i="0" dirty="0">
+                <a:solidFill>
+                  <a:srgbClr val="0D0D0D"/>
+                </a:solidFill>
+                <a:effectLst/>
+                <a:latin typeface="ui-sans-serif"/>
+              </a:rPr>
+              <a:t>, and a mid-range MRP of </a:t>
+            </a:r>
+            <a:r>
+              <a:rPr lang="en-US" b="1" i="0" dirty="0">
+                <a:solidFill>
+                  <a:srgbClr val="0D0D0D"/>
+                </a:solidFill>
+                <a:effectLst/>
+                <a:latin typeface="ui-sans-serif"/>
+              </a:rPr>
+              <a:t>136.12</a:t>
+            </a:r>
+            <a:r>
+              <a:rPr lang="en-US" b="0" i="0" dirty="0">
+                <a:solidFill>
+                  <a:srgbClr val="0D0D0D"/>
+                </a:solidFill>
+                <a:effectLst/>
+                <a:latin typeface="ui-sans-serif"/>
+              </a:rPr>
+              <a:t>. Likely popular or moderately priced products.</a:t>
+            </a:r>
+          </a:p>
+          <a:p>
+            <a:pPr algn="just"/>
+            <a:endParaRPr lang="en-US" b="0" i="0" dirty="0">
+              <a:solidFill>
+                <a:srgbClr val="0D0D0D"/>
+              </a:solidFill>
+              <a:effectLst/>
+              <a:latin typeface="ui-sans-serif"/>
+            </a:endParaRPr>
+          </a:p>
+          <a:p>
+            <a:pPr marL="285750" indent="-285750" algn="just">
+              <a:buFont typeface="Arial" panose="020B0604020202020204" pitchFamily="34" charset="0"/>
+              <a:buChar char="•"/>
+            </a:pPr>
+            <a:r>
+              <a:rPr lang="en-US" dirty="0">
+                <a:solidFill>
+                  <a:srgbClr val="0D0D0D"/>
+                </a:solidFill>
+                <a:latin typeface="ui-sans-serif"/>
+              </a:rPr>
+              <a:t>These </a:t>
+            </a:r>
+            <a:r>
+              <a:rPr lang="en-US" b="0" i="0" dirty="0">
+                <a:solidFill>
+                  <a:srgbClr val="0D0D0D"/>
+                </a:solidFill>
+                <a:effectLst/>
+                <a:latin typeface="ui-sans-serif"/>
+              </a:rPr>
+              <a:t>Clusters provide actionable insights for pricing, marketing, and store layout strategies.</a:t>
+            </a:r>
+          </a:p>
+          <a:p>
+            <a:pPr algn="just"/>
+            <a:endParaRPr lang="en-US" dirty="0">
+              <a:solidFill>
+                <a:srgbClr val="0D0D0D"/>
+              </a:solidFill>
+              <a:latin typeface="ui-sans-serif"/>
+            </a:endParaRPr>
+          </a:p>
+          <a:p>
+            <a:pPr marL="285750" indent="-285750" algn="just">
+              <a:buFont typeface="Arial" panose="020B0604020202020204" pitchFamily="34" charset="0"/>
+              <a:buChar char="•"/>
+            </a:pPr>
+            <a:r>
+              <a:rPr lang="en-US" b="0" i="0" dirty="0">
+                <a:solidFill>
+                  <a:srgbClr val="0D0D0D"/>
+                </a:solidFill>
+                <a:effectLst/>
+                <a:latin typeface="ui-sans-serif"/>
+              </a:rPr>
+              <a:t>The predictive model can help forecast sales and optimize inventory across stores.</a:t>
+            </a:r>
+          </a:p>
+          <a:p>
+            <a:pPr algn="just"/>
+            <a:endParaRPr lang="en-IN" dirty="0"/>
+          </a:p>
+        </p:txBody>
+      </p:sp>
+    </p:spTree>
+    <p:extLst>
+      <p:ext uri="{BB962C8B-B14F-4D97-AF65-F5344CB8AC3E}">
+        <p14:creationId xmlns:p14="http://schemas.microsoft.com/office/powerpoint/2010/main" val="1005768838"/>
+      </p:ext>
+    </p:extLst>
+  </p:cSld>
+  <p:clrMapOvr>
+    <a:masterClrMapping/>
+  </p:clrMapOvr>
+</p:sld>
+</file>
+
+<file path=ppt/slides/slide13.xml><?xml version="1.0" encoding="utf-8"?>
+<p:sld xmlns:a="http://schemas.openxmlformats.org/drawingml/2006/main" xmlns:r="http://schemas.openxmlformats.org/officeDocument/2006/relationships" xmlns:p="http://schemas.openxmlformats.org/presentationml/2006/main">
+  <p:cSld>
+    <p:spTree>
+      <p:nvGrpSpPr>
+        <p:cNvPr id="1" name=""/>
+        <p:cNvGrpSpPr/>
+        <p:nvPr/>
+      </p:nvGrpSpPr>
+      <p:grpSpPr>
+        <a:xfrm>
+          <a:off x="0" y="0"/>
+          <a:ext cx="0" cy="0"/>
+          <a:chOff x="0" y="0"/>
+          <a:chExt cx="0" cy="0"/>
+        </a:xfrm>
+      </p:grpSpPr>
+      <p:sp>
+        <p:nvSpPr>
+          <p:cNvPr id="4" name="TextBox 3">
+            <a:extLst>
+              <a:ext uri="{FF2B5EF4-FFF2-40B4-BE49-F238E27FC236}">
+                <a16:creationId xmlns:a16="http://schemas.microsoft.com/office/drawing/2014/main" id="{A7EEC8B7-45FB-DDB2-7557-AE9FBA9D554D}"/>
+              </a:ext>
+            </a:extLst>
+          </p:cNvPr>
+          <p:cNvSpPr txBox="1"/>
+          <p:nvPr/>
+        </p:nvSpPr>
+        <p:spPr>
+          <a:xfrm>
+            <a:off x="3426373" y="2413337"/>
+            <a:ext cx="6253655" cy="1015663"/>
+          </a:xfrm>
+          <a:prstGeom prst="rect">
+            <a:avLst/>
+          </a:prstGeom>
+          <a:noFill/>
+        </p:spPr>
+        <p:txBody>
+          <a:bodyPr wrap="square" rtlCol="0">
+            <a:spAutoFit/>
+          </a:bodyPr>
+          <a:lstStyle/>
+          <a:p>
+            <a:r>
+              <a:rPr lang="en-IN" sz="6000" dirty="0">
+                <a:solidFill>
+                  <a:srgbClr val="FF0000"/>
+                </a:solidFill>
+                <a:effectLst>
+                  <a:outerShdw blurRad="38100" dist="38100" dir="2700000" algn="tl">
+                    <a:srgbClr val="000000">
+                      <a:alpha val="43137"/>
+                    </a:srgbClr>
+                  </a:outerShdw>
+                </a:effectLst>
+                <a:latin typeface="Times New Roman" panose="02020603050405020304" pitchFamily="18" charset="0"/>
+                <a:cs typeface="Times New Roman" panose="02020603050405020304" pitchFamily="18" charset="0"/>
+              </a:rPr>
+              <a:t>THANK YOU…</a:t>
+            </a:r>
+          </a:p>
+        </p:txBody>
+      </p:sp>
+    </p:spTree>
+    <p:extLst>
+      <p:ext uri="{BB962C8B-B14F-4D97-AF65-F5344CB8AC3E}">
+        <p14:creationId xmlns:p14="http://schemas.microsoft.com/office/powerpoint/2010/main" val="3191130199"/>
+      </p:ext>
+    </p:extLst>
+  </p:cSld>
+  <p:clrMapOvr>
+    <a:masterClrMapping/>
+  </p:clrMapOvr>
+</p:sld>
+</file>
+
+<file path=ppt/slides/slide2.xml><?xml version="1.0" encoding="utf-8"?>
+<p:sld xmlns:a="http://schemas.openxmlformats.org/drawingml/2006/main" xmlns:r="http://schemas.openxmlformats.org/officeDocument/2006/relationships" xmlns:p="http://schemas.openxmlformats.org/presentationml/2006/main">
+  <p:cSld>
+    <p:spTree>
+      <p:nvGrpSpPr>
+        <p:cNvPr id="1" name="">
+          <a:extLst>
+            <a:ext uri="{FF2B5EF4-FFF2-40B4-BE49-F238E27FC236}">
+              <a16:creationId xmlns:a16="http://schemas.microsoft.com/office/drawing/2014/main" id="{1D6307DC-E5BC-B71A-4430-A9D6E2E6FC31}"/>
+            </a:ext>
+          </a:extLst>
+        </p:cNvPr>
+        <p:cNvGrpSpPr/>
+        <p:nvPr/>
+      </p:nvGrpSpPr>
+      <p:grpSpPr>
+        <a:xfrm>
+          <a:off x="0" y="0"/>
+          <a:ext cx="0" cy="0"/>
+          <a:chOff x="0" y="0"/>
+          <a:chExt cx="0" cy="0"/>
+        </a:xfrm>
+      </p:grpSpPr>
+      <p:sp>
+        <p:nvSpPr>
+          <p:cNvPr id="5" name="TextBox 4">
+            <a:extLst>
+              <a:ext uri="{FF2B5EF4-FFF2-40B4-BE49-F238E27FC236}">
+                <a16:creationId xmlns:a16="http://schemas.microsoft.com/office/drawing/2014/main" id="{8854279E-5FEE-5102-9B36-D61E6AE2B4B1}"/>
+              </a:ext>
+            </a:extLst>
+          </p:cNvPr>
+          <p:cNvSpPr txBox="1"/>
+          <p:nvPr/>
+        </p:nvSpPr>
+        <p:spPr>
+          <a:xfrm>
+            <a:off x="4422226" y="488731"/>
+            <a:ext cx="4051739" cy="707886"/>
+          </a:xfrm>
+          <a:prstGeom prst="rect">
+            <a:avLst/>
+          </a:prstGeom>
+          <a:noFill/>
+        </p:spPr>
+        <p:txBody>
+          <a:bodyPr wrap="square" rtlCol="0">
+            <a:spAutoFit/>
+          </a:bodyPr>
+          <a:lstStyle/>
+          <a:p>
+            <a:r>
+              <a:rPr lang="en-IN" sz="4000" b="1" dirty="0">
+                <a:solidFill>
+                  <a:srgbClr val="FF0000"/>
+                </a:solidFill>
+              </a:rPr>
+              <a:t>KEY LEARNINGS</a:t>
+            </a:r>
+          </a:p>
+        </p:txBody>
+      </p:sp>
+      <p:sp>
+        <p:nvSpPr>
+          <p:cNvPr id="6" name="Rectangle: Rounded Corners 5">
+            <a:extLst>
+              <a:ext uri="{FF2B5EF4-FFF2-40B4-BE49-F238E27FC236}">
+                <a16:creationId xmlns:a16="http://schemas.microsoft.com/office/drawing/2014/main" id="{B53431D1-1F42-D451-1F96-B634F013F99B}"/>
+              </a:ext>
+            </a:extLst>
+          </p:cNvPr>
+          <p:cNvSpPr/>
+          <p:nvPr/>
+        </p:nvSpPr>
+        <p:spPr>
+          <a:xfrm>
+            <a:off x="882869" y="1618593"/>
+            <a:ext cx="5213131" cy="4750676"/>
+          </a:xfrm>
+          <a:prstGeom prst="roundRect">
+            <a:avLst/>
+          </a:prstGeom>
+          <a:ln>
+            <a:solidFill>
+              <a:schemeClr val="tx1"/>
+            </a:solidFill>
+          </a:ln>
+          <a:effectLst>
+            <a:glow rad="63500">
+              <a:schemeClr val="accent6">
+                <a:satMod val="175000"/>
+                <a:alpha val="40000"/>
+              </a:schemeClr>
+            </a:glow>
+          </a:effectLst>
+        </p:spPr>
+        <p:style>
+          <a:lnRef idx="2">
+            <a:schemeClr val="accent6"/>
+          </a:lnRef>
+          <a:fillRef idx="1">
+            <a:schemeClr val="lt1"/>
+          </a:fillRef>
+          <a:effectRef idx="0">
+            <a:schemeClr val="accent6"/>
+          </a:effectRef>
+          <a:fontRef idx="minor">
+            <a:schemeClr val="dk1"/>
+          </a:fontRef>
+        </p:style>
+        <p:txBody>
+          <a:bodyPr rtlCol="0" anchor="ctr"/>
+          <a:lstStyle/>
+          <a:p>
+            <a:pPr algn="ctr"/>
+            <a:r>
+              <a:rPr lang="en-IN" b="1" dirty="0">
+                <a:solidFill>
+                  <a:schemeClr val="tx1"/>
+                </a:solidFill>
+                <a:effectLst>
+                  <a:outerShdw blurRad="38100" dist="38100" dir="2700000" algn="tl">
+                    <a:srgbClr val="000000">
+                      <a:alpha val="43137"/>
+                    </a:srgbClr>
+                  </a:outerShdw>
+                </a:effectLst>
+                <a:latin typeface="Times New Roman" panose="02020603050405020304" pitchFamily="18" charset="0"/>
+                <a:cs typeface="Times New Roman" panose="02020603050405020304" pitchFamily="18" charset="0"/>
+              </a:rPr>
+              <a:t>WHAT IS DATA SCIENCE ?</a:t>
+            </a:r>
+          </a:p>
+          <a:p>
+            <a:pPr algn="ctr"/>
+            <a:endParaRPr lang="en-IN" dirty="0">
+              <a:solidFill>
+                <a:schemeClr val="tx1"/>
+              </a:solidFill>
+              <a:latin typeface="Times New Roman" panose="02020603050405020304" pitchFamily="18" charset="0"/>
+              <a:cs typeface="Times New Roman" panose="02020603050405020304" pitchFamily="18" charset="0"/>
+            </a:endParaRPr>
+          </a:p>
+          <a:p>
+            <a:pPr algn="ctr"/>
+            <a:r>
+              <a:rPr lang="en-IN" dirty="0">
+                <a:solidFill>
+                  <a:schemeClr val="tx1"/>
+                </a:solidFill>
+                <a:latin typeface="Times New Roman" panose="02020603050405020304" pitchFamily="18" charset="0"/>
+                <a:cs typeface="Times New Roman" panose="02020603050405020304" pitchFamily="18" charset="0"/>
+              </a:rPr>
+              <a:t>Data Science is a interdisciplinary field that uses scientific methods, processes, algorithms and systems to extract knowledge and insights from structured and unstructured data.</a:t>
+            </a:r>
+          </a:p>
+          <a:p>
+            <a:pPr algn="ctr"/>
+            <a:endParaRPr lang="en-IN" dirty="0">
+              <a:solidFill>
+                <a:schemeClr val="tx1"/>
+              </a:solidFill>
+              <a:latin typeface="Times New Roman" panose="02020603050405020304" pitchFamily="18" charset="0"/>
+              <a:cs typeface="Times New Roman" panose="02020603050405020304" pitchFamily="18" charset="0"/>
+            </a:endParaRPr>
+          </a:p>
+          <a:p>
+            <a:pPr algn="ctr"/>
+            <a:r>
+              <a:rPr lang="en-IN" b="1" dirty="0">
+                <a:solidFill>
+                  <a:schemeClr val="tx1"/>
+                </a:solidFill>
+                <a:effectLst>
+                  <a:outerShdw blurRad="38100" dist="38100" dir="2700000" algn="tl">
+                    <a:srgbClr val="000000">
+                      <a:alpha val="43137"/>
+                    </a:srgbClr>
+                  </a:outerShdw>
+                </a:effectLst>
+                <a:latin typeface="Times New Roman" panose="02020603050405020304" pitchFamily="18" charset="0"/>
+                <a:cs typeface="Times New Roman" panose="02020603050405020304" pitchFamily="18" charset="0"/>
+              </a:rPr>
+              <a:t>WHAT IS AI ?</a:t>
+            </a:r>
+          </a:p>
+          <a:p>
+            <a:pPr algn="ctr"/>
+            <a:endParaRPr lang="en-IN" dirty="0">
+              <a:solidFill>
+                <a:schemeClr val="tx1"/>
+              </a:solidFill>
+              <a:latin typeface="Times New Roman" panose="02020603050405020304" pitchFamily="18" charset="0"/>
+              <a:cs typeface="Times New Roman" panose="02020603050405020304" pitchFamily="18" charset="0"/>
+            </a:endParaRPr>
+          </a:p>
+          <a:p>
+            <a:pPr algn="ctr"/>
+            <a:r>
+              <a:rPr lang="en-IN" dirty="0">
+                <a:solidFill>
+                  <a:schemeClr val="tx1"/>
+                </a:solidFill>
+                <a:latin typeface="Times New Roman" panose="02020603050405020304" pitchFamily="18" charset="0"/>
+                <a:cs typeface="Times New Roman" panose="02020603050405020304" pitchFamily="18" charset="0"/>
+              </a:rPr>
+              <a:t>Artificial Intelligence is the creation of computer systems capable of performing tasks that typically require human intelligence.</a:t>
+            </a:r>
+          </a:p>
+          <a:p>
+            <a:pPr algn="ctr"/>
+            <a:endParaRPr lang="en-IN" dirty="0">
+              <a:solidFill>
+                <a:schemeClr val="tx1"/>
+              </a:solidFill>
+              <a:latin typeface="Times New Roman" panose="02020603050405020304" pitchFamily="18" charset="0"/>
+              <a:cs typeface="Times New Roman" panose="02020603050405020304" pitchFamily="18" charset="0"/>
+            </a:endParaRPr>
+          </a:p>
+          <a:p>
+            <a:pPr algn="ctr"/>
+            <a:r>
+              <a:rPr lang="en-IN" dirty="0">
+                <a:solidFill>
+                  <a:schemeClr val="tx1"/>
+                </a:solidFill>
+                <a:latin typeface="Times New Roman" panose="02020603050405020304" pitchFamily="18" charset="0"/>
+                <a:cs typeface="Times New Roman" panose="02020603050405020304" pitchFamily="18" charset="0"/>
+              </a:rPr>
+              <a:t>AI stimulates human intelligence in machines for tasks like learning and problem solving.</a:t>
+            </a:r>
+          </a:p>
+        </p:txBody>
+      </p:sp>
+      <p:sp>
+        <p:nvSpPr>
+          <p:cNvPr id="7" name="Rectangle: Rounded Corners 6">
+            <a:extLst>
+              <a:ext uri="{FF2B5EF4-FFF2-40B4-BE49-F238E27FC236}">
+                <a16:creationId xmlns:a16="http://schemas.microsoft.com/office/drawing/2014/main" id="{BAD4CF92-9039-3533-B80A-04C5D8F30D25}"/>
+              </a:ext>
+            </a:extLst>
+          </p:cNvPr>
+          <p:cNvSpPr/>
+          <p:nvPr/>
+        </p:nvSpPr>
+        <p:spPr>
+          <a:xfrm>
+            <a:off x="6448096" y="1618593"/>
+            <a:ext cx="5213131" cy="4750676"/>
+          </a:xfrm>
+          <a:prstGeom prst="roundRect">
+            <a:avLst/>
+          </a:prstGeom>
+          <a:ln>
+            <a:solidFill>
+              <a:schemeClr val="tx1"/>
+            </a:solidFill>
+          </a:ln>
+          <a:effectLst>
+            <a:glow rad="63500">
+              <a:schemeClr val="accent6">
+                <a:satMod val="175000"/>
+                <a:alpha val="40000"/>
+              </a:schemeClr>
+            </a:glow>
+          </a:effectLst>
+        </p:spPr>
+        <p:style>
+          <a:lnRef idx="2">
+            <a:schemeClr val="accent6"/>
+          </a:lnRef>
+          <a:fillRef idx="1">
+            <a:schemeClr val="lt1"/>
+          </a:fillRef>
+          <a:effectRef idx="0">
+            <a:schemeClr val="accent6"/>
+          </a:effectRef>
+          <a:fontRef idx="minor">
+            <a:schemeClr val="dk1"/>
+          </a:fontRef>
+        </p:style>
+        <p:txBody>
+          <a:bodyPr rtlCol="0" anchor="ctr"/>
+          <a:lstStyle/>
+          <a:p>
+            <a:pPr algn="ctr"/>
+            <a:r>
+              <a:rPr lang="en-IN" b="1" dirty="0">
+                <a:effectLst>
+                  <a:outerShdw blurRad="38100" dist="38100" dir="2700000" algn="tl">
+                    <a:srgbClr val="000000">
+                      <a:alpha val="43137"/>
+                    </a:srgbClr>
+                  </a:outerShdw>
+                </a:effectLst>
+                <a:latin typeface="Times New Roman" panose="02020603050405020304" pitchFamily="18" charset="0"/>
+                <a:cs typeface="Times New Roman" panose="02020603050405020304" pitchFamily="18" charset="0"/>
+              </a:rPr>
+              <a:t>WHAT IS MACHINE LEARNING ?</a:t>
+            </a:r>
+          </a:p>
+          <a:p>
+            <a:pPr algn="ctr"/>
+            <a:endParaRPr lang="en-IN" dirty="0">
+              <a:latin typeface="Times New Roman" panose="02020603050405020304" pitchFamily="18" charset="0"/>
+              <a:cs typeface="Times New Roman" panose="02020603050405020304" pitchFamily="18" charset="0"/>
+            </a:endParaRPr>
+          </a:p>
+          <a:p>
+            <a:pPr algn="ctr"/>
+            <a:r>
+              <a:rPr lang="en-US" dirty="0">
+                <a:latin typeface="Times New Roman" panose="02020603050405020304" pitchFamily="18" charset="0"/>
+                <a:cs typeface="Times New Roman" panose="02020603050405020304" pitchFamily="18" charset="0"/>
+              </a:rPr>
+              <a:t>Machine Learning is teaching computers to learn patterns from data and make predictions or decisions without explicit programming. It works well with structured data and smaller datasets</a:t>
+            </a:r>
+            <a:endParaRPr lang="en-IN" dirty="0">
+              <a:latin typeface="Times New Roman" panose="02020603050405020304" pitchFamily="18" charset="0"/>
+              <a:cs typeface="Times New Roman" panose="02020603050405020304" pitchFamily="18" charset="0"/>
+            </a:endParaRPr>
+          </a:p>
+          <a:p>
+            <a:pPr algn="ctr"/>
+            <a:endParaRPr lang="en-IN" b="1" dirty="0">
+              <a:effectLst>
+                <a:outerShdw blurRad="38100" dist="38100" dir="2700000" algn="tl">
+                  <a:srgbClr val="000000">
+                    <a:alpha val="43137"/>
+                  </a:srgbClr>
+                </a:outerShdw>
+              </a:effectLst>
+              <a:latin typeface="Times New Roman" panose="02020603050405020304" pitchFamily="18" charset="0"/>
+              <a:cs typeface="Times New Roman" panose="02020603050405020304" pitchFamily="18" charset="0"/>
+            </a:endParaRPr>
+          </a:p>
+          <a:p>
+            <a:pPr algn="ctr"/>
+            <a:r>
+              <a:rPr lang="en-IN" b="1" dirty="0">
+                <a:effectLst>
+                  <a:outerShdw blurRad="38100" dist="38100" dir="2700000" algn="tl">
+                    <a:srgbClr val="000000">
+                      <a:alpha val="43137"/>
+                    </a:srgbClr>
+                  </a:outerShdw>
+                </a:effectLst>
+                <a:latin typeface="Times New Roman" panose="02020603050405020304" pitchFamily="18" charset="0"/>
+                <a:cs typeface="Times New Roman" panose="02020603050405020304" pitchFamily="18" charset="0"/>
+              </a:rPr>
+              <a:t>WHAT IS DEEP LEARNING ?</a:t>
+            </a:r>
+          </a:p>
+          <a:p>
+            <a:pPr algn="ctr"/>
+            <a:endParaRPr lang="en-IN" dirty="0">
+              <a:latin typeface="Times New Roman" panose="02020603050405020304" pitchFamily="18" charset="0"/>
+              <a:cs typeface="Times New Roman" panose="02020603050405020304" pitchFamily="18" charset="0"/>
+            </a:endParaRPr>
+          </a:p>
+          <a:p>
+            <a:pPr algn="ctr"/>
+            <a:r>
+              <a:rPr lang="en-US" dirty="0">
+                <a:latin typeface="Times New Roman" panose="02020603050405020304" pitchFamily="18" charset="0"/>
+                <a:cs typeface="Times New Roman" panose="02020603050405020304" pitchFamily="18" charset="0"/>
+              </a:rPr>
+              <a:t>Deep Learning is a more advanced type of ML that uses neural networks to process large amounts of raw data. It’s great for tasks like image recognition, natural language processing, and speech translation.</a:t>
+            </a:r>
+            <a:endParaRPr lang="en-IN" dirty="0">
+              <a:latin typeface="Times New Roman" panose="02020603050405020304" pitchFamily="18" charset="0"/>
+              <a:cs typeface="Times New Roman" panose="02020603050405020304" pitchFamily="18" charset="0"/>
+            </a:endParaRPr>
+          </a:p>
+        </p:txBody>
+      </p:sp>
+    </p:spTree>
+    <p:extLst>
+      <p:ext uri="{BB962C8B-B14F-4D97-AF65-F5344CB8AC3E}">
+        <p14:creationId xmlns:p14="http://schemas.microsoft.com/office/powerpoint/2010/main" val="2076981565"/>
+      </p:ext>
+    </p:extLst>
+  </p:cSld>
+  <p:clrMapOvr>
+    <a:masterClrMapping/>
+  </p:clrMapOvr>
+</p:sld>
+</file>
+
+<file path=ppt/slides/slide3.xml><?xml version="1.0" encoding="utf-8"?>
+<p:sld xmlns:a="http://schemas.openxmlformats.org/drawingml/2006/main" xmlns:r="http://schemas.openxmlformats.org/officeDocument/2006/relationships" xmlns:p="http://schemas.openxmlformats.org/presentationml/2006/main">
+  <p:cSld>
+    <p:spTree>
+      <p:nvGrpSpPr>
+        <p:cNvPr id="1" name="">
+          <a:extLst>
+            <a:ext uri="{FF2B5EF4-FFF2-40B4-BE49-F238E27FC236}">
+              <a16:creationId xmlns:a16="http://schemas.microsoft.com/office/drawing/2014/main" id="{B9C40186-4F4D-3F33-BD0F-E1A1076FB7FC}"/>
+            </a:ext>
+          </a:extLst>
+        </p:cNvPr>
+        <p:cNvGrpSpPr/>
+        <p:nvPr/>
+      </p:nvGrpSpPr>
+      <p:grpSpPr>
+        <a:xfrm>
+          <a:off x="0" y="0"/>
+          <a:ext cx="0" cy="0"/>
+          <a:chOff x="0" y="0"/>
+          <a:chExt cx="0" cy="0"/>
+        </a:xfrm>
+      </p:grpSpPr>
+      <p:sp>
+        <p:nvSpPr>
+          <p:cNvPr id="5" name="TextBox 4">
+            <a:extLst>
+              <a:ext uri="{FF2B5EF4-FFF2-40B4-BE49-F238E27FC236}">
+                <a16:creationId xmlns:a16="http://schemas.microsoft.com/office/drawing/2014/main" id="{979165B8-953A-7415-4A23-F530B67ABA05}"/>
+              </a:ext>
+            </a:extLst>
+          </p:cNvPr>
+          <p:cNvSpPr txBox="1"/>
+          <p:nvPr/>
+        </p:nvSpPr>
+        <p:spPr>
+          <a:xfrm>
+            <a:off x="4422226" y="488731"/>
+            <a:ext cx="4051739" cy="707886"/>
+          </a:xfrm>
+          <a:prstGeom prst="rect">
+            <a:avLst/>
+          </a:prstGeom>
+          <a:noFill/>
+        </p:spPr>
+        <p:txBody>
+          <a:bodyPr wrap="square" rtlCol="0">
+            <a:spAutoFit/>
+          </a:bodyPr>
+          <a:lstStyle/>
+          <a:p>
+            <a:r>
+              <a:rPr lang="en-IN" sz="4000" b="1" dirty="0">
+                <a:solidFill>
+                  <a:srgbClr val="FF0000"/>
+                </a:solidFill>
+              </a:rPr>
+              <a:t>KEY LEARNINGS</a:t>
+            </a:r>
+          </a:p>
+        </p:txBody>
+      </p:sp>
+      <p:sp>
+        <p:nvSpPr>
+          <p:cNvPr id="6" name="Rectangle: Rounded Corners 5">
+            <a:extLst>
+              <a:ext uri="{FF2B5EF4-FFF2-40B4-BE49-F238E27FC236}">
+                <a16:creationId xmlns:a16="http://schemas.microsoft.com/office/drawing/2014/main" id="{A647164C-7DA6-6525-0453-BB2F1BB7CE1C}"/>
+              </a:ext>
+            </a:extLst>
+          </p:cNvPr>
+          <p:cNvSpPr/>
+          <p:nvPr/>
+        </p:nvSpPr>
+        <p:spPr>
+          <a:xfrm>
+            <a:off x="882869" y="1618593"/>
+            <a:ext cx="5213131" cy="4750676"/>
+          </a:xfrm>
+          <a:prstGeom prst="roundRect">
+            <a:avLst/>
+          </a:prstGeom>
+          <a:ln>
+            <a:solidFill>
+              <a:schemeClr val="tx1"/>
+            </a:solidFill>
+          </a:ln>
+          <a:effectLst>
+            <a:glow rad="63500">
+              <a:schemeClr val="accent6">
+                <a:satMod val="175000"/>
+                <a:alpha val="40000"/>
+              </a:schemeClr>
+            </a:glow>
+          </a:effectLst>
+        </p:spPr>
+        <p:style>
+          <a:lnRef idx="2">
+            <a:schemeClr val="accent6"/>
+          </a:lnRef>
+          <a:fillRef idx="1">
+            <a:schemeClr val="lt1"/>
+          </a:fillRef>
+          <a:effectRef idx="0">
+            <a:schemeClr val="accent6"/>
+          </a:effectRef>
+          <a:fontRef idx="minor">
+            <a:schemeClr val="dk1"/>
+          </a:fontRef>
+        </p:style>
+        <p:txBody>
+          <a:bodyPr rtlCol="0" anchor="ctr"/>
+          <a:lstStyle/>
+          <a:p>
+            <a:pPr algn="ctr"/>
+            <a:r>
+              <a:rPr lang="en-IN" b="1" dirty="0">
+                <a:solidFill>
+                  <a:schemeClr val="tx1"/>
+                </a:solidFill>
+                <a:effectLst>
+                  <a:outerShdw blurRad="38100" dist="38100" dir="2700000" algn="tl">
+                    <a:srgbClr val="000000">
+                      <a:alpha val="43137"/>
+                    </a:srgbClr>
+                  </a:outerShdw>
+                </a:effectLst>
+                <a:latin typeface="Times New Roman" panose="02020603050405020304" pitchFamily="18" charset="0"/>
+                <a:cs typeface="Times New Roman" panose="02020603050405020304" pitchFamily="18" charset="0"/>
+              </a:rPr>
+              <a:t>WHAT IS RNN ? TYPES ? ISSUES IN IT.</a:t>
+            </a:r>
+          </a:p>
+          <a:p>
+            <a:endParaRPr lang="en-US" dirty="0"/>
+          </a:p>
+          <a:p>
+            <a:pPr algn="ctr"/>
+            <a:r>
+              <a:rPr lang="en-US" dirty="0">
+                <a:solidFill>
+                  <a:schemeClr val="tx1"/>
+                </a:solidFill>
+                <a:latin typeface="Times New Roman" panose="02020603050405020304" pitchFamily="18" charset="0"/>
+                <a:cs typeface="Times New Roman" panose="02020603050405020304" pitchFamily="18" charset="0"/>
+              </a:rPr>
+              <a:t>A Recurrent Neural Network (RNN) is a type of neural network designed for sequential data, where the output from previous steps is fed back into the model to influence future steps</a:t>
+            </a:r>
+          </a:p>
+          <a:p>
+            <a:pPr algn="ctr"/>
+            <a:endParaRPr lang="en-US" dirty="0">
+              <a:solidFill>
+                <a:schemeClr val="tx1"/>
+              </a:solidFill>
+              <a:latin typeface="Times New Roman" panose="02020603050405020304" pitchFamily="18" charset="0"/>
+              <a:cs typeface="Times New Roman" panose="02020603050405020304" pitchFamily="18" charset="0"/>
+            </a:endParaRPr>
+          </a:p>
+          <a:p>
+            <a:pPr algn="ctr"/>
+            <a:r>
+              <a:rPr lang="en-US" b="1" dirty="0">
+                <a:solidFill>
+                  <a:schemeClr val="tx1"/>
+                </a:solidFill>
+                <a:effectLst>
+                  <a:outerShdw blurRad="38100" dist="38100" dir="2700000" algn="tl">
+                    <a:srgbClr val="000000">
+                      <a:alpha val="43137"/>
+                    </a:srgbClr>
+                  </a:outerShdw>
+                </a:effectLst>
+                <a:latin typeface="Times New Roman" panose="02020603050405020304" pitchFamily="18" charset="0"/>
+                <a:cs typeface="Times New Roman" panose="02020603050405020304" pitchFamily="18" charset="0"/>
+              </a:rPr>
+              <a:t>Types :</a:t>
+            </a:r>
+          </a:p>
+          <a:p>
+            <a:pPr algn="ctr"/>
+            <a:r>
+              <a:rPr lang="en-US" dirty="0">
+                <a:solidFill>
+                  <a:schemeClr val="tx1"/>
+                </a:solidFill>
+                <a:latin typeface="Times New Roman" panose="02020603050405020304" pitchFamily="18" charset="0"/>
+                <a:cs typeface="Times New Roman" panose="02020603050405020304" pitchFamily="18" charset="0"/>
+              </a:rPr>
+              <a:t>One-One, One- Many, Many-One, Many-Many</a:t>
+            </a:r>
+          </a:p>
+          <a:p>
+            <a:pPr algn="ctr"/>
+            <a:endParaRPr lang="en-US" dirty="0">
+              <a:solidFill>
+                <a:schemeClr val="tx1"/>
+              </a:solidFill>
+              <a:latin typeface="Times New Roman" panose="02020603050405020304" pitchFamily="18" charset="0"/>
+              <a:cs typeface="Times New Roman" panose="02020603050405020304" pitchFamily="18" charset="0"/>
+            </a:endParaRPr>
+          </a:p>
+          <a:p>
+            <a:pPr algn="ctr"/>
+            <a:r>
+              <a:rPr lang="en-US" b="1" dirty="0">
+                <a:solidFill>
+                  <a:schemeClr val="tx1"/>
+                </a:solidFill>
+                <a:effectLst>
+                  <a:outerShdw blurRad="38100" dist="38100" dir="2700000" algn="tl">
+                    <a:srgbClr val="000000">
+                      <a:alpha val="43137"/>
+                    </a:srgbClr>
+                  </a:outerShdw>
+                </a:effectLst>
+                <a:latin typeface="Times New Roman" panose="02020603050405020304" pitchFamily="18" charset="0"/>
+                <a:cs typeface="Times New Roman" panose="02020603050405020304" pitchFamily="18" charset="0"/>
+              </a:rPr>
+              <a:t>Issues :</a:t>
+            </a:r>
+          </a:p>
+          <a:p>
+            <a:pPr algn="ctr"/>
+            <a:r>
+              <a:rPr lang="en-US" dirty="0">
+                <a:solidFill>
+                  <a:schemeClr val="tx1"/>
+                </a:solidFill>
+                <a:latin typeface="Times New Roman" panose="02020603050405020304" pitchFamily="18" charset="0"/>
+                <a:cs typeface="Times New Roman" panose="02020603050405020304" pitchFamily="18" charset="0"/>
+              </a:rPr>
+              <a:t> Short Memory, While training loop more possibility of chances for data vanishing. </a:t>
+            </a:r>
+          </a:p>
+          <a:p>
+            <a:pPr algn="ctr"/>
+            <a:endParaRPr lang="en-IN" dirty="0">
+              <a:solidFill>
+                <a:schemeClr val="tx1"/>
+              </a:solidFill>
+              <a:latin typeface="Times New Roman" panose="02020603050405020304" pitchFamily="18" charset="0"/>
+              <a:cs typeface="Times New Roman" panose="02020603050405020304" pitchFamily="18" charset="0"/>
+            </a:endParaRPr>
+          </a:p>
+        </p:txBody>
+      </p:sp>
+      <p:sp>
+        <p:nvSpPr>
+          <p:cNvPr id="7" name="Rectangle: Rounded Corners 6">
+            <a:extLst>
+              <a:ext uri="{FF2B5EF4-FFF2-40B4-BE49-F238E27FC236}">
+                <a16:creationId xmlns:a16="http://schemas.microsoft.com/office/drawing/2014/main" id="{B2781047-9A93-E496-FA73-80B17DFA3717}"/>
+              </a:ext>
+            </a:extLst>
+          </p:cNvPr>
+          <p:cNvSpPr/>
+          <p:nvPr/>
+        </p:nvSpPr>
+        <p:spPr>
+          <a:xfrm>
+            <a:off x="6448096" y="1618593"/>
+            <a:ext cx="5213131" cy="4750676"/>
+          </a:xfrm>
+          <a:prstGeom prst="roundRect">
+            <a:avLst/>
+          </a:prstGeom>
+          <a:ln>
+            <a:solidFill>
+              <a:schemeClr val="tx1"/>
+            </a:solidFill>
+          </a:ln>
+          <a:effectLst>
+            <a:glow rad="63500">
+              <a:schemeClr val="accent6">
+                <a:satMod val="175000"/>
+                <a:alpha val="40000"/>
+              </a:schemeClr>
+            </a:glow>
+          </a:effectLst>
+        </p:spPr>
+        <p:style>
+          <a:lnRef idx="2">
+            <a:schemeClr val="accent6"/>
+          </a:lnRef>
+          <a:fillRef idx="1">
+            <a:schemeClr val="lt1"/>
+          </a:fillRef>
+          <a:effectRef idx="0">
+            <a:schemeClr val="accent6"/>
+          </a:effectRef>
+          <a:fontRef idx="minor">
+            <a:schemeClr val="dk1"/>
+          </a:fontRef>
+        </p:style>
+        <p:txBody>
+          <a:bodyPr rtlCol="0" anchor="ctr"/>
+          <a:lstStyle/>
+          <a:p>
+            <a:pPr algn="ctr"/>
+            <a:r>
+              <a:rPr lang="en-IN" b="1" dirty="0">
+                <a:effectLst>
+                  <a:outerShdw blurRad="38100" dist="38100" dir="2700000" algn="tl">
+                    <a:srgbClr val="000000">
+                      <a:alpha val="43137"/>
+                    </a:srgbClr>
+                  </a:outerShdw>
+                </a:effectLst>
+                <a:latin typeface="Times New Roman" panose="02020603050405020304" pitchFamily="18" charset="0"/>
+                <a:cs typeface="Times New Roman" panose="02020603050405020304" pitchFamily="18" charset="0"/>
+              </a:rPr>
+              <a:t>LSTM ( Long Short Term Memory ):</a:t>
+            </a:r>
+          </a:p>
+          <a:p>
+            <a:pPr algn="ctr"/>
+            <a:endParaRPr lang="en-IN" dirty="0">
+              <a:latin typeface="Times New Roman" panose="02020603050405020304" pitchFamily="18" charset="0"/>
+              <a:cs typeface="Times New Roman" panose="02020603050405020304" pitchFamily="18" charset="0"/>
+            </a:endParaRPr>
+          </a:p>
+          <a:p>
+            <a:pPr algn="ctr"/>
+            <a:r>
+              <a:rPr lang="en-IN" dirty="0">
+                <a:latin typeface="Times New Roman" panose="02020603050405020304" pitchFamily="18" charset="0"/>
+                <a:cs typeface="Times New Roman" panose="02020603050405020304" pitchFamily="18" charset="0"/>
+              </a:rPr>
+              <a:t>Built upon RNN, To solve all the issues with RNN. LSTM was built.</a:t>
+            </a:r>
+          </a:p>
+          <a:p>
+            <a:pPr algn="ctr"/>
+            <a:endParaRPr lang="en-IN" dirty="0">
+              <a:latin typeface="Times New Roman" panose="02020603050405020304" pitchFamily="18" charset="0"/>
+              <a:cs typeface="Times New Roman" panose="02020603050405020304" pitchFamily="18" charset="0"/>
+            </a:endParaRPr>
+          </a:p>
+          <a:p>
+            <a:pPr algn="ctr"/>
+            <a:r>
+              <a:rPr lang="en-IN" dirty="0">
+                <a:latin typeface="Times New Roman" panose="02020603050405020304" pitchFamily="18" charset="0"/>
+                <a:cs typeface="Times New Roman" panose="02020603050405020304" pitchFamily="18" charset="0"/>
+              </a:rPr>
+              <a:t>Memory Larger, Process and store large sequence data therefore model accuracy increases</a:t>
+            </a:r>
+          </a:p>
+          <a:p>
+            <a:pPr algn="ctr"/>
+            <a:endParaRPr lang="en-IN" dirty="0">
+              <a:latin typeface="Times New Roman" panose="02020603050405020304" pitchFamily="18" charset="0"/>
+              <a:cs typeface="Times New Roman" panose="02020603050405020304" pitchFamily="18" charset="0"/>
+            </a:endParaRPr>
+          </a:p>
+          <a:p>
+            <a:pPr algn="ctr"/>
+            <a:r>
+              <a:rPr lang="en-IN" b="1" dirty="0">
+                <a:effectLst>
+                  <a:outerShdw blurRad="38100" dist="38100" dir="2700000" algn="tl">
+                    <a:srgbClr val="000000">
+                      <a:alpha val="43137"/>
+                    </a:srgbClr>
+                  </a:outerShdw>
+                </a:effectLst>
+                <a:latin typeface="Times New Roman" panose="02020603050405020304" pitchFamily="18" charset="0"/>
+                <a:cs typeface="Times New Roman" panose="02020603050405020304" pitchFamily="18" charset="0"/>
+              </a:rPr>
+              <a:t>LLM ( Large Language Model ):</a:t>
+            </a:r>
+          </a:p>
+          <a:p>
+            <a:pPr algn="ctr"/>
+            <a:endParaRPr lang="en-IN" dirty="0">
+              <a:latin typeface="Times New Roman" panose="02020603050405020304" pitchFamily="18" charset="0"/>
+              <a:cs typeface="Times New Roman" panose="02020603050405020304" pitchFamily="18" charset="0"/>
+            </a:endParaRPr>
+          </a:p>
+          <a:p>
+            <a:pPr algn="ctr"/>
+            <a:r>
+              <a:rPr lang="en-IN" dirty="0">
+                <a:latin typeface="Times New Roman" panose="02020603050405020304" pitchFamily="18" charset="0"/>
+                <a:cs typeface="Times New Roman" panose="02020603050405020304" pitchFamily="18" charset="0"/>
+              </a:rPr>
+              <a:t>Pretrained model on vast amount of data. GPT,BERT are the examples. It uses Encoder and Decoder architecture, Transformer Architecture, Self Attention </a:t>
+            </a:r>
+            <a:r>
+              <a:rPr lang="en-IN" dirty="0" err="1">
+                <a:latin typeface="Times New Roman" panose="02020603050405020304" pitchFamily="18" charset="0"/>
+                <a:cs typeface="Times New Roman" panose="02020603050405020304" pitchFamily="18" charset="0"/>
+              </a:rPr>
+              <a:t>mechanisim</a:t>
+            </a:r>
+            <a:r>
+              <a:rPr lang="en-IN" dirty="0">
+                <a:latin typeface="Times New Roman" panose="02020603050405020304" pitchFamily="18" charset="0"/>
+                <a:cs typeface="Times New Roman" panose="02020603050405020304" pitchFamily="18" charset="0"/>
+              </a:rPr>
+              <a:t>.</a:t>
+            </a:r>
+          </a:p>
+        </p:txBody>
+      </p:sp>
+    </p:spTree>
+    <p:extLst>
+      <p:ext uri="{BB962C8B-B14F-4D97-AF65-F5344CB8AC3E}">
+        <p14:creationId xmlns:p14="http://schemas.microsoft.com/office/powerpoint/2010/main" val="3969376688"/>
+      </p:ext>
+    </p:extLst>
+  </p:cSld>
+  <p:clrMapOvr>
+    <a:masterClrMapping/>
+  </p:clrMapOvr>
+</p:sld>
+</file>
+
+<file path=ppt/slides/slide4.xml><?xml version="1.0" encoding="utf-8"?>
+<p:sld xmlns:a="http://schemas.openxmlformats.org/drawingml/2006/main" xmlns:r="http://schemas.openxmlformats.org/officeDocument/2006/relationships" xmlns:p="http://schemas.openxmlformats.org/presentationml/2006/main">
+  <p:cSld>
+    <p:spTree>
+      <p:nvGrpSpPr>
+        <p:cNvPr id="1" name=""/>
+        <p:cNvGrpSpPr/>
+        <p:nvPr/>
+      </p:nvGrpSpPr>
+      <p:grpSpPr>
+        <a:xfrm>
+          <a:off x="0" y="0"/>
+          <a:ext cx="0" cy="0"/>
+          <a:chOff x="0" y="0"/>
+          <a:chExt cx="0" cy="0"/>
+        </a:xfrm>
+      </p:grpSpPr>
+      <p:sp>
+        <p:nvSpPr>
+          <p:cNvPr id="4" name="TextBox 3">
+            <a:extLst>
+              <a:ext uri="{FF2B5EF4-FFF2-40B4-BE49-F238E27FC236}">
+                <a16:creationId xmlns:a16="http://schemas.microsoft.com/office/drawing/2014/main" id="{E6F1D1A7-86C4-ADA9-9CF5-693C313F85EB}"/>
+              </a:ext>
+            </a:extLst>
+          </p:cNvPr>
+          <p:cNvSpPr txBox="1"/>
+          <p:nvPr/>
+        </p:nvSpPr>
+        <p:spPr>
+          <a:xfrm>
+            <a:off x="1169365" y="369870"/>
+            <a:ext cx="10572108" cy="4278094"/>
+          </a:xfrm>
+          <a:prstGeom prst="rect">
+            <a:avLst/>
+          </a:prstGeom>
+          <a:noFill/>
+        </p:spPr>
+        <p:txBody>
+          <a:bodyPr wrap="square" rtlCol="0">
+            <a:spAutoFit/>
+          </a:bodyPr>
+          <a:lstStyle/>
+          <a:p>
+            <a:pPr algn="just"/>
+            <a:r>
+              <a:rPr lang="en-US" sz="2000" b="1" dirty="0">
+                <a:solidFill>
+                  <a:srgbClr val="FF0000"/>
+                </a:solidFill>
+                <a:latin typeface="Times New Roman" panose="02020603050405020304" pitchFamily="18" charset="0"/>
+                <a:cs typeface="Times New Roman" panose="02020603050405020304" pitchFamily="18" charset="0"/>
+              </a:rPr>
+              <a:t>LIBRARIES LEARNED DURING THIS INTERNSHIP :</a:t>
+            </a:r>
+          </a:p>
+          <a:p>
+            <a:pPr algn="just"/>
+            <a:endParaRPr lang="en-US" dirty="0">
+              <a:latin typeface="Times New Roman" panose="02020603050405020304" pitchFamily="18" charset="0"/>
+              <a:cs typeface="Times New Roman" panose="02020603050405020304" pitchFamily="18" charset="0"/>
+            </a:endParaRPr>
+          </a:p>
+          <a:p>
+            <a:pPr marL="342900" indent="-342900" algn="just">
+              <a:buAutoNum type="arabicPeriod"/>
+            </a:pPr>
+            <a:r>
+              <a:rPr lang="en-US" dirty="0">
+                <a:latin typeface="Times New Roman" panose="02020603050405020304" pitchFamily="18" charset="0"/>
+                <a:cs typeface="Times New Roman" panose="02020603050405020304" pitchFamily="18" charset="0"/>
+              </a:rPr>
+              <a:t>Data Operations – NUMPY</a:t>
+            </a:r>
+          </a:p>
+          <a:p>
+            <a:pPr lvl="2" algn="just"/>
+            <a:r>
+              <a:rPr lang="en-US" dirty="0">
+                <a:latin typeface="Times New Roman" panose="02020603050405020304" pitchFamily="18" charset="0"/>
+                <a:cs typeface="Times New Roman" panose="02020603050405020304" pitchFamily="18" charset="0"/>
+              </a:rPr>
+              <a:t>Learned how to perform Linear Regression, Logistic Regression, Euclidean distance, PCA, K-Means, Navie Bayes, SVM.</a:t>
+            </a:r>
+          </a:p>
+          <a:p>
+            <a:pPr algn="just"/>
+            <a:endParaRPr lang="en-US" dirty="0">
+              <a:latin typeface="Times New Roman" panose="02020603050405020304" pitchFamily="18" charset="0"/>
+              <a:cs typeface="Times New Roman" panose="02020603050405020304" pitchFamily="18" charset="0"/>
+            </a:endParaRPr>
+          </a:p>
+          <a:p>
+            <a:pPr algn="just"/>
+            <a:r>
+              <a:rPr lang="en-US" dirty="0">
+                <a:latin typeface="Times New Roman" panose="02020603050405020304" pitchFamily="18" charset="0"/>
+                <a:cs typeface="Times New Roman" panose="02020603050405020304" pitchFamily="18" charset="0"/>
+              </a:rPr>
+              <a:t>2. Data Processing – PANDAS</a:t>
+            </a:r>
+          </a:p>
+          <a:p>
+            <a:pPr algn="just"/>
+            <a:r>
+              <a:rPr lang="en-US" dirty="0">
+                <a:latin typeface="Times New Roman" panose="02020603050405020304" pitchFamily="18" charset="0"/>
+                <a:cs typeface="Times New Roman" panose="02020603050405020304" pitchFamily="18" charset="0"/>
+              </a:rPr>
+              <a:t>                 Used for manipulating, transforming and </a:t>
+            </a:r>
+            <a:r>
+              <a:rPr lang="en-US" dirty="0" err="1">
+                <a:latin typeface="Times New Roman" panose="02020603050405020304" pitchFamily="18" charset="0"/>
+                <a:cs typeface="Times New Roman" panose="02020603050405020304" pitchFamily="18" charset="0"/>
+              </a:rPr>
+              <a:t>analysing</a:t>
+            </a:r>
+            <a:r>
+              <a:rPr lang="en-US" dirty="0">
+                <a:latin typeface="Times New Roman" panose="02020603050405020304" pitchFamily="18" charset="0"/>
+                <a:cs typeface="Times New Roman" panose="02020603050405020304" pitchFamily="18" charset="0"/>
+              </a:rPr>
+              <a:t> the data.</a:t>
+            </a:r>
+          </a:p>
+          <a:p>
+            <a:pPr algn="just"/>
+            <a:endParaRPr lang="en-US" dirty="0">
+              <a:latin typeface="Times New Roman" panose="02020603050405020304" pitchFamily="18" charset="0"/>
+              <a:cs typeface="Times New Roman" panose="02020603050405020304" pitchFamily="18" charset="0"/>
+            </a:endParaRPr>
+          </a:p>
+          <a:p>
+            <a:pPr algn="just"/>
+            <a:r>
+              <a:rPr lang="en-US" dirty="0">
+                <a:latin typeface="Times New Roman" panose="02020603050405020304" pitchFamily="18" charset="0"/>
+                <a:cs typeface="Times New Roman" panose="02020603050405020304" pitchFamily="18" charset="0"/>
+              </a:rPr>
+              <a:t>3. Data Visualization – MATPLOTLIB</a:t>
+            </a:r>
+          </a:p>
+          <a:p>
+            <a:pPr algn="just"/>
+            <a:r>
+              <a:rPr lang="en-US" dirty="0">
+                <a:latin typeface="Times New Roman" panose="02020603050405020304" pitchFamily="18" charset="0"/>
+                <a:cs typeface="Times New Roman" panose="02020603050405020304" pitchFamily="18" charset="0"/>
+              </a:rPr>
+              <a:t>		Used for visualizing the data for better understanding.</a:t>
+            </a:r>
+          </a:p>
+          <a:p>
+            <a:pPr algn="just"/>
+            <a:r>
+              <a:rPr lang="en-US" dirty="0">
+                <a:latin typeface="Times New Roman" panose="02020603050405020304" pitchFamily="18" charset="0"/>
+                <a:cs typeface="Times New Roman" panose="02020603050405020304" pitchFamily="18" charset="0"/>
+              </a:rPr>
+              <a:t>	</a:t>
+            </a:r>
+          </a:p>
+          <a:p>
+            <a:pPr algn="just"/>
+            <a:r>
+              <a:rPr lang="en-US" dirty="0">
+                <a:latin typeface="Times New Roman" panose="02020603050405020304" pitchFamily="18" charset="0"/>
+                <a:cs typeface="Times New Roman" panose="02020603050405020304" pitchFamily="18" charset="0"/>
+              </a:rPr>
+              <a:t>( line plot, scatter plot, bar plot, histogram, pie chart, combination of line and bar plot, line styles,  		logarithmic scale, plotting with annotations ).</a:t>
+            </a:r>
+          </a:p>
+          <a:p>
+            <a:pPr algn="just"/>
+            <a:endParaRPr lang="en-IN" dirty="0">
+              <a:latin typeface="Times New Roman" panose="02020603050405020304" pitchFamily="18" charset="0"/>
+              <a:cs typeface="Times New Roman" panose="02020603050405020304" pitchFamily="18" charset="0"/>
+            </a:endParaRPr>
+          </a:p>
+        </p:txBody>
+      </p:sp>
+      <p:pic>
+        <p:nvPicPr>
+          <p:cNvPr id="1026" name="Picture 2" descr="Numpy">
+            <a:extLst>
+              <a:ext uri="{FF2B5EF4-FFF2-40B4-BE49-F238E27FC236}">
+                <a16:creationId xmlns:a16="http://schemas.microsoft.com/office/drawing/2014/main" id="{8DB08A7F-95AE-A7BD-3307-FB6C12C53EF8}"/>
+              </a:ext>
+            </a:extLst>
+          </p:cNvPr>
+          <p:cNvPicPr>
+            <a:picLocks noChangeAspect="1" noChangeArrowheads="1"/>
+          </p:cNvPicPr>
+          <p:nvPr/>
+        </p:nvPicPr>
+        <p:blipFill>
+          <a:blip r:embed="rId2">
+            <a:extLst>
+              <a:ext uri="{28A0092B-C50C-407E-A947-70E740481C1C}">
+                <a14:useLocalDpi xmlns:a14="http://schemas.microsoft.com/office/drawing/2010/main" val="0"/>
+              </a:ext>
+            </a:extLst>
+          </a:blip>
+          <a:srcRect/>
+          <a:stretch>
+            <a:fillRect/>
+          </a:stretch>
+        </p:blipFill>
+        <p:spPr bwMode="auto">
+          <a:xfrm>
+            <a:off x="1169365" y="4579371"/>
+            <a:ext cx="2143125" cy="2143125"/>
+          </a:xfrm>
+          <a:prstGeom prst="rect">
+            <a:avLst/>
+          </a:prstGeom>
+          <a:noFill/>
+          <a:extLst>
+            <a:ext uri="{909E8E84-426E-40DD-AFC4-6F175D3DCCD1}">
+              <a14:hiddenFill xmlns:a14="http://schemas.microsoft.com/office/drawing/2010/main">
+                <a:solidFill>
+                  <a:srgbClr val="FFFFFF"/>
+                </a:solidFill>
+              </a14:hiddenFill>
+            </a:ext>
+          </a:extLst>
+        </p:spPr>
+      </p:pic>
+      <p:pic>
+        <p:nvPicPr>
+          <p:cNvPr id="1034" name="Picture 10" descr="A Quick Introduction to the “Pandas” Python Library | by Adi ...">
+            <a:extLst>
+              <a:ext uri="{FF2B5EF4-FFF2-40B4-BE49-F238E27FC236}">
+                <a16:creationId xmlns:a16="http://schemas.microsoft.com/office/drawing/2014/main" id="{19AD9573-8CA2-A565-931C-968C27ABAFCB}"/>
+              </a:ext>
+            </a:extLst>
+          </p:cNvPr>
+          <p:cNvPicPr>
+            <a:picLocks noChangeAspect="1" noChangeArrowheads="1"/>
+          </p:cNvPicPr>
+          <p:nvPr/>
+        </p:nvPicPr>
+        <p:blipFill>
+          <a:blip r:embed="rId3">
+            <a:extLst>
+              <a:ext uri="{28A0092B-C50C-407E-A947-70E740481C1C}">
+                <a14:useLocalDpi xmlns:a14="http://schemas.microsoft.com/office/drawing/2010/main" val="0"/>
+              </a:ext>
+            </a:extLst>
+          </a:blip>
+          <a:srcRect/>
+          <a:stretch>
+            <a:fillRect/>
+          </a:stretch>
+        </p:blipFill>
+        <p:spPr bwMode="auto">
+          <a:xfrm>
+            <a:off x="4579996" y="4904841"/>
+            <a:ext cx="3032007" cy="1674392"/>
+          </a:xfrm>
+          <a:prstGeom prst="rect">
+            <a:avLst/>
+          </a:prstGeom>
+          <a:noFill/>
+          <a:extLst>
+            <a:ext uri="{909E8E84-426E-40DD-AFC4-6F175D3DCCD1}">
+              <a14:hiddenFill xmlns:a14="http://schemas.microsoft.com/office/drawing/2010/main">
+                <a:solidFill>
+                  <a:srgbClr val="FFFFFF"/>
+                </a:solidFill>
+              </a14:hiddenFill>
+            </a:ext>
+          </a:extLst>
+        </p:spPr>
+      </p:pic>
+      <p:pic>
+        <p:nvPicPr>
+          <p:cNvPr id="1038" name="Picture 14" descr="Customising figures in Matplotlib">
+            <a:extLst>
+              <a:ext uri="{FF2B5EF4-FFF2-40B4-BE49-F238E27FC236}">
+                <a16:creationId xmlns:a16="http://schemas.microsoft.com/office/drawing/2014/main" id="{E74E2969-F721-C850-38E7-7270F7A9BD92}"/>
+              </a:ext>
+            </a:extLst>
+          </p:cNvPr>
+          <p:cNvPicPr>
+            <a:picLocks noChangeAspect="1" noChangeArrowheads="1"/>
+          </p:cNvPicPr>
+          <p:nvPr/>
+        </p:nvPicPr>
+        <p:blipFill>
+          <a:blip r:embed="rId4">
+            <a:extLst>
+              <a:ext uri="{28A0092B-C50C-407E-A947-70E740481C1C}">
+                <a14:useLocalDpi xmlns:a14="http://schemas.microsoft.com/office/drawing/2010/main" val="0"/>
+              </a:ext>
+            </a:extLst>
+          </a:blip>
+          <a:srcRect/>
+          <a:stretch>
+            <a:fillRect/>
+          </a:stretch>
+        </p:blipFill>
+        <p:spPr bwMode="auto">
+          <a:xfrm>
+            <a:off x="8132216" y="5331990"/>
+            <a:ext cx="3705225" cy="1228725"/>
+          </a:xfrm>
+          <a:prstGeom prst="rect">
+            <a:avLst/>
+          </a:prstGeom>
+          <a:noFill/>
+          <a:extLst>
+            <a:ext uri="{909E8E84-426E-40DD-AFC4-6F175D3DCCD1}">
+              <a14:hiddenFill xmlns:a14="http://schemas.microsoft.com/office/drawing/2010/main">
+                <a:solidFill>
+                  <a:srgbClr val="FFFFFF"/>
+                </a:solidFill>
+              </a14:hiddenFill>
+            </a:ext>
+          </a:extLst>
+        </p:spPr>
+      </p:pic>
+    </p:spTree>
+    <p:extLst>
+      <p:ext uri="{BB962C8B-B14F-4D97-AF65-F5344CB8AC3E}">
+        <p14:creationId xmlns:p14="http://schemas.microsoft.com/office/powerpoint/2010/main" val="616108319"/>
+      </p:ext>
+    </p:extLst>
+  </p:cSld>
+  <p:clrMapOvr>
+    <a:masterClrMapping/>
+  </p:clrMapOvr>
+</p:sld>
+</file>
+
+<file path=ppt/slides/slide5.xml><?xml version="1.0" encoding="utf-8"?>
+<p:sld xmlns:a="http://schemas.openxmlformats.org/drawingml/2006/main" xmlns:r="http://schemas.openxmlformats.org/officeDocument/2006/relationships" xmlns:p="http://schemas.openxmlformats.org/presentationml/2006/main">
+  <p:cSld>
+    <p:spTree>
+      <p:nvGrpSpPr>
+        <p:cNvPr id="1" name="">
+          <a:extLst>
+            <a:ext uri="{FF2B5EF4-FFF2-40B4-BE49-F238E27FC236}">
+              <a16:creationId xmlns:a16="http://schemas.microsoft.com/office/drawing/2014/main" id="{881232BE-C280-3095-ED6C-BC7371ADA674}"/>
+            </a:ext>
+          </a:extLst>
+        </p:cNvPr>
+        <p:cNvGrpSpPr/>
+        <p:nvPr/>
+      </p:nvGrpSpPr>
+      <p:grpSpPr>
+        <a:xfrm>
+          <a:off x="0" y="0"/>
+          <a:ext cx="0" cy="0"/>
+          <a:chOff x="0" y="0"/>
+          <a:chExt cx="0" cy="0"/>
+        </a:xfrm>
+      </p:grpSpPr>
+      <p:sp>
+        <p:nvSpPr>
+          <p:cNvPr id="4" name="TextBox 3">
+            <a:extLst>
+              <a:ext uri="{FF2B5EF4-FFF2-40B4-BE49-F238E27FC236}">
+                <a16:creationId xmlns:a16="http://schemas.microsoft.com/office/drawing/2014/main" id="{30576670-D813-910C-A301-BB56C3B2D5BD}"/>
+              </a:ext>
+            </a:extLst>
+          </p:cNvPr>
+          <p:cNvSpPr txBox="1"/>
+          <p:nvPr/>
+        </p:nvSpPr>
+        <p:spPr>
+          <a:xfrm>
+            <a:off x="1253447" y="369870"/>
+            <a:ext cx="10572108" cy="3170099"/>
+          </a:xfrm>
+          <a:prstGeom prst="rect">
+            <a:avLst/>
+          </a:prstGeom>
+          <a:noFill/>
+        </p:spPr>
+        <p:txBody>
+          <a:bodyPr wrap="square" rtlCol="0">
+            <a:spAutoFit/>
+          </a:bodyPr>
+          <a:lstStyle/>
+          <a:p>
+            <a:pPr algn="just"/>
+            <a:r>
+              <a:rPr lang="en-US" sz="2000" b="1" dirty="0">
+                <a:solidFill>
+                  <a:srgbClr val="FF0000"/>
+                </a:solidFill>
+                <a:latin typeface="Times New Roman" panose="02020603050405020304" pitchFamily="18" charset="0"/>
+                <a:cs typeface="Times New Roman" panose="02020603050405020304" pitchFamily="18" charset="0"/>
+              </a:rPr>
+              <a:t>LIBRARIES LEARNED DURING THIS INTERNSHIP :</a:t>
+            </a:r>
+          </a:p>
+          <a:p>
+            <a:pPr algn="just"/>
+            <a:endParaRPr lang="en-IN" dirty="0">
+              <a:latin typeface="Times New Roman" panose="02020603050405020304" pitchFamily="18" charset="0"/>
+              <a:cs typeface="Times New Roman" panose="02020603050405020304" pitchFamily="18" charset="0"/>
+            </a:endParaRPr>
+          </a:p>
+          <a:p>
+            <a:pPr algn="just"/>
+            <a:r>
+              <a:rPr lang="en-IN" dirty="0">
+                <a:latin typeface="Times New Roman" panose="02020603050405020304" pitchFamily="18" charset="0"/>
+                <a:cs typeface="Times New Roman" panose="02020603050405020304" pitchFamily="18" charset="0"/>
+              </a:rPr>
+              <a:t>4. Data Visualization – SEABORN</a:t>
+            </a:r>
+          </a:p>
+          <a:p>
+            <a:pPr algn="just"/>
+            <a:r>
+              <a:rPr lang="en-IN" dirty="0">
+                <a:latin typeface="Times New Roman" panose="02020603050405020304" pitchFamily="18" charset="0"/>
+                <a:cs typeface="Times New Roman" panose="02020603050405020304" pitchFamily="18" charset="0"/>
+              </a:rPr>
+              <a:t>		Used for creating visually appealing, statistically focused plots with minimal code.</a:t>
+            </a:r>
+          </a:p>
+          <a:p>
+            <a:pPr algn="just"/>
+            <a:r>
+              <a:rPr lang="en-IN" dirty="0">
+                <a:latin typeface="Times New Roman" panose="02020603050405020304" pitchFamily="18" charset="0"/>
+                <a:cs typeface="Times New Roman" panose="02020603050405020304" pitchFamily="18" charset="0"/>
+              </a:rPr>
+              <a:t> </a:t>
+            </a:r>
+          </a:p>
+          <a:p>
+            <a:pPr algn="just"/>
+            <a:r>
+              <a:rPr lang="en-IN" dirty="0">
+                <a:latin typeface="Times New Roman" panose="02020603050405020304" pitchFamily="18" charset="0"/>
+                <a:cs typeface="Times New Roman" panose="02020603050405020304" pitchFamily="18" charset="0"/>
+              </a:rPr>
+              <a:t>5. Deep learning Image Processing – OPENCV</a:t>
+            </a:r>
+          </a:p>
+          <a:p>
+            <a:pPr algn="just"/>
+            <a:r>
+              <a:rPr lang="en-IN" dirty="0">
+                <a:latin typeface="Times New Roman" panose="02020603050405020304" pitchFamily="18" charset="0"/>
+                <a:cs typeface="Times New Roman" panose="02020603050405020304" pitchFamily="18" charset="0"/>
+              </a:rPr>
+              <a:t>		Digitizing and Executing images with the help of vision framework/libraries.</a:t>
+            </a:r>
+          </a:p>
+          <a:p>
+            <a:pPr algn="just"/>
+            <a:endParaRPr lang="en-IN" dirty="0">
+              <a:latin typeface="Times New Roman" panose="02020603050405020304" pitchFamily="18" charset="0"/>
+              <a:cs typeface="Times New Roman" panose="02020603050405020304" pitchFamily="18" charset="0"/>
+            </a:endParaRPr>
+          </a:p>
+          <a:p>
+            <a:pPr algn="just"/>
+            <a:r>
+              <a:rPr lang="en-IN" dirty="0">
+                <a:latin typeface="Times New Roman" panose="02020603050405020304" pitchFamily="18" charset="0"/>
+                <a:cs typeface="Times New Roman" panose="02020603050405020304" pitchFamily="18" charset="0"/>
+              </a:rPr>
+              <a:t>6. Deep Learning Video Processing – OPENCV </a:t>
+            </a:r>
+          </a:p>
+          <a:p>
+            <a:pPr algn="just"/>
+            <a:r>
+              <a:rPr lang="en-IN" dirty="0">
+                <a:latin typeface="Times New Roman" panose="02020603050405020304" pitchFamily="18" charset="0"/>
+                <a:cs typeface="Times New Roman" panose="02020603050405020304" pitchFamily="18" charset="0"/>
+              </a:rPr>
+              <a:t>		Digitizing and Executing videos with the help of vision framework/libraries.</a:t>
+            </a:r>
+          </a:p>
+          <a:p>
+            <a:pPr algn="just"/>
+            <a:endParaRPr lang="en-IN" dirty="0">
+              <a:latin typeface="Times New Roman" panose="02020603050405020304" pitchFamily="18" charset="0"/>
+              <a:cs typeface="Times New Roman" panose="02020603050405020304" pitchFamily="18" charset="0"/>
+            </a:endParaRPr>
+          </a:p>
+        </p:txBody>
+      </p:sp>
+      <p:pic>
+        <p:nvPicPr>
+          <p:cNvPr id="2050" name="Picture 2" descr="seaborn · PyPI">
+            <a:extLst>
+              <a:ext uri="{FF2B5EF4-FFF2-40B4-BE49-F238E27FC236}">
+                <a16:creationId xmlns:a16="http://schemas.microsoft.com/office/drawing/2014/main" id="{A1533061-471B-7683-54BC-25A508C9B954}"/>
+              </a:ext>
+            </a:extLst>
+          </p:cNvPr>
+          <p:cNvPicPr>
+            <a:picLocks noChangeAspect="1" noChangeArrowheads="1"/>
+          </p:cNvPicPr>
+          <p:nvPr/>
+        </p:nvPicPr>
+        <p:blipFill>
+          <a:blip r:embed="rId2">
+            <a:extLst>
+              <a:ext uri="{28A0092B-C50C-407E-A947-70E740481C1C}">
+                <a14:useLocalDpi xmlns:a14="http://schemas.microsoft.com/office/drawing/2010/main" val="0"/>
+              </a:ext>
+            </a:extLst>
+          </a:blip>
+          <a:srcRect/>
+          <a:stretch>
+            <a:fillRect/>
+          </a:stretch>
+        </p:blipFill>
+        <p:spPr bwMode="auto">
+          <a:xfrm>
+            <a:off x="1384081" y="4255376"/>
+            <a:ext cx="4000500" cy="1143000"/>
+          </a:xfrm>
+          <a:prstGeom prst="rect">
+            <a:avLst/>
+          </a:prstGeom>
+          <a:noFill/>
+          <a:extLst>
+            <a:ext uri="{909E8E84-426E-40DD-AFC4-6F175D3DCCD1}">
+              <a14:hiddenFill xmlns:a14="http://schemas.microsoft.com/office/drawing/2010/main">
+                <a:solidFill>
+                  <a:srgbClr val="FFFFFF"/>
+                </a:solidFill>
+              </a14:hiddenFill>
+            </a:ext>
+          </a:extLst>
+        </p:spPr>
+      </p:pic>
+      <p:pic>
+        <p:nvPicPr>
+          <p:cNvPr id="2052" name="Picture 4" descr="OpenCV - Wikipedia">
+            <a:extLst>
+              <a:ext uri="{FF2B5EF4-FFF2-40B4-BE49-F238E27FC236}">
+                <a16:creationId xmlns:a16="http://schemas.microsoft.com/office/drawing/2014/main" id="{8F3A82E3-81B0-4CA1-C0BB-CEEFD980D22E}"/>
+              </a:ext>
+            </a:extLst>
+          </p:cNvPr>
+          <p:cNvPicPr>
+            <a:picLocks noChangeAspect="1" noChangeArrowheads="1"/>
+          </p:cNvPicPr>
+          <p:nvPr/>
+        </p:nvPicPr>
+        <p:blipFill>
+          <a:blip r:embed="rId3">
+            <a:extLst>
+              <a:ext uri="{28A0092B-C50C-407E-A947-70E740481C1C}">
+                <a14:useLocalDpi xmlns:a14="http://schemas.microsoft.com/office/drawing/2010/main" val="0"/>
+              </a:ext>
+            </a:extLst>
+          </a:blip>
+          <a:srcRect/>
+          <a:stretch>
+            <a:fillRect/>
+          </a:stretch>
+        </p:blipFill>
+        <p:spPr bwMode="auto">
+          <a:xfrm>
+            <a:off x="7698499" y="3641013"/>
+            <a:ext cx="1924050" cy="2371725"/>
+          </a:xfrm>
+          <a:prstGeom prst="rect">
+            <a:avLst/>
+          </a:prstGeom>
+          <a:noFill/>
+          <a:extLst>
+            <a:ext uri="{909E8E84-426E-40DD-AFC4-6F175D3DCCD1}">
+              <a14:hiddenFill xmlns:a14="http://schemas.microsoft.com/office/drawing/2010/main">
+                <a:solidFill>
+                  <a:srgbClr val="FFFFFF"/>
+                </a:solidFill>
+              </a14:hiddenFill>
+            </a:ext>
+          </a:extLst>
+        </p:spPr>
+      </p:pic>
+    </p:spTree>
+    <p:extLst>
+      <p:ext uri="{BB962C8B-B14F-4D97-AF65-F5344CB8AC3E}">
+        <p14:creationId xmlns:p14="http://schemas.microsoft.com/office/powerpoint/2010/main" val="4044325002"/>
+      </p:ext>
+    </p:extLst>
+  </p:cSld>
+  <p:clrMapOvr>
+    <a:masterClrMapping/>
+  </p:clrMapOvr>
+</p:sld>
+</file>
+
+<file path=ppt/slides/slide6.xml><?xml version="1.0" encoding="utf-8"?>
+<p:sld xmlns:a="http://schemas.openxmlformats.org/drawingml/2006/main" xmlns:r="http://schemas.openxmlformats.org/officeDocument/2006/relationships" xmlns:p="http://schemas.openxmlformats.org/presentationml/2006/main">
+  <p:cSld>
+    <p:spTree>
+      <p:nvGrpSpPr>
+        <p:cNvPr id="1" name=""/>
+        <p:cNvGrpSpPr/>
+        <p:nvPr/>
+      </p:nvGrpSpPr>
+      <p:grpSpPr>
+        <a:xfrm>
+          <a:off x="0" y="0"/>
+          <a:ext cx="0" cy="0"/>
+          <a:chOff x="0" y="0"/>
+          <a:chExt cx="0" cy="0"/>
+        </a:xfrm>
+      </p:grpSpPr>
+      <p:sp>
+        <p:nvSpPr>
+          <p:cNvPr id="4" name="TextBox 3">
+            <a:extLst>
+              <a:ext uri="{FF2B5EF4-FFF2-40B4-BE49-F238E27FC236}">
+                <a16:creationId xmlns:a16="http://schemas.microsoft.com/office/drawing/2014/main" id="{5402125E-EF5E-D75D-E025-7E228A6EF67E}"/>
+              </a:ext>
+            </a:extLst>
+          </p:cNvPr>
+          <p:cNvSpPr txBox="1"/>
+          <p:nvPr/>
+        </p:nvSpPr>
+        <p:spPr>
+          <a:xfrm>
+            <a:off x="924910" y="609600"/>
+            <a:ext cx="10226566" cy="2000548"/>
+          </a:xfrm>
+          <a:prstGeom prst="rect">
+            <a:avLst/>
+          </a:prstGeom>
+          <a:noFill/>
+        </p:spPr>
+        <p:txBody>
+          <a:bodyPr wrap="square" rtlCol="0">
+            <a:spAutoFit/>
+          </a:bodyPr>
+          <a:lstStyle/>
+          <a:p>
+            <a:pPr algn="ctr"/>
+            <a:r>
+              <a:rPr lang="en-IN" sz="2400" dirty="0">
+                <a:solidFill>
+                  <a:srgbClr val="FF0000"/>
+                </a:solidFill>
+                <a:latin typeface="Times New Roman" panose="02020603050405020304" pitchFamily="18" charset="0"/>
+                <a:cs typeface="Times New Roman" panose="02020603050405020304" pitchFamily="18" charset="0"/>
+              </a:rPr>
+              <a:t>GITHUB :</a:t>
+            </a:r>
+          </a:p>
+          <a:p>
+            <a:pPr algn="ctr"/>
+            <a:endParaRPr lang="en-IN" sz="2000" dirty="0">
+              <a:latin typeface="Times New Roman" panose="02020603050405020304" pitchFamily="18" charset="0"/>
+              <a:cs typeface="Times New Roman" panose="02020603050405020304" pitchFamily="18" charset="0"/>
+            </a:endParaRPr>
+          </a:p>
+          <a:p>
+            <a:pPr algn="ctr"/>
+            <a:r>
+              <a:rPr lang="en-US" sz="2000" dirty="0">
+                <a:latin typeface="Times New Roman" panose="02020603050405020304" pitchFamily="18" charset="0"/>
+                <a:cs typeface="Times New Roman" panose="02020603050405020304" pitchFamily="18" charset="0"/>
+              </a:rPr>
+              <a:t>I have learned how to effectively use GitHub for pushing documents, editing files, and updating repositories. I also gained experience in creating and managing README files to provide essential project information. This knowledge has helped streamline collaborative development and version management.</a:t>
+            </a:r>
+            <a:endParaRPr lang="en-IN" sz="2000" dirty="0">
+              <a:latin typeface="Times New Roman" panose="02020603050405020304" pitchFamily="18" charset="0"/>
+              <a:cs typeface="Times New Roman" panose="02020603050405020304" pitchFamily="18" charset="0"/>
+            </a:endParaRPr>
+          </a:p>
+        </p:txBody>
+      </p:sp>
+      <p:pic>
+        <p:nvPicPr>
+          <p:cNvPr id="3076" name="Picture 4" descr="18 GitHub Repositories You Need to Star Right Now ...">
+            <a:extLst>
+              <a:ext uri="{FF2B5EF4-FFF2-40B4-BE49-F238E27FC236}">
+                <a16:creationId xmlns:a16="http://schemas.microsoft.com/office/drawing/2014/main" id="{2B372C12-6B43-D41E-9871-EAC899ED1CC1}"/>
+              </a:ext>
+            </a:extLst>
+          </p:cNvPr>
+          <p:cNvPicPr>
+            <a:picLocks noChangeAspect="1" noChangeArrowheads="1"/>
+          </p:cNvPicPr>
+          <p:nvPr/>
+        </p:nvPicPr>
+        <p:blipFill>
+          <a:blip r:embed="rId2">
+            <a:extLst>
+              <a:ext uri="{28A0092B-C50C-407E-A947-70E740481C1C}">
+                <a14:useLocalDpi xmlns:a14="http://schemas.microsoft.com/office/drawing/2010/main" val="0"/>
+              </a:ext>
+            </a:extLst>
+          </a:blip>
+          <a:srcRect/>
+          <a:stretch>
+            <a:fillRect/>
+          </a:stretch>
+        </p:blipFill>
+        <p:spPr bwMode="auto">
+          <a:xfrm>
+            <a:off x="4133439" y="3443284"/>
+            <a:ext cx="3925122" cy="2260382"/>
+          </a:xfrm>
+          <a:prstGeom prst="roundRect">
+            <a:avLst>
+              <a:gd name="adj" fmla="val 8594"/>
+            </a:avLst>
+          </a:prstGeom>
+          <a:solidFill>
+            <a:srgbClr val="FFFFFF">
+              <a:shade val="85000"/>
+            </a:srgbClr>
+          </a:solidFill>
+          <a:ln>
+            <a:noFill/>
+          </a:ln>
+          <a:effectLst>
+            <a:reflection blurRad="12700" stA="38000" endPos="28000" dist="5000" dir="5400000" sy="-100000" algn="bl" rotWithShape="0"/>
+          </a:effectLst>
+          <a:extLst>
+            <a:ext uri="{909E8E84-426E-40DD-AFC4-6F175D3DCCD1}">
+              <a14:hiddenFill xmlns:a14="http://schemas.microsoft.com/office/drawing/2010/main">
+                <a:solidFill>
+                  <a:srgbClr val="FFFFFF"/>
+                </a:solidFill>
+              </a14:hiddenFill>
+            </a:ext>
+          </a:extLst>
+        </p:spPr>
+      </p:pic>
+    </p:spTree>
+    <p:extLst>
+      <p:ext uri="{BB962C8B-B14F-4D97-AF65-F5344CB8AC3E}">
+        <p14:creationId xmlns:p14="http://schemas.microsoft.com/office/powerpoint/2010/main" val="2188911682"/>
+      </p:ext>
+    </p:extLst>
+  </p:cSld>
+  <p:clrMapOvr>
+    <a:masterClrMapping/>
+  </p:clrMapOvr>
+</p:sld>
+</file>
+
+<file path=ppt/slides/slide7.xml><?xml version="1.0" encoding="utf-8"?>
+<p:sld xmlns:a="http://schemas.openxmlformats.org/drawingml/2006/main" xmlns:r="http://schemas.openxmlformats.org/officeDocument/2006/relationships" xmlns:p="http://schemas.openxmlformats.org/presentationml/2006/main">
+  <p:cSld>
+    <p:spTree>
+      <p:nvGrpSpPr>
+        <p:cNvPr id="1" name=""/>
+        <p:cNvGrpSpPr/>
+        <p:nvPr/>
+      </p:nvGrpSpPr>
+      <p:grpSpPr>
+        <a:xfrm>
+          <a:off x="0" y="0"/>
+          <a:ext cx="0" cy="0"/>
+          <a:chOff x="0" y="0"/>
+          <a:chExt cx="0" cy="0"/>
+        </a:xfrm>
+      </p:grpSpPr>
+      <p:sp>
+        <p:nvSpPr>
+          <p:cNvPr id="4" name="TextBox 3">
+            <a:extLst>
+              <a:ext uri="{FF2B5EF4-FFF2-40B4-BE49-F238E27FC236}">
+                <a16:creationId xmlns:a16="http://schemas.microsoft.com/office/drawing/2014/main" id="{EF749725-09DD-FE6A-FB4E-84141CFD7B42}"/>
+              </a:ext>
+            </a:extLst>
+          </p:cNvPr>
+          <p:cNvSpPr txBox="1"/>
+          <p:nvPr/>
+        </p:nvSpPr>
+        <p:spPr>
+          <a:xfrm>
+            <a:off x="909440" y="147024"/>
+            <a:ext cx="10705672" cy="6973769"/>
+          </a:xfrm>
+          <a:prstGeom prst="rect">
+            <a:avLst/>
+          </a:prstGeom>
+          <a:noFill/>
+        </p:spPr>
+        <p:txBody>
+          <a:bodyPr wrap="square" rtlCol="0">
+            <a:spAutoFit/>
+          </a:bodyPr>
+          <a:lstStyle/>
+          <a:p>
+            <a:pPr algn="just">
+              <a:lnSpc>
+                <a:spcPct val="107000"/>
+              </a:lnSpc>
+              <a:spcAft>
+                <a:spcPts val="800"/>
+              </a:spcAft>
+            </a:pPr>
+            <a:r>
+              <a:rPr lang="en-IN" sz="2800" b="1" kern="100" dirty="0">
+                <a:solidFill>
+                  <a:srgbClr val="FF0000"/>
+                </a:solidFill>
+                <a:effectLst/>
+                <a:latin typeface="Times New Roman" panose="02020603050405020304" pitchFamily="18" charset="0"/>
+                <a:ea typeface="Calibri" panose="020F0502020204030204" pitchFamily="34" charset="0"/>
+                <a:cs typeface="Times New Roman" panose="02020603050405020304" pitchFamily="18" charset="0"/>
+              </a:rPr>
+              <a:t>PROJECT WORK :  </a:t>
+            </a:r>
+            <a:r>
+              <a:rPr lang="en-IN" sz="2800" b="1" u="sng" kern="100" dirty="0">
+                <a:effectLst/>
+                <a:latin typeface="Times New Roman" panose="02020603050405020304" pitchFamily="18" charset="0"/>
+                <a:ea typeface="Calibri" panose="020F0502020204030204" pitchFamily="34" charset="0"/>
+                <a:cs typeface="Times New Roman" panose="02020603050405020304" pitchFamily="18" charset="0"/>
+              </a:rPr>
+              <a:t>BIG MART SALES DATA ANALYSIS</a:t>
+            </a:r>
+          </a:p>
+          <a:p>
+            <a:pPr algn="just">
+              <a:lnSpc>
+                <a:spcPct val="107000"/>
+              </a:lnSpc>
+              <a:spcAft>
+                <a:spcPts val="800"/>
+              </a:spcAft>
+            </a:pPr>
+            <a:endParaRPr lang="en-IN" sz="2000" kern="100" dirty="0">
+              <a:effectLst/>
+              <a:latin typeface="Times New Roman" panose="02020603050405020304" pitchFamily="18" charset="0"/>
+              <a:ea typeface="Calibri" panose="020F0502020204030204" pitchFamily="34" charset="0"/>
+              <a:cs typeface="Times New Roman" panose="02020603050405020304" pitchFamily="18" charset="0"/>
+            </a:endParaRPr>
+          </a:p>
+          <a:p>
+            <a:pPr algn="just">
+              <a:lnSpc>
+                <a:spcPct val="107000"/>
+              </a:lnSpc>
+              <a:spcAft>
+                <a:spcPts val="800"/>
+              </a:spcAft>
+            </a:pPr>
+            <a:r>
+              <a:rPr lang="en-IN" sz="2000" kern="100" dirty="0">
+                <a:effectLst/>
+                <a:latin typeface="Times New Roman" panose="02020603050405020304" pitchFamily="18" charset="0"/>
+                <a:ea typeface="Calibri" panose="020F0502020204030204" pitchFamily="34" charset="0"/>
+                <a:cs typeface="Times New Roman" panose="02020603050405020304" pitchFamily="18" charset="0"/>
+              </a:rPr>
+              <a:t>The project aims to </a:t>
+            </a:r>
+            <a:r>
+              <a:rPr lang="en-IN" sz="2000" kern="100" dirty="0" err="1">
+                <a:effectLst/>
+                <a:latin typeface="Times New Roman" panose="02020603050405020304" pitchFamily="18" charset="0"/>
+                <a:ea typeface="Calibri" panose="020F0502020204030204" pitchFamily="34" charset="0"/>
+                <a:cs typeface="Times New Roman" panose="02020603050405020304" pitchFamily="18" charset="0"/>
+              </a:rPr>
+              <a:t>analyze</a:t>
+            </a:r>
+            <a:r>
+              <a:rPr lang="en-IN" sz="2000" kern="100" dirty="0">
+                <a:effectLst/>
+                <a:latin typeface="Times New Roman" panose="02020603050405020304" pitchFamily="18" charset="0"/>
+                <a:ea typeface="Calibri" panose="020F0502020204030204" pitchFamily="34" charset="0"/>
+                <a:cs typeface="Times New Roman" panose="02020603050405020304" pitchFamily="18" charset="0"/>
+              </a:rPr>
+              <a:t> sales data from Big Mart to uncover key insights, extract meaningful information, and interpret findings to guide stakeholders in making data-driven decisions.</a:t>
+            </a:r>
+          </a:p>
+          <a:p>
+            <a:pPr algn="just"/>
+            <a:endParaRPr lang="en-IN" sz="2000" dirty="0">
+              <a:latin typeface="Times New Roman" panose="02020603050405020304" pitchFamily="18" charset="0"/>
+              <a:cs typeface="Times New Roman" panose="02020603050405020304" pitchFamily="18" charset="0"/>
+            </a:endParaRPr>
+          </a:p>
+          <a:p>
+            <a:pPr algn="just">
+              <a:lnSpc>
+                <a:spcPct val="107000"/>
+              </a:lnSpc>
+              <a:spcAft>
+                <a:spcPts val="800"/>
+              </a:spcAft>
+            </a:pPr>
+            <a:r>
+              <a:rPr lang="en-IN" sz="2400" b="1" kern="100" dirty="0">
+                <a:effectLst/>
+                <a:latin typeface="Times New Roman" panose="02020603050405020304" pitchFamily="18" charset="0"/>
+                <a:ea typeface="Calibri" panose="020F0502020204030204" pitchFamily="34" charset="0"/>
+                <a:cs typeface="Times New Roman" panose="02020603050405020304" pitchFamily="18" charset="0"/>
+              </a:rPr>
+              <a:t>Problem Statement :</a:t>
+            </a:r>
+            <a:endParaRPr lang="en-IN" sz="2400" kern="100" dirty="0">
+              <a:effectLst/>
+              <a:latin typeface="Times New Roman" panose="02020603050405020304" pitchFamily="18" charset="0"/>
+              <a:ea typeface="Calibri" panose="020F0502020204030204" pitchFamily="34" charset="0"/>
+              <a:cs typeface="Times New Roman" panose="02020603050405020304" pitchFamily="18" charset="0"/>
+            </a:endParaRPr>
+          </a:p>
+          <a:p>
+            <a:pPr algn="just">
+              <a:lnSpc>
+                <a:spcPct val="107000"/>
+              </a:lnSpc>
+              <a:spcAft>
+                <a:spcPts val="800"/>
+              </a:spcAft>
+            </a:pPr>
+            <a:r>
+              <a:rPr lang="en-IN" sz="2000" kern="100" dirty="0">
+                <a:effectLst/>
+                <a:latin typeface="Times New Roman" panose="02020603050405020304" pitchFamily="18" charset="0"/>
+                <a:ea typeface="Calibri" panose="020F0502020204030204" pitchFamily="34" charset="0"/>
+                <a:cs typeface="Times New Roman" panose="02020603050405020304" pitchFamily="18" charset="0"/>
+              </a:rPr>
+              <a:t>Big Mart is a chain of retail outlets aiming to maximize its sales and profitability. The management has collected detailed data from 2013 on 1,559 products sold across 10 different stores in various cities. The dataset includes attributes related to the products, the outlets, and their sales performance.</a:t>
+            </a:r>
+          </a:p>
+          <a:p>
+            <a:pPr algn="just">
+              <a:lnSpc>
+                <a:spcPct val="107000"/>
+              </a:lnSpc>
+              <a:spcAft>
+                <a:spcPts val="800"/>
+              </a:spcAft>
+            </a:pPr>
+            <a:endParaRPr lang="en-IN" sz="2000" kern="100" dirty="0">
+              <a:effectLst/>
+              <a:latin typeface="Times New Roman" panose="02020603050405020304" pitchFamily="18" charset="0"/>
+              <a:ea typeface="Calibri" panose="020F0502020204030204" pitchFamily="34" charset="0"/>
+              <a:cs typeface="Times New Roman" panose="02020603050405020304" pitchFamily="18" charset="0"/>
+            </a:endParaRPr>
+          </a:p>
+          <a:p>
+            <a:pPr algn="just">
+              <a:lnSpc>
+                <a:spcPct val="107000"/>
+              </a:lnSpc>
+              <a:spcAft>
+                <a:spcPts val="800"/>
+              </a:spcAft>
+            </a:pPr>
+            <a:r>
+              <a:rPr lang="en-IN" sz="2000" kern="100" dirty="0">
+                <a:effectLst/>
+                <a:latin typeface="Times New Roman" panose="02020603050405020304" pitchFamily="18" charset="0"/>
+                <a:ea typeface="Calibri" panose="020F0502020204030204" pitchFamily="34" charset="0"/>
+                <a:cs typeface="Times New Roman" panose="02020603050405020304" pitchFamily="18" charset="0"/>
+              </a:rPr>
+              <a:t>The key objectives of this project are:</a:t>
+            </a:r>
+          </a:p>
+          <a:p>
+            <a:pPr marL="342900" lvl="0" indent="-342900" algn="just">
+              <a:lnSpc>
+                <a:spcPct val="107000"/>
+              </a:lnSpc>
+              <a:spcAft>
+                <a:spcPts val="800"/>
+              </a:spcAft>
+              <a:buFont typeface="+mj-lt"/>
+              <a:buAutoNum type="arabicPeriod"/>
+              <a:tabLst>
+                <a:tab pos="457200" algn="l"/>
+              </a:tabLst>
+            </a:pPr>
+            <a:r>
+              <a:rPr lang="en-IN" sz="2000" kern="100" dirty="0">
+                <a:effectLst/>
+                <a:latin typeface="Times New Roman" panose="02020603050405020304" pitchFamily="18" charset="0"/>
+                <a:ea typeface="Calibri" panose="020F0502020204030204" pitchFamily="34" charset="0"/>
+                <a:cs typeface="Times New Roman" panose="02020603050405020304" pitchFamily="18" charset="0"/>
+              </a:rPr>
+              <a:t>To </a:t>
+            </a:r>
+            <a:r>
+              <a:rPr lang="en-IN" sz="2000" b="1" kern="100" dirty="0" err="1">
+                <a:effectLst/>
+                <a:latin typeface="Times New Roman" panose="02020603050405020304" pitchFamily="18" charset="0"/>
+                <a:ea typeface="Calibri" panose="020F0502020204030204" pitchFamily="34" charset="0"/>
+                <a:cs typeface="Times New Roman" panose="02020603050405020304" pitchFamily="18" charset="0"/>
+              </a:rPr>
+              <a:t>analyze</a:t>
+            </a:r>
+            <a:r>
+              <a:rPr lang="en-IN" sz="2000" b="1" kern="100" dirty="0">
+                <a:effectLst/>
+                <a:latin typeface="Times New Roman" panose="02020603050405020304" pitchFamily="18" charset="0"/>
+                <a:ea typeface="Calibri" panose="020F0502020204030204" pitchFamily="34" charset="0"/>
+                <a:cs typeface="Times New Roman" panose="02020603050405020304" pitchFamily="18" charset="0"/>
+              </a:rPr>
+              <a:t> sales trends and patterns</a:t>
+            </a:r>
+            <a:r>
+              <a:rPr lang="en-IN" sz="2000" kern="100" dirty="0">
+                <a:effectLst/>
+                <a:latin typeface="Times New Roman" panose="02020603050405020304" pitchFamily="18" charset="0"/>
+                <a:ea typeface="Calibri" panose="020F0502020204030204" pitchFamily="34" charset="0"/>
+                <a:cs typeface="Times New Roman" panose="02020603050405020304" pitchFamily="18" charset="0"/>
+              </a:rPr>
+              <a:t> across different products and stores.</a:t>
+            </a:r>
+          </a:p>
+          <a:p>
+            <a:pPr marL="342900" lvl="0" indent="-342900" algn="just">
+              <a:lnSpc>
+                <a:spcPct val="107000"/>
+              </a:lnSpc>
+              <a:spcAft>
+                <a:spcPts val="800"/>
+              </a:spcAft>
+              <a:buFont typeface="+mj-lt"/>
+              <a:buAutoNum type="arabicPeriod"/>
+              <a:tabLst>
+                <a:tab pos="457200" algn="l"/>
+              </a:tabLst>
+            </a:pPr>
+            <a:r>
+              <a:rPr lang="en-IN" sz="2000" kern="100" dirty="0">
+                <a:effectLst/>
+                <a:latin typeface="Times New Roman" panose="02020603050405020304" pitchFamily="18" charset="0"/>
+                <a:ea typeface="Calibri" panose="020F0502020204030204" pitchFamily="34" charset="0"/>
+                <a:cs typeface="Times New Roman" panose="02020603050405020304" pitchFamily="18" charset="0"/>
+              </a:rPr>
+              <a:t>To </a:t>
+            </a:r>
+            <a:r>
+              <a:rPr lang="en-IN" sz="2000" b="1" kern="100" dirty="0">
+                <a:effectLst/>
+                <a:latin typeface="Times New Roman" panose="02020603050405020304" pitchFamily="18" charset="0"/>
+                <a:ea typeface="Calibri" panose="020F0502020204030204" pitchFamily="34" charset="0"/>
+                <a:cs typeface="Times New Roman" panose="02020603050405020304" pitchFamily="18" charset="0"/>
+              </a:rPr>
+              <a:t>build a predictive model</a:t>
+            </a:r>
+            <a:r>
+              <a:rPr lang="en-IN" sz="2000" kern="100" dirty="0">
+                <a:effectLst/>
+                <a:latin typeface="Times New Roman" panose="02020603050405020304" pitchFamily="18" charset="0"/>
+                <a:ea typeface="Calibri" panose="020F0502020204030204" pitchFamily="34" charset="0"/>
+                <a:cs typeface="Times New Roman" panose="02020603050405020304" pitchFamily="18" charset="0"/>
+              </a:rPr>
+              <a:t> that estimates the outlet sales based on its characteristics and store attributes.</a:t>
+            </a:r>
+          </a:p>
+          <a:p>
+            <a:pPr marL="342900" lvl="0" indent="-342900" algn="just">
+              <a:lnSpc>
+                <a:spcPct val="107000"/>
+              </a:lnSpc>
+              <a:spcAft>
+                <a:spcPts val="800"/>
+              </a:spcAft>
+              <a:buFont typeface="+mj-lt"/>
+              <a:buAutoNum type="arabicPeriod"/>
+              <a:tabLst>
+                <a:tab pos="457200" algn="l"/>
+              </a:tabLst>
+            </a:pPr>
+            <a:r>
+              <a:rPr lang="en-IN" sz="2000" kern="100" dirty="0">
+                <a:effectLst/>
+                <a:latin typeface="Times New Roman" panose="02020603050405020304" pitchFamily="18" charset="0"/>
+                <a:ea typeface="Calibri" panose="020F0502020204030204" pitchFamily="34" charset="0"/>
+                <a:cs typeface="Times New Roman" panose="02020603050405020304" pitchFamily="18" charset="0"/>
+              </a:rPr>
+              <a:t>To </a:t>
+            </a:r>
+            <a:r>
+              <a:rPr lang="en-IN" sz="2000" b="1" kern="100" dirty="0">
+                <a:effectLst/>
+                <a:latin typeface="Times New Roman" panose="02020603050405020304" pitchFamily="18" charset="0"/>
+                <a:ea typeface="Calibri" panose="020F0502020204030204" pitchFamily="34" charset="0"/>
+                <a:cs typeface="Times New Roman" panose="02020603050405020304" pitchFamily="18" charset="0"/>
+              </a:rPr>
+              <a:t>Cluster the Outlet</a:t>
+            </a:r>
+            <a:r>
+              <a:rPr lang="en-IN" sz="2000" kern="100" dirty="0">
+                <a:effectLst/>
+                <a:latin typeface="Times New Roman" panose="02020603050405020304" pitchFamily="18" charset="0"/>
+                <a:ea typeface="Calibri" panose="020F0502020204030204" pitchFamily="34" charset="0"/>
+                <a:cs typeface="Times New Roman" panose="02020603050405020304" pitchFamily="18" charset="0"/>
+              </a:rPr>
+              <a:t> based on 'Weight', '</a:t>
+            </a:r>
+            <a:r>
+              <a:rPr lang="en-IN" sz="2000" kern="100" dirty="0" err="1">
+                <a:effectLst/>
+                <a:latin typeface="Times New Roman" panose="02020603050405020304" pitchFamily="18" charset="0"/>
+                <a:ea typeface="Calibri" panose="020F0502020204030204" pitchFamily="34" charset="0"/>
+                <a:cs typeface="Times New Roman" panose="02020603050405020304" pitchFamily="18" charset="0"/>
+              </a:rPr>
+              <a:t>ProductVisibility</a:t>
+            </a:r>
+            <a:r>
+              <a:rPr lang="en-IN" sz="2000" kern="100" dirty="0">
+                <a:effectLst/>
+                <a:latin typeface="Times New Roman" panose="02020603050405020304" pitchFamily="18" charset="0"/>
+                <a:ea typeface="Calibri" panose="020F0502020204030204" pitchFamily="34" charset="0"/>
+                <a:cs typeface="Times New Roman" panose="02020603050405020304" pitchFamily="18" charset="0"/>
+              </a:rPr>
+              <a:t>', 'MRP'.</a:t>
+            </a:r>
+          </a:p>
+          <a:p>
+            <a:pPr marL="342900" lvl="0" indent="-342900" algn="just">
+              <a:lnSpc>
+                <a:spcPct val="107000"/>
+              </a:lnSpc>
+              <a:spcAft>
+                <a:spcPts val="800"/>
+              </a:spcAft>
+              <a:buFont typeface="+mj-lt"/>
+              <a:buAutoNum type="arabicPeriod"/>
+              <a:tabLst>
+                <a:tab pos="457200" algn="l"/>
+              </a:tabLst>
+            </a:pPr>
+            <a:r>
+              <a:rPr lang="en-IN" sz="2000" kern="100" dirty="0">
+                <a:effectLst/>
+                <a:latin typeface="Times New Roman" panose="02020603050405020304" pitchFamily="18" charset="0"/>
+                <a:ea typeface="Calibri" panose="020F0502020204030204" pitchFamily="34" charset="0"/>
+                <a:cs typeface="Times New Roman" panose="02020603050405020304" pitchFamily="18" charset="0"/>
+              </a:rPr>
+              <a:t>To </a:t>
+            </a:r>
+            <a:r>
+              <a:rPr lang="en-IN" sz="2000" b="1" kern="100" dirty="0">
+                <a:effectLst/>
+                <a:latin typeface="Times New Roman" panose="02020603050405020304" pitchFamily="18" charset="0"/>
+                <a:ea typeface="Calibri" panose="020F0502020204030204" pitchFamily="34" charset="0"/>
+                <a:cs typeface="Times New Roman" panose="02020603050405020304" pitchFamily="18" charset="0"/>
+              </a:rPr>
+              <a:t>identify key factors</a:t>
+            </a:r>
+            <a:r>
+              <a:rPr lang="en-IN" sz="2000" kern="100" dirty="0">
+                <a:effectLst/>
+                <a:latin typeface="Times New Roman" panose="02020603050405020304" pitchFamily="18" charset="0"/>
+                <a:ea typeface="Calibri" panose="020F0502020204030204" pitchFamily="34" charset="0"/>
+                <a:cs typeface="Times New Roman" panose="02020603050405020304" pitchFamily="18" charset="0"/>
+              </a:rPr>
+              <a:t> influencing sales performance to assist in strategic decision-making.</a:t>
+            </a:r>
+          </a:p>
+          <a:p>
+            <a:pPr algn="just"/>
+            <a:endParaRPr lang="en-IN" sz="2000" dirty="0">
+              <a:latin typeface="Times New Roman" panose="02020603050405020304" pitchFamily="18" charset="0"/>
+              <a:cs typeface="Times New Roman" panose="02020603050405020304" pitchFamily="18" charset="0"/>
+            </a:endParaRPr>
+          </a:p>
+        </p:txBody>
+      </p:sp>
+    </p:spTree>
+    <p:extLst>
+      <p:ext uri="{BB962C8B-B14F-4D97-AF65-F5344CB8AC3E}">
+        <p14:creationId xmlns:p14="http://schemas.microsoft.com/office/powerpoint/2010/main" val="3922695421"/>
+      </p:ext>
+    </p:extLst>
+  </p:cSld>
+  <p:clrMapOvr>
+    <a:masterClrMapping/>
+  </p:clrMapOvr>
+</p:sld>
+</file>
+
+<file path=ppt/slides/slide8.xml><?xml version="1.0" encoding="utf-8"?>
+<p:sld xmlns:a="http://schemas.openxmlformats.org/drawingml/2006/main" xmlns:r="http://schemas.openxmlformats.org/officeDocument/2006/relationships" xmlns:p="http://schemas.openxmlformats.org/presentationml/2006/main">
+  <p:cSld>
+    <p:spTree>
+      <p:nvGrpSpPr>
+        <p:cNvPr id="1" name=""/>
+        <p:cNvGrpSpPr/>
+        <p:nvPr/>
+      </p:nvGrpSpPr>
+      <p:grpSpPr>
+        <a:xfrm>
+          <a:off x="0" y="0"/>
+          <a:ext cx="0" cy="0"/>
+          <a:chOff x="0" y="0"/>
+          <a:chExt cx="0" cy="0"/>
+        </a:xfrm>
+      </p:grpSpPr>
+      <p:sp>
+        <p:nvSpPr>
+          <p:cNvPr id="4" name="TextBox 3">
+            <a:extLst>
+              <a:ext uri="{FF2B5EF4-FFF2-40B4-BE49-F238E27FC236}">
+                <a16:creationId xmlns:a16="http://schemas.microsoft.com/office/drawing/2014/main" id="{57E7DA97-B15B-B403-708E-FBE2CE503CFA}"/>
+              </a:ext>
+            </a:extLst>
+          </p:cNvPr>
+          <p:cNvSpPr txBox="1"/>
+          <p:nvPr/>
+        </p:nvSpPr>
+        <p:spPr>
+          <a:xfrm>
+            <a:off x="1089061" y="678094"/>
+            <a:ext cx="2712377" cy="461665"/>
+          </a:xfrm>
+          <a:prstGeom prst="rect">
+            <a:avLst/>
+          </a:prstGeom>
+          <a:noFill/>
+        </p:spPr>
+        <p:txBody>
+          <a:bodyPr wrap="square" rtlCol="0">
+            <a:spAutoFit/>
+          </a:bodyPr>
+          <a:lstStyle/>
+          <a:p>
+            <a:r>
+              <a:rPr lang="en-US" sz="2400" b="1" dirty="0">
+                <a:latin typeface="Times New Roman" panose="02020603050405020304" pitchFamily="18" charset="0"/>
+                <a:cs typeface="Times New Roman" panose="02020603050405020304" pitchFamily="18" charset="0"/>
+              </a:rPr>
+              <a:t>DATASET :</a:t>
+            </a:r>
+            <a:endParaRPr lang="en-IN" sz="2400" b="1" dirty="0">
+              <a:latin typeface="Times New Roman" panose="02020603050405020304" pitchFamily="18" charset="0"/>
+              <a:cs typeface="Times New Roman" panose="02020603050405020304" pitchFamily="18" charset="0"/>
+            </a:endParaRPr>
+          </a:p>
+        </p:txBody>
+      </p:sp>
+      <p:pic>
+        <p:nvPicPr>
+          <p:cNvPr id="6" name="Picture 5">
+            <a:extLst>
+              <a:ext uri="{FF2B5EF4-FFF2-40B4-BE49-F238E27FC236}">
+                <a16:creationId xmlns:a16="http://schemas.microsoft.com/office/drawing/2014/main" id="{BBCC8A5F-FF84-5BB3-EB09-B6780773B43B}"/>
+              </a:ext>
+            </a:extLst>
+          </p:cNvPr>
+          <p:cNvPicPr>
+            <a:picLocks noChangeAspect="1"/>
+          </p:cNvPicPr>
+          <p:nvPr/>
+        </p:nvPicPr>
+        <p:blipFill>
+          <a:blip r:embed="rId2"/>
+          <a:stretch>
+            <a:fillRect/>
+          </a:stretch>
+        </p:blipFill>
+        <p:spPr>
+          <a:xfrm>
+            <a:off x="1197906" y="1464656"/>
+            <a:ext cx="10569537" cy="4442984"/>
+          </a:xfrm>
+          <a:prstGeom prst="rect">
+            <a:avLst/>
+          </a:prstGeom>
+        </p:spPr>
+      </p:pic>
+    </p:spTree>
+    <p:extLst>
+      <p:ext uri="{BB962C8B-B14F-4D97-AF65-F5344CB8AC3E}">
+        <p14:creationId xmlns:p14="http://schemas.microsoft.com/office/powerpoint/2010/main" val="2976731973"/>
+      </p:ext>
+    </p:extLst>
+  </p:cSld>
+  <p:clrMapOvr>
+    <a:masterClrMapping/>
+  </p:clrMapOvr>
+</p:sld>
+</file>
+
+<file path=ppt/slides/slide9.xml><?xml version="1.0" encoding="utf-8"?>
+<p:sld xmlns:a="http://schemas.openxmlformats.org/drawingml/2006/main" xmlns:r="http://schemas.openxmlformats.org/officeDocument/2006/relationships" xmlns:p="http://schemas.openxmlformats.org/presentationml/2006/main">
+  <p:cSld>
+    <p:spTree>
+      <p:nvGrpSpPr>
+        <p:cNvPr id="1" name=""/>
+        <p:cNvGrpSpPr/>
+        <p:nvPr/>
+      </p:nvGrpSpPr>
+      <p:grpSpPr>
+        <a:xfrm>
+          <a:off x="0" y="0"/>
+          <a:ext cx="0" cy="0"/>
+          <a:chOff x="0" y="0"/>
+          <a:chExt cx="0" cy="0"/>
+        </a:xfrm>
+      </p:grpSpPr>
+      <p:sp>
+        <p:nvSpPr>
+          <p:cNvPr id="5" name="TextBox 4">
+            <a:extLst>
+              <a:ext uri="{FF2B5EF4-FFF2-40B4-BE49-F238E27FC236}">
+                <a16:creationId xmlns:a16="http://schemas.microsoft.com/office/drawing/2014/main" id="{44F72190-DB6B-CD20-94B2-31B630E9EB2F}"/>
+              </a:ext>
+            </a:extLst>
+          </p:cNvPr>
+          <p:cNvSpPr txBox="1"/>
+          <p:nvPr/>
+        </p:nvSpPr>
+        <p:spPr>
+          <a:xfrm>
+            <a:off x="1212350" y="503434"/>
+            <a:ext cx="3904179" cy="461665"/>
+          </a:xfrm>
+          <a:prstGeom prst="rect">
+            <a:avLst/>
+          </a:prstGeom>
+          <a:noFill/>
+        </p:spPr>
+        <p:txBody>
+          <a:bodyPr wrap="square" rtlCol="0">
+            <a:spAutoFit/>
+          </a:bodyPr>
+          <a:lstStyle/>
+          <a:p>
+            <a:r>
+              <a:rPr lang="en-US" sz="2400" b="1" dirty="0">
+                <a:latin typeface="Times New Roman" panose="02020603050405020304" pitchFamily="18" charset="0"/>
+                <a:cs typeface="Times New Roman" panose="02020603050405020304" pitchFamily="18" charset="0"/>
+              </a:rPr>
+              <a:t>Exploratory Data Analysis :</a:t>
+            </a:r>
+            <a:endParaRPr lang="en-IN" sz="2400" b="1" dirty="0">
+              <a:latin typeface="Times New Roman" panose="02020603050405020304" pitchFamily="18" charset="0"/>
+              <a:cs typeface="Times New Roman" panose="02020603050405020304" pitchFamily="18" charset="0"/>
+            </a:endParaRPr>
+          </a:p>
+        </p:txBody>
+      </p:sp>
+      <p:pic>
+        <p:nvPicPr>
+          <p:cNvPr id="6" name="Picture 5">
+            <a:extLst>
+              <a:ext uri="{FF2B5EF4-FFF2-40B4-BE49-F238E27FC236}">
+                <a16:creationId xmlns:a16="http://schemas.microsoft.com/office/drawing/2014/main" id="{9627C6F0-7B87-3AF6-C72A-522F13172DEF}"/>
+              </a:ext>
+            </a:extLst>
+          </p:cNvPr>
+          <p:cNvPicPr>
+            <a:picLocks noChangeAspect="1"/>
+          </p:cNvPicPr>
+          <p:nvPr/>
+        </p:nvPicPr>
+        <p:blipFill>
+          <a:blip r:embed="rId2">
+            <a:extLst>
+              <a:ext uri="{28A0092B-C50C-407E-A947-70E740481C1C}">
+                <a14:useLocalDpi xmlns:a14="http://schemas.microsoft.com/office/drawing/2010/main" val="0"/>
+              </a:ext>
+            </a:extLst>
+          </a:blip>
+          <a:srcRect/>
+          <a:stretch>
+            <a:fillRect/>
+          </a:stretch>
+        </p:blipFill>
+        <p:spPr bwMode="auto">
+          <a:xfrm>
+            <a:off x="762438" y="1568767"/>
+            <a:ext cx="6002655" cy="3720465"/>
+          </a:xfrm>
+          <a:prstGeom prst="rect">
+            <a:avLst/>
+          </a:prstGeom>
+          <a:noFill/>
+          <a:ln>
+            <a:noFill/>
+          </a:ln>
+        </p:spPr>
+      </p:pic>
+      <p:sp>
+        <p:nvSpPr>
+          <p:cNvPr id="7" name="TextBox 6">
+            <a:extLst>
+              <a:ext uri="{FF2B5EF4-FFF2-40B4-BE49-F238E27FC236}">
+                <a16:creationId xmlns:a16="http://schemas.microsoft.com/office/drawing/2014/main" id="{9A50E13D-E719-9796-F9B1-24252C03803D}"/>
+              </a:ext>
+            </a:extLst>
+          </p:cNvPr>
+          <p:cNvSpPr txBox="1"/>
+          <p:nvPr/>
+        </p:nvSpPr>
+        <p:spPr>
+          <a:xfrm>
+            <a:off x="986319" y="5424755"/>
+            <a:ext cx="5568593" cy="923330"/>
+          </a:xfrm>
+          <a:prstGeom prst="rect">
+            <a:avLst/>
+          </a:prstGeom>
+          <a:noFill/>
+        </p:spPr>
+        <p:txBody>
+          <a:bodyPr wrap="square" rtlCol="0">
+            <a:spAutoFit/>
+          </a:bodyPr>
+          <a:lstStyle/>
+          <a:p>
+            <a:r>
+              <a:rPr lang="en-IN" sz="1800" dirty="0">
+                <a:effectLst/>
+                <a:latin typeface="Times New Roman" panose="02020603050405020304" pitchFamily="18" charset="0"/>
+                <a:ea typeface="Calibri" panose="020F0502020204030204" pitchFamily="34" charset="0"/>
+              </a:rPr>
+              <a:t>This heatmap shows the count of each product type according to the establishment year. </a:t>
+            </a:r>
+            <a:r>
+              <a:rPr lang="en-IN" sz="1800" b="1" i="1" dirty="0">
+                <a:effectLst/>
+                <a:latin typeface="Times New Roman" panose="02020603050405020304" pitchFamily="18" charset="0"/>
+                <a:ea typeface="Calibri" panose="020F0502020204030204" pitchFamily="34" charset="0"/>
+              </a:rPr>
+              <a:t>Where Fruits and Vegetables have highest count</a:t>
+            </a:r>
+            <a:endParaRPr lang="en-IN" dirty="0"/>
+          </a:p>
+        </p:txBody>
+      </p:sp>
+      <p:pic>
+        <p:nvPicPr>
+          <p:cNvPr id="8" name="Picture 7">
+            <a:extLst>
+              <a:ext uri="{FF2B5EF4-FFF2-40B4-BE49-F238E27FC236}">
+                <a16:creationId xmlns:a16="http://schemas.microsoft.com/office/drawing/2014/main" id="{854B0F23-BDB5-D600-7E8D-482765A113CC}"/>
+              </a:ext>
+            </a:extLst>
+          </p:cNvPr>
+          <p:cNvPicPr>
+            <a:picLocks noChangeAspect="1"/>
+          </p:cNvPicPr>
+          <p:nvPr/>
+        </p:nvPicPr>
+        <p:blipFill>
+          <a:blip r:embed="rId3">
+            <a:extLst>
+              <a:ext uri="{28A0092B-C50C-407E-A947-70E740481C1C}">
+                <a14:useLocalDpi xmlns:a14="http://schemas.microsoft.com/office/drawing/2010/main" val="0"/>
+              </a:ext>
+            </a:extLst>
+          </a:blip>
+          <a:srcRect/>
+          <a:stretch>
+            <a:fillRect/>
+          </a:stretch>
+        </p:blipFill>
+        <p:spPr bwMode="auto">
+          <a:xfrm>
+            <a:off x="6609315" y="1568767"/>
+            <a:ext cx="5582685" cy="3545840"/>
+          </a:xfrm>
+          <a:prstGeom prst="rect">
+            <a:avLst/>
+          </a:prstGeom>
+          <a:noFill/>
+          <a:ln>
+            <a:noFill/>
+          </a:ln>
+        </p:spPr>
+      </p:pic>
+      <p:sp>
+        <p:nvSpPr>
+          <p:cNvPr id="9" name="TextBox 8">
+            <a:extLst>
+              <a:ext uri="{FF2B5EF4-FFF2-40B4-BE49-F238E27FC236}">
+                <a16:creationId xmlns:a16="http://schemas.microsoft.com/office/drawing/2014/main" id="{D240F7C6-6176-6281-85FC-FAD67E956AD4}"/>
+              </a:ext>
+            </a:extLst>
+          </p:cNvPr>
+          <p:cNvSpPr txBox="1"/>
+          <p:nvPr/>
+        </p:nvSpPr>
+        <p:spPr>
+          <a:xfrm>
+            <a:off x="6623407" y="5424755"/>
+            <a:ext cx="5568593" cy="1361014"/>
+          </a:xfrm>
+          <a:prstGeom prst="rect">
+            <a:avLst/>
+          </a:prstGeom>
+          <a:noFill/>
+        </p:spPr>
+        <p:txBody>
+          <a:bodyPr wrap="square" rtlCol="0">
+            <a:spAutoFit/>
+          </a:bodyPr>
+          <a:lstStyle/>
+          <a:p>
+            <a:pPr algn="just">
+              <a:lnSpc>
+                <a:spcPct val="107000"/>
+              </a:lnSpc>
+              <a:spcAft>
+                <a:spcPts val="800"/>
+              </a:spcAft>
+            </a:pPr>
+            <a:r>
+              <a:rPr lang="en-IN" sz="1800" kern="100" dirty="0">
+                <a:effectLst/>
+                <a:latin typeface="Times New Roman" panose="02020603050405020304" pitchFamily="18" charset="0"/>
+                <a:ea typeface="Calibri" panose="020F0502020204030204" pitchFamily="34" charset="0"/>
+                <a:cs typeface="Latha" panose="020B0604020202020204" pitchFamily="34" charset="0"/>
+              </a:rPr>
+              <a:t>This figure shows the Total </a:t>
+            </a:r>
+            <a:r>
+              <a:rPr lang="en-IN" sz="1800" kern="100" dirty="0" err="1">
+                <a:effectLst/>
+                <a:latin typeface="Times New Roman" panose="02020603050405020304" pitchFamily="18" charset="0"/>
+                <a:ea typeface="Calibri" panose="020F0502020204030204" pitchFamily="34" charset="0"/>
+                <a:cs typeface="Latha" panose="020B0604020202020204" pitchFamily="34" charset="0"/>
+              </a:rPr>
+              <a:t>OutletSales</a:t>
+            </a:r>
+            <a:r>
+              <a:rPr lang="en-IN" sz="1800" kern="100" dirty="0">
+                <a:effectLst/>
+                <a:latin typeface="Times New Roman" panose="02020603050405020304" pitchFamily="18" charset="0"/>
+                <a:ea typeface="Calibri" panose="020F0502020204030204" pitchFamily="34" charset="0"/>
+                <a:cs typeface="Latha" panose="020B0604020202020204" pitchFamily="34" charset="0"/>
+              </a:rPr>
+              <a:t> By each of the </a:t>
+            </a:r>
+            <a:r>
+              <a:rPr lang="en-IN" sz="1800" kern="100" dirty="0" err="1">
+                <a:effectLst/>
+                <a:latin typeface="Times New Roman" panose="02020603050405020304" pitchFamily="18" charset="0"/>
+                <a:ea typeface="Calibri" panose="020F0502020204030204" pitchFamily="34" charset="0"/>
+                <a:cs typeface="Latha" panose="020B0604020202020204" pitchFamily="34" charset="0"/>
+              </a:rPr>
+              <a:t>outletType</a:t>
+            </a:r>
+            <a:r>
+              <a:rPr lang="en-IN" sz="1800" kern="100" dirty="0">
+                <a:effectLst/>
+                <a:latin typeface="Times New Roman" panose="02020603050405020304" pitchFamily="18" charset="0"/>
+                <a:ea typeface="Calibri" panose="020F0502020204030204" pitchFamily="34" charset="0"/>
+                <a:cs typeface="Latha" panose="020B0604020202020204" pitchFamily="34" charset="0"/>
+              </a:rPr>
+              <a:t>, Where </a:t>
+            </a:r>
+            <a:r>
+              <a:rPr lang="en-IN" sz="1800" b="1" i="1" kern="100" dirty="0">
+                <a:effectLst/>
+                <a:latin typeface="Times New Roman" panose="02020603050405020304" pitchFamily="18" charset="0"/>
+                <a:ea typeface="Calibri" panose="020F0502020204030204" pitchFamily="34" charset="0"/>
+                <a:cs typeface="Latha" panose="020B0604020202020204" pitchFamily="34" charset="0"/>
+              </a:rPr>
+              <a:t>Supermarket Type1 has the Highest outlet sales</a:t>
+            </a:r>
+            <a:r>
+              <a:rPr lang="en-IN" sz="1800" kern="100" dirty="0">
+                <a:effectLst/>
+                <a:latin typeface="Times New Roman" panose="02020603050405020304" pitchFamily="18" charset="0"/>
+                <a:ea typeface="Calibri" panose="020F0502020204030204" pitchFamily="34" charset="0"/>
+                <a:cs typeface="Latha" panose="020B0604020202020204" pitchFamily="34" charset="0"/>
+              </a:rPr>
+              <a:t>.</a:t>
+            </a:r>
+            <a:endParaRPr lang="en-IN" sz="1800" kern="100" dirty="0">
+              <a:effectLst/>
+              <a:latin typeface="Calibri" panose="020F0502020204030204" pitchFamily="34" charset="0"/>
+              <a:ea typeface="Calibri" panose="020F0502020204030204" pitchFamily="34" charset="0"/>
+              <a:cs typeface="Latha" panose="020B0604020202020204" pitchFamily="34" charset="0"/>
+            </a:endParaRPr>
+          </a:p>
+          <a:p>
+            <a:endParaRPr lang="en-IN" dirty="0"/>
+          </a:p>
+        </p:txBody>
+      </p:sp>
+    </p:spTree>
+    <p:extLst>
+      <p:ext uri="{BB962C8B-B14F-4D97-AF65-F5344CB8AC3E}">
+        <p14:creationId xmlns:p14="http://schemas.microsoft.com/office/powerpoint/2010/main" val="1828862248"/>
       </p:ext>
     </p:extLst>
   </p:cSld>

--- a/Final_Project/PRESENTATION.pptx
+++ b/Final_Project/PRESENTATION.pptx
@@ -314,7 +314,7 @@
           <a:p>
             <a:fld id="{48A87A34-81AB-432B-8DAE-1953F412C126}" type="datetimeFigureOut">
               <a:rPr lang="en-US" smtClean="0"/>
-              <a:t>11/25/2024</a:t>
+              <a:t>11/28/2024</a:t>
             </a:fld>
             <a:endParaRPr lang="en-US" dirty="0"/>
           </a:p>
@@ -519,7 +519,7 @@
           <a:p>
             <a:fld id="{48A87A34-81AB-432B-8DAE-1953F412C126}" type="datetimeFigureOut">
               <a:rPr lang="en-US" smtClean="0"/>
-              <a:t>11/25/2024</a:t>
+              <a:t>11/28/2024</a:t>
             </a:fld>
             <a:endParaRPr lang="en-US" dirty="0"/>
           </a:p>
@@ -699,7 +699,7 @@
           <a:p>
             <a:fld id="{48A87A34-81AB-432B-8DAE-1953F412C126}" type="datetimeFigureOut">
               <a:rPr lang="en-US" smtClean="0"/>
-              <a:t>11/25/2024</a:t>
+              <a:t>11/28/2024</a:t>
             </a:fld>
             <a:endParaRPr lang="en-US" dirty="0"/>
           </a:p>
@@ -904,7 +904,7 @@
           <a:p>
             <a:fld id="{48A87A34-81AB-432B-8DAE-1953F412C126}" type="datetimeFigureOut">
               <a:rPr lang="en-US" smtClean="0"/>
-              <a:t>11/25/2024</a:t>
+              <a:t>11/28/2024</a:t>
             </a:fld>
             <a:endParaRPr lang="en-US" dirty="0"/>
           </a:p>
@@ -1199,7 +1199,7 @@
           <a:p>
             <a:fld id="{48A87A34-81AB-432B-8DAE-1953F412C126}" type="datetimeFigureOut">
               <a:rPr lang="en-US" smtClean="0"/>
-              <a:t>11/25/2024</a:t>
+              <a:t>11/28/2024</a:t>
             </a:fld>
             <a:endParaRPr lang="en-US" dirty="0"/>
           </a:p>
@@ -1471,7 +1471,7 @@
           <a:p>
             <a:fld id="{48A87A34-81AB-432B-8DAE-1953F412C126}" type="datetimeFigureOut">
               <a:rPr lang="en-US" smtClean="0"/>
-              <a:t>11/25/2024</a:t>
+              <a:t>11/28/2024</a:t>
             </a:fld>
             <a:endParaRPr lang="en-US" dirty="0"/>
           </a:p>
@@ -1878,7 +1878,7 @@
           <a:p>
             <a:fld id="{48A87A34-81AB-432B-8DAE-1953F412C126}" type="datetimeFigureOut">
               <a:rPr lang="en-US" smtClean="0"/>
-              <a:t>11/25/2024</a:t>
+              <a:t>11/28/2024</a:t>
             </a:fld>
             <a:endParaRPr lang="en-US" dirty="0"/>
           </a:p>
@@ -1996,7 +1996,7 @@
           <a:p>
             <a:fld id="{48A87A34-81AB-432B-8DAE-1953F412C126}" type="datetimeFigureOut">
               <a:rPr lang="en-US" smtClean="0"/>
-              <a:t>11/25/2024</a:t>
+              <a:t>11/28/2024</a:t>
             </a:fld>
             <a:endParaRPr lang="en-US" dirty="0"/>
           </a:p>
@@ -2091,7 +2091,7 @@
           <a:p>
             <a:fld id="{48A87A34-81AB-432B-8DAE-1953F412C126}" type="datetimeFigureOut">
               <a:rPr lang="en-US" smtClean="0"/>
-              <a:t>11/25/2024</a:t>
+              <a:t>11/28/2024</a:t>
             </a:fld>
             <a:endParaRPr lang="en-US" dirty="0"/>
           </a:p>
@@ -2381,7 +2381,7 @@
           <a:p>
             <a:fld id="{48A87A34-81AB-432B-8DAE-1953F412C126}" type="datetimeFigureOut">
               <a:rPr lang="en-US" smtClean="0"/>
-              <a:t>11/25/2024</a:t>
+              <a:t>11/28/2024</a:t>
             </a:fld>
             <a:endParaRPr lang="en-US" dirty="0"/>
           </a:p>
@@ -2661,7 +2661,7 @@
           <a:p>
             <a:fld id="{48A87A34-81AB-432B-8DAE-1953F412C126}" type="datetimeFigureOut">
               <a:rPr lang="en-US" smtClean="0"/>
-              <a:t>11/25/2024</a:t>
+              <a:t>11/28/2024</a:t>
             </a:fld>
             <a:endParaRPr lang="en-US" dirty="0"/>
           </a:p>
@@ -2912,7 +2912,7 @@
             <a:fld id="{48A87A34-81AB-432B-8DAE-1953F412C126}" type="datetimeFigureOut">
               <a:rPr lang="en-US" smtClean="0"/>
               <a:pPr/>
-              <a:t>11/25/2024</a:t>
+              <a:t>11/28/2024</a:t>
             </a:fld>
             <a:endParaRPr lang="en-US" dirty="0"/>
           </a:p>
@@ -4601,7 +4601,7 @@
         </p:nvSpPr>
         <p:spPr>
           <a:xfrm>
-            <a:off x="3426373" y="2413337"/>
+            <a:off x="3552497" y="2921168"/>
             <a:ext cx="6253655" cy="1015663"/>
           </a:xfrm>
           <a:prstGeom prst="rect">
@@ -4632,6 +4632,56 @@
               </a:rPr>
               <a:t>THANK YOU…</a:t>
             </a:r>
+          </a:p>
+        </p:txBody>
+      </p:sp>
+      <p:sp>
+        <p:nvSpPr>
+          <p:cNvPr id="3" name="TextBox 2">
+            <a:extLst>
+              <a:ext uri="{FF2B5EF4-FFF2-40B4-BE49-F238E27FC236}">
+                <a16:creationId xmlns:a16="http://schemas.microsoft.com/office/drawing/2014/main" id="{90CAF1A0-E15D-4AF8-22A2-D93E786EDDB3}"/>
+              </a:ext>
+            </a:extLst>
+          </p:cNvPr>
+          <p:cNvSpPr txBox="1"/>
+          <p:nvPr/>
+        </p:nvSpPr>
+        <p:spPr>
+          <a:xfrm>
+            <a:off x="3854669" y="1618593"/>
+            <a:ext cx="3999186" cy="461665"/>
+          </a:xfrm>
+          <a:prstGeom prst="rect">
+            <a:avLst/>
+          </a:prstGeom>
+          <a:noFill/>
+        </p:spPr>
+        <p:txBody>
+          <a:bodyPr wrap="square" rtlCol="0">
+            <a:spAutoFit/>
+          </a:bodyPr>
+          <a:lstStyle/>
+          <a:p>
+            <a:r>
+              <a:rPr lang="en-IN" sz="2400" dirty="0">
+                <a:latin typeface="Times New Roman" panose="02020603050405020304" pitchFamily="18" charset="0"/>
+                <a:cs typeface="Times New Roman" panose="02020603050405020304" pitchFamily="18" charset="0"/>
+              </a:rPr>
+              <a:t>GITHUB : </a:t>
+            </a:r>
+            <a:r>
+              <a:rPr lang="en-IN" sz="2400" dirty="0">
+                <a:latin typeface="Times New Roman" panose="02020603050405020304" pitchFamily="18" charset="0"/>
+                <a:cs typeface="Times New Roman" panose="02020603050405020304" pitchFamily="18" charset="0"/>
+                <a:hlinkClick r:id="rId2"/>
+              </a:rPr>
+              <a:t>GITHUB | LINK</a:t>
+            </a:r>
+            <a:endParaRPr lang="en-IN" sz="2400" dirty="0">
+              <a:latin typeface="Times New Roman" panose="02020603050405020304" pitchFamily="18" charset="0"/>
+              <a:cs typeface="Times New Roman" panose="02020603050405020304" pitchFamily="18" charset="0"/>
+            </a:endParaRPr>
           </a:p>
         </p:txBody>
       </p:sp>
@@ -6185,15 +6235,6 @@
           <a:effectLst>
             <a:reflection blurRad="12700" stA="38000" endPos="28000" dist="5000" dir="5400000" sy="-100000" algn="bl" rotWithShape="0"/>
           </a:effectLst>
-          <a:extLst>
-            <a:ext uri="{909E8E84-426E-40DD-AFC4-6F175D3DCCD1}">
-              <a14:hiddenFill xmlns:a14="http://schemas.microsoft.com/office/drawing/2010/main">
-                <a:solidFill>
-                  <a:srgbClr val="FFFFFF"/>
-                </a:solidFill>
-              </a14:hiddenFill>
-            </a:ext>
-          </a:extLst>
         </p:spPr>
       </p:pic>
     </p:spTree>
